--- a/docs/VatolinRP.pptx
+++ b/docs/VatolinRP.pptx
@@ -6,17 +6,18 @@
   </p:sldMasterIdLst>
   <p:sldIdLst>
     <p:sldId id="256" r:id="rId2"/>
-    <p:sldId id="257" r:id="rId3"/>
-    <p:sldId id="258" r:id="rId4"/>
-    <p:sldId id="261" r:id="rId5"/>
-    <p:sldId id="263" r:id="rId6"/>
-    <p:sldId id="260" r:id="rId7"/>
-    <p:sldId id="259" r:id="rId8"/>
-    <p:sldId id="264" r:id="rId9"/>
-    <p:sldId id="265" r:id="rId10"/>
-    <p:sldId id="266" r:id="rId11"/>
-    <p:sldId id="267" r:id="rId12"/>
-    <p:sldId id="268" r:id="rId13"/>
+    <p:sldId id="269" r:id="rId3"/>
+    <p:sldId id="257" r:id="rId4"/>
+    <p:sldId id="258" r:id="rId5"/>
+    <p:sldId id="261" r:id="rId6"/>
+    <p:sldId id="263" r:id="rId7"/>
+    <p:sldId id="260" r:id="rId8"/>
+    <p:sldId id="259" r:id="rId9"/>
+    <p:sldId id="264" r:id="rId10"/>
+    <p:sldId id="265" r:id="rId11"/>
+    <p:sldId id="266" r:id="rId12"/>
+    <p:sldId id="267" r:id="rId13"/>
+    <p:sldId id="268" r:id="rId14"/>
   </p:sldIdLst>
   <p:sldSz cx="12192000" cy="6858000"/>
   <p:notesSz cx="6858000" cy="9144000"/>
@@ -315,7 +316,7 @@
             <a:fld id="{B61BEF0D-F0BB-DE4B-95CE-6DB70DBA9567}" type="datetimeFigureOut">
               <a:rPr lang="en-US" dirty="0"/>
               <a:pPr/>
-              <a:t>24-May-17</a:t>
+              <a:t>25-May-17</a:t>
             </a:fld>
             <a:endParaRPr lang="en-US" dirty="0"/>
           </a:p>
@@ -748,7 +749,7 @@
             <a:fld id="{B61BEF0D-F0BB-DE4B-95CE-6DB70DBA9567}" type="datetimeFigureOut">
               <a:rPr lang="en-US" dirty="0"/>
               <a:pPr/>
-              <a:t>24-May-17</a:t>
+              <a:t>25-May-17</a:t>
             </a:fld>
             <a:endParaRPr lang="en-US" dirty="0"/>
           </a:p>
@@ -995,7 +996,7 @@
             <a:fld id="{B61BEF0D-F0BB-DE4B-95CE-6DB70DBA9567}" type="datetimeFigureOut">
               <a:rPr lang="en-US" dirty="0"/>
               <a:pPr/>
-              <a:t>24-May-17</a:t>
+              <a:t>25-May-17</a:t>
             </a:fld>
             <a:endParaRPr lang="en-US" dirty="0"/>
           </a:p>
@@ -1300,7 +1301,7 @@
             <a:fld id="{B61BEF0D-F0BB-DE4B-95CE-6DB70DBA9567}" type="datetimeFigureOut">
               <a:rPr lang="en-US" dirty="0"/>
               <a:pPr/>
-              <a:t>24-May-17</a:t>
+              <a:t>25-May-17</a:t>
             </a:fld>
             <a:endParaRPr lang="en-US" dirty="0"/>
           </a:p>
@@ -1615,7 +1616,7 @@
             <a:fld id="{B61BEF0D-F0BB-DE4B-95CE-6DB70DBA9567}" type="datetimeFigureOut">
               <a:rPr lang="en-US" dirty="0"/>
               <a:pPr/>
-              <a:t>24-May-17</a:t>
+              <a:t>25-May-17</a:t>
             </a:fld>
             <a:endParaRPr lang="en-US" dirty="0"/>
           </a:p>
@@ -1914,7 +1915,7 @@
             <a:fld id="{B61BEF0D-F0BB-DE4B-95CE-6DB70DBA9567}" type="datetimeFigureOut">
               <a:rPr lang="en-US" dirty="0"/>
               <a:pPr/>
-              <a:t>24-May-17</a:t>
+              <a:t>25-May-17</a:t>
             </a:fld>
             <a:endParaRPr lang="en-US" dirty="0"/>
           </a:p>
@@ -2278,7 +2279,7 @@
             <a:fld id="{B61BEF0D-F0BB-DE4B-95CE-6DB70DBA9567}" type="datetimeFigureOut">
               <a:rPr lang="en-US" dirty="0"/>
               <a:pPr/>
-              <a:t>24-May-17</a:t>
+              <a:t>25-May-17</a:t>
             </a:fld>
             <a:endParaRPr lang="en-US" dirty="0"/>
           </a:p>
@@ -2449,7 +2450,7 @@
             <a:fld id="{B61BEF0D-F0BB-DE4B-95CE-6DB70DBA9567}" type="datetimeFigureOut">
               <a:rPr lang="en-US" dirty="0"/>
               <a:pPr/>
-              <a:t>24-May-17</a:t>
+              <a:t>25-May-17</a:t>
             </a:fld>
             <a:endParaRPr lang="en-US" dirty="0"/>
           </a:p>
@@ -2626,7 +2627,7 @@
             <a:fld id="{B61BEF0D-F0BB-DE4B-95CE-6DB70DBA9567}" type="datetimeFigureOut">
               <a:rPr lang="en-US" dirty="0"/>
               <a:pPr/>
-              <a:t>24-May-17</a:t>
+              <a:t>25-May-17</a:t>
             </a:fld>
             <a:endParaRPr lang="en-US" dirty="0"/>
           </a:p>
@@ -2793,7 +2794,7 @@
             <a:fld id="{B61BEF0D-F0BB-DE4B-95CE-6DB70DBA9567}" type="datetimeFigureOut">
               <a:rPr lang="en-US" dirty="0"/>
               <a:pPr/>
-              <a:t>24-May-17</a:t>
+              <a:t>25-May-17</a:t>
             </a:fld>
             <a:endParaRPr lang="en-US" dirty="0"/>
           </a:p>
@@ -3040,7 +3041,7 @@
             <a:fld id="{B61BEF0D-F0BB-DE4B-95CE-6DB70DBA9567}" type="datetimeFigureOut">
               <a:rPr lang="en-US" dirty="0"/>
               <a:pPr/>
-              <a:t>24-May-17</a:t>
+              <a:t>25-May-17</a:t>
             </a:fld>
             <a:endParaRPr lang="en-US" dirty="0"/>
           </a:p>
@@ -3273,7 +3274,7 @@
             <a:fld id="{B61BEF0D-F0BB-DE4B-95CE-6DB70DBA9567}" type="datetimeFigureOut">
               <a:rPr lang="en-US" dirty="0"/>
               <a:pPr/>
-              <a:t>24-May-17</a:t>
+              <a:t>25-May-17</a:t>
             </a:fld>
             <a:endParaRPr lang="en-US" dirty="0"/>
           </a:p>
@@ -3652,7 +3653,7 @@
             <a:fld id="{B61BEF0D-F0BB-DE4B-95CE-6DB70DBA9567}" type="datetimeFigureOut">
               <a:rPr lang="en-US" dirty="0"/>
               <a:pPr/>
-              <a:t>24-May-17</a:t>
+              <a:t>25-May-17</a:t>
             </a:fld>
             <a:endParaRPr lang="en-US" dirty="0"/>
           </a:p>
@@ -3767,7 +3768,7 @@
             <a:fld id="{B61BEF0D-F0BB-DE4B-95CE-6DB70DBA9567}" type="datetimeFigureOut">
               <a:rPr lang="en-US" dirty="0"/>
               <a:pPr/>
-              <a:t>24-May-17</a:t>
+              <a:t>25-May-17</a:t>
             </a:fld>
             <a:endParaRPr lang="en-US" dirty="0"/>
           </a:p>
@@ -3859,7 +3860,7 @@
             <a:fld id="{B61BEF0D-F0BB-DE4B-95CE-6DB70DBA9567}" type="datetimeFigureOut">
               <a:rPr lang="en-US" dirty="0"/>
               <a:pPr/>
-              <a:t>24-May-17</a:t>
+              <a:t>25-May-17</a:t>
             </a:fld>
             <a:endParaRPr lang="en-US" dirty="0"/>
           </a:p>
@@ -4111,7 +4112,7 @@
             <a:fld id="{B61BEF0D-F0BB-DE4B-95CE-6DB70DBA9567}" type="datetimeFigureOut">
               <a:rPr lang="en-US" dirty="0"/>
               <a:pPr/>
-              <a:t>24-May-17</a:t>
+              <a:t>25-May-17</a:t>
             </a:fld>
             <a:endParaRPr lang="en-US" dirty="0"/>
           </a:p>
@@ -4391,7 +4392,7 @@
             <a:fld id="{B61BEF0D-F0BB-DE4B-95CE-6DB70DBA9567}" type="datetimeFigureOut">
               <a:rPr lang="en-US" dirty="0"/>
               <a:pPr/>
-              <a:t>24-May-17</a:t>
+              <a:t>25-May-17</a:t>
             </a:fld>
             <a:endParaRPr lang="en-US" dirty="0"/>
           </a:p>
@@ -4794,7 +4795,7 @@
             <a:fld id="{B61BEF0D-F0BB-DE4B-95CE-6DB70DBA9567}" type="datetimeFigureOut">
               <a:rPr lang="en-US" dirty="0"/>
               <a:pPr/>
-              <a:t>24-May-17</a:t>
+              <a:t>25-May-17</a:t>
             </a:fld>
             <a:endParaRPr lang="en-US" dirty="0"/>
           </a:p>
@@ -5554,13 +5555,13 @@
         </p:nvSpPr>
         <p:spPr>
           <a:xfrm>
-            <a:off x="9244012" y="3615267"/>
+            <a:off x="8570912" y="3754967"/>
             <a:ext cx="3506788" cy="2671233"/>
           </a:xfrm>
         </p:spPr>
         <p:txBody>
           <a:bodyPr>
-            <a:normAutofit/>
+            <a:normAutofit fontScale="92500" lnSpcReduction="20000"/>
           </a:bodyPr>
           <a:lstStyle/>
           <a:p>
@@ -5653,17 +5654,15 @@
           </a:p>
           <a:p>
             <a:r>
-              <a:rPr lang="ru-RU" sz="1400" dirty="0">
+              <a:rPr lang="ru-RU" sz="1400" dirty="0" smtClean="0">
                 <a:solidFill>
                   <a:schemeClr val="tx1"/>
                 </a:solidFill>
                 <a:latin typeface="Times New Roman" panose="02020603050405020304" pitchFamily="18" charset="0"/>
                 <a:cs typeface="Times New Roman" panose="02020603050405020304" pitchFamily="18" charset="0"/>
               </a:rPr>
-              <a:t>Научный руководитель:</a:t>
-            </a:r>
-          </a:p>
-          <a:p>
+              <a:t>Научны</a:t>
+            </a:r>
             <a:r>
               <a:rPr lang="ru-RU" sz="1400" dirty="0">
                 <a:solidFill>
@@ -5672,17 +5671,17 @@
                 <a:latin typeface="Times New Roman" panose="02020603050405020304" pitchFamily="18" charset="0"/>
                 <a:cs typeface="Times New Roman" panose="02020603050405020304" pitchFamily="18" charset="0"/>
               </a:rPr>
-              <a:t>ассистент кафедры МСС</a:t>
-            </a:r>
-            <a:r>
-              <a:rPr lang="ru-RU" sz="1400" i="1" dirty="0">
+              <a:t>е</a:t>
+            </a:r>
+            <a:r>
+              <a:rPr lang="ru-RU" sz="1400" dirty="0" smtClean="0">
                 <a:solidFill>
                   <a:schemeClr val="tx1"/>
                 </a:solidFill>
                 <a:latin typeface="Times New Roman" panose="02020603050405020304" pitchFamily="18" charset="0"/>
                 <a:cs typeface="Times New Roman" panose="02020603050405020304" pitchFamily="18" charset="0"/>
               </a:rPr>
-              <a:t> </a:t>
+              <a:t> руководители:</a:t>
             </a:r>
             <a:endParaRPr lang="ru-RU" sz="1400" dirty="0">
               <a:solidFill>
@@ -5701,8 +5700,63 @@
                 <a:latin typeface="Times New Roman" panose="02020603050405020304" pitchFamily="18" charset="0"/>
                 <a:cs typeface="Times New Roman" panose="02020603050405020304" pitchFamily="18" charset="0"/>
               </a:rPr>
+              <a:t>ассистент кафедры МСС</a:t>
+            </a:r>
+            <a:r>
+              <a:rPr lang="ru-RU" sz="1400" i="1" dirty="0">
+                <a:solidFill>
+                  <a:schemeClr val="tx1"/>
+                </a:solidFill>
+                <a:latin typeface="Times New Roman" panose="02020603050405020304" pitchFamily="18" charset="0"/>
+                <a:cs typeface="Times New Roman" panose="02020603050405020304" pitchFamily="18" charset="0"/>
+              </a:rPr>
+              <a:t> </a:t>
+            </a:r>
+            <a:endParaRPr lang="ru-RU" sz="1400" dirty="0">
+              <a:solidFill>
+                <a:schemeClr val="tx1"/>
+              </a:solidFill>
+              <a:latin typeface="Times New Roman" panose="02020603050405020304" pitchFamily="18" charset="0"/>
+              <a:cs typeface="Times New Roman" panose="02020603050405020304" pitchFamily="18" charset="0"/>
+            </a:endParaRPr>
+          </a:p>
+          <a:p>
+            <a:r>
+              <a:rPr lang="ru-RU" sz="1400" dirty="0">
+                <a:solidFill>
+                  <a:schemeClr val="tx1"/>
+                </a:solidFill>
+                <a:latin typeface="Times New Roman" panose="02020603050405020304" pitchFamily="18" charset="0"/>
+                <a:cs typeface="Times New Roman" panose="02020603050405020304" pitchFamily="18" charset="0"/>
+              </a:rPr>
               <a:t>А.С. Гусейнова </a:t>
             </a:r>
+            <a:endParaRPr lang="ru-RU" sz="1400" dirty="0" smtClean="0">
+              <a:solidFill>
+                <a:schemeClr val="tx1"/>
+              </a:solidFill>
+              <a:latin typeface="Times New Roman" panose="02020603050405020304" pitchFamily="18" charset="0"/>
+              <a:cs typeface="Times New Roman" panose="02020603050405020304" pitchFamily="18" charset="0"/>
+            </a:endParaRPr>
+          </a:p>
+          <a:p>
+            <a:r>
+              <a:rPr lang="ru-RU" sz="1400" dirty="0">
+                <a:solidFill>
+                  <a:schemeClr val="tx1"/>
+                </a:solidFill>
+                <a:latin typeface="Times New Roman" panose="02020603050405020304" pitchFamily="18" charset="0"/>
+                <a:cs typeface="Times New Roman" panose="02020603050405020304" pitchFamily="18" charset="0"/>
+              </a:rPr>
+              <a:t>доцент, кандидат физико-математических наук С.В. Марков</a:t>
+            </a:r>
+            <a:endParaRPr lang="ru-RU" sz="1400" dirty="0">
+              <a:solidFill>
+                <a:schemeClr val="tx1"/>
+              </a:solidFill>
+              <a:latin typeface="Times New Roman" panose="02020603050405020304" pitchFamily="18" charset="0"/>
+              <a:cs typeface="Times New Roman" panose="02020603050405020304" pitchFamily="18" charset="0"/>
+            </a:endParaRPr>
           </a:p>
         </p:txBody>
       </p:sp>
@@ -5792,8 +5846,8 @@
         </p:nvSpPr>
         <p:spPr>
           <a:xfrm>
-            <a:off x="341312" y="220132"/>
-            <a:ext cx="8534400" cy="1507067"/>
+            <a:off x="544512" y="205211"/>
+            <a:ext cx="8534400" cy="1394990"/>
           </a:xfrm>
         </p:spPr>
         <p:txBody>
@@ -5802,7 +5856,7 @@
           <a:p>
             <a:r>
               <a:rPr lang="ru-RU" dirty="0" smtClean="0"/>
-              <a:t>Определение лучшей службы</a:t>
+              <a:t>Изображение результатов</a:t>
             </a:r>
             <a:endParaRPr lang="ru-RU" dirty="0"/>
           </a:p>
@@ -5810,14 +5864,78 @@
       </p:sp>
       <p:pic>
         <p:nvPicPr>
-          <p:cNvPr id="4" name="Рисунок 3"/>
-          <p:cNvPicPr>
-            <a:picLocks noChangeAspect="1"/>
-          </p:cNvPicPr>
+          <p:cNvPr id="4" name="Picture 5" descr="brest%2024%20h%20AW.jpg"/>
+          <p:cNvPicPr/>
           <p:nvPr/>
         </p:nvPicPr>
         <p:blipFill>
           <a:blip r:embed="rId2">
+            <a:extLst>
+              <a:ext uri="{28A0092B-C50C-407E-A947-70E740481C1C}">
+                <a14:useLocalDpi xmlns:a14="http://schemas.microsoft.com/office/drawing/2010/main" val="0"/>
+              </a:ext>
+            </a:extLst>
+          </a:blip>
+          <a:srcRect/>
+          <a:stretch>
+            <a:fillRect/>
+          </a:stretch>
+        </p:blipFill>
+        <p:spPr bwMode="auto">
+          <a:xfrm>
+            <a:off x="773112" y="1712277"/>
+            <a:ext cx="3494088" cy="2072323"/>
+          </a:xfrm>
+          <a:prstGeom prst="rect">
+            <a:avLst/>
+          </a:prstGeom>
+          <a:noFill/>
+          <a:ln>
+            <a:noFill/>
+          </a:ln>
+        </p:spPr>
+      </p:pic>
+      <p:pic>
+        <p:nvPicPr>
+          <p:cNvPr id="5" name="Picture 3" descr="minsk%2024%20h%20AW.jpg"/>
+          <p:cNvPicPr/>
+          <p:nvPr/>
+        </p:nvPicPr>
+        <p:blipFill>
+          <a:blip r:embed="rId3">
+            <a:extLst>
+              <a:ext uri="{28A0092B-C50C-407E-A947-70E740481C1C}">
+                <a14:useLocalDpi xmlns:a14="http://schemas.microsoft.com/office/drawing/2010/main" val="0"/>
+              </a:ext>
+            </a:extLst>
+          </a:blip>
+          <a:srcRect/>
+          <a:stretch>
+            <a:fillRect/>
+          </a:stretch>
+        </p:blipFill>
+        <p:spPr bwMode="auto">
+          <a:xfrm>
+            <a:off x="5918199" y="1712277"/>
+            <a:ext cx="3832225" cy="2072323"/>
+          </a:xfrm>
+          <a:prstGeom prst="rect">
+            <a:avLst/>
+          </a:prstGeom>
+          <a:noFill/>
+          <a:ln>
+            <a:noFill/>
+          </a:ln>
+        </p:spPr>
+      </p:pic>
+      <p:pic>
+        <p:nvPicPr>
+          <p:cNvPr id="6" name="Рисунок 5"/>
+          <p:cNvPicPr/>
+          <p:nvPr/>
+        </p:nvPicPr>
+        <p:blipFill>
+          <a:blip r:embed="rId4">
             <a:extLst>
               <a:ext uri="{28A0092B-C50C-407E-A947-70E740481C1C}">
                 <a14:useLocalDpi xmlns:a14="http://schemas.microsoft.com/office/drawing/2010/main" val="0"/>
@@ -5830,48 +5948,46 @@
         </p:blipFill>
         <p:spPr>
           <a:xfrm>
-            <a:off x="1011237" y="1727199"/>
-            <a:ext cx="2493963" cy="4964060"/>
+            <a:off x="5918198" y="4438490"/>
+            <a:ext cx="3832225" cy="1900553"/>
           </a:xfrm>
           <a:prstGeom prst="rect">
             <a:avLst/>
           </a:prstGeom>
         </p:spPr>
       </p:pic>
-      <p:sp>
-        <p:nvSpPr>
-          <p:cNvPr id="5" name="TextBox 4"/>
-          <p:cNvSpPr txBox="1"/>
+      <p:pic>
+        <p:nvPicPr>
+          <p:cNvPr id="7" name="Рисунок 6"/>
+          <p:cNvPicPr/>
           <p:nvPr/>
-        </p:nvSpPr>
+        </p:nvPicPr>
+        <p:blipFill>
+          <a:blip r:embed="rId5">
+            <a:extLst>
+              <a:ext uri="{28A0092B-C50C-407E-A947-70E740481C1C}">
+                <a14:useLocalDpi xmlns:a14="http://schemas.microsoft.com/office/drawing/2010/main" val="0"/>
+              </a:ext>
+            </a:extLst>
+          </a:blip>
+          <a:stretch>
+            <a:fillRect/>
+          </a:stretch>
+        </p:blipFill>
         <p:spPr>
           <a:xfrm>
-            <a:off x="4025900" y="2089867"/>
-            <a:ext cx="7023100" cy="1477328"/>
+            <a:off x="773113" y="4438490"/>
+            <a:ext cx="3494088" cy="1900553"/>
           </a:xfrm>
           <a:prstGeom prst="rect">
             <a:avLst/>
           </a:prstGeom>
-          <a:noFill/>
-        </p:spPr>
-        <p:txBody>
-          <a:bodyPr wrap="square" rtlCol="0">
-            <a:spAutoFit/>
-          </a:bodyPr>
-          <a:lstStyle/>
-          <a:p>
-            <a:r>
-              <a:rPr lang="ru-RU" dirty="0" smtClean="0"/>
-              <a:t>Используя таблицу с дозволенными погрешностями для определения точности прогнозов, программный модуль вычисляет и отправляет в письме-отчете данные о лучшей на данный момент компании, предоставляющей прогнозы.</a:t>
-            </a:r>
-            <a:endParaRPr lang="ru-RU" dirty="0"/>
-          </a:p>
-        </p:txBody>
-      </p:sp>
+        </p:spPr>
+      </p:pic>
     </p:spTree>
     <p:extLst>
       <p:ext uri="{BB962C8B-B14F-4D97-AF65-F5344CB8AC3E}">
-        <p14:creationId xmlns:p14="http://schemas.microsoft.com/office/powerpoint/2010/main" val="2624778908"/>
+        <p14:creationId xmlns:p14="http://schemas.microsoft.com/office/powerpoint/2010/main" val="1656553288"/>
       </p:ext>
     </p:extLst>
   </p:cSld>
@@ -5917,7 +6033,7 @@
         </p:nvSpPr>
         <p:spPr>
           <a:xfrm>
-            <a:off x="760412" y="423332"/>
+            <a:off x="341312" y="220132"/>
             <a:ext cx="8534400" cy="1507067"/>
           </a:xfrm>
         </p:spPr>
@@ -5927,22 +6043,52 @@
           <a:p>
             <a:r>
               <a:rPr lang="ru-RU" dirty="0" smtClean="0"/>
-              <a:t>Основные выводы</a:t>
+              <a:t>Определение лучшей службы</a:t>
             </a:r>
             <a:endParaRPr lang="ru-RU" dirty="0"/>
           </a:p>
         </p:txBody>
       </p:sp>
-      <p:sp>
-        <p:nvSpPr>
-          <p:cNvPr id="4" name="TextBox 3"/>
+      <p:pic>
+        <p:nvPicPr>
+          <p:cNvPr id="4" name="Рисунок 3"/>
+          <p:cNvPicPr>
+            <a:picLocks noChangeAspect="1"/>
+          </p:cNvPicPr>
+          <p:nvPr/>
+        </p:nvPicPr>
+        <p:blipFill>
+          <a:blip r:embed="rId2">
+            <a:extLst>
+              <a:ext uri="{28A0092B-C50C-407E-A947-70E740481C1C}">
+                <a14:useLocalDpi xmlns:a14="http://schemas.microsoft.com/office/drawing/2010/main" val="0"/>
+              </a:ext>
+            </a:extLst>
+          </a:blip>
+          <a:stretch>
+            <a:fillRect/>
+          </a:stretch>
+        </p:blipFill>
+        <p:spPr>
+          <a:xfrm>
+            <a:off x="1011237" y="1727199"/>
+            <a:ext cx="2493963" cy="4964060"/>
+          </a:xfrm>
+          <a:prstGeom prst="rect">
+            <a:avLst/>
+          </a:prstGeom>
+        </p:spPr>
+      </p:pic>
+      <p:sp>
+        <p:nvSpPr>
+          <p:cNvPr id="5" name="TextBox 4"/>
           <p:cNvSpPr txBox="1"/>
           <p:nvPr/>
         </p:nvSpPr>
         <p:spPr>
           <a:xfrm>
-            <a:off x="927100" y="1638299"/>
-            <a:ext cx="7327900" cy="4801314"/>
+            <a:off x="4025900" y="2089867"/>
+            <a:ext cx="7023100" cy="1477328"/>
           </a:xfrm>
           <a:prstGeom prst="rect">
             <a:avLst/>
@@ -5955,98 +6101,9 @@
           </a:bodyPr>
           <a:lstStyle/>
           <a:p>
-            <a:pPr marL="342900" indent="-342900">
-              <a:buAutoNum type="arabicParenR"/>
-            </a:pPr>
             <a:r>
               <a:rPr lang="ru-RU" dirty="0" smtClean="0"/>
-              <a:t>Ознакомившись с </a:t>
-            </a:r>
-            <a:r>
-              <a:rPr lang="ru-RU" dirty="0" err="1" smtClean="0"/>
-              <a:t>фреймворком</a:t>
-            </a:r>
-            <a:r>
-              <a:rPr lang="ru-RU" dirty="0" smtClean="0"/>
-              <a:t> </a:t>
-            </a:r>
-            <a:r>
-              <a:rPr lang="en-US" dirty="0" smtClean="0"/>
-              <a:t>Apache Storm</a:t>
-            </a:r>
-            <a:r>
-              <a:rPr lang="ru-RU" dirty="0" smtClean="0"/>
-              <a:t> при создании вычислительного модуля, можно с уверенностью сказать, что любая подобная задача с анализом данных может быть быстро и эффективно реализована</a:t>
-            </a:r>
-            <a:r>
-              <a:rPr lang="en-US" dirty="0" smtClean="0"/>
-              <a:t>;</a:t>
-            </a:r>
-            <a:endParaRPr lang="ru-RU" dirty="0" smtClean="0"/>
-          </a:p>
-          <a:p>
-            <a:pPr marL="342900" indent="-342900">
-              <a:buAutoNum type="arabicParenR"/>
-            </a:pPr>
-            <a:r>
-              <a:rPr lang="ru-RU" dirty="0" smtClean="0"/>
-              <a:t>Получив опыт с интеграцией между множеством сторонних веб-служб реализующих </a:t>
-            </a:r>
-            <a:r>
-              <a:rPr lang="en-US" dirty="0" smtClean="0"/>
-              <a:t>REST </a:t>
-            </a:r>
-            <a:r>
-              <a:rPr lang="ru-RU" dirty="0" smtClean="0"/>
-              <a:t>архитектуру, можно смело сделать вывод о том, что в плане надежности современные сервисы предоставляют множество преимуществ над теми сервисами, которые работают, используя </a:t>
-            </a:r>
-            <a:r>
-              <a:rPr lang="en-US" dirty="0" smtClean="0"/>
-              <a:t>SOAP </a:t>
-            </a:r>
-            <a:r>
-              <a:rPr lang="ru-RU" dirty="0" smtClean="0"/>
-              <a:t>протокол передачи данных</a:t>
-            </a:r>
-            <a:r>
-              <a:rPr lang="en-US" dirty="0" smtClean="0"/>
-              <a:t>;</a:t>
-            </a:r>
-            <a:endParaRPr lang="ru-RU" dirty="0" smtClean="0"/>
-          </a:p>
-          <a:p>
-            <a:pPr marL="342900" indent="-342900">
-              <a:buAutoNum type="arabicParenR"/>
-            </a:pPr>
-            <a:r>
-              <a:rPr lang="ru-RU" dirty="0" smtClean="0"/>
-              <a:t>Ознакомившись и применив на практике навыки работы с </a:t>
-            </a:r>
-            <a:r>
-              <a:rPr lang="en-US" dirty="0" smtClean="0"/>
-              <a:t>CSV</a:t>
-            </a:r>
-            <a:r>
-              <a:rPr lang="ru-RU" dirty="0" smtClean="0"/>
-              <a:t>-файлами, стоит особо подчеркнуть их приспособленность к работе в среде </a:t>
-            </a:r>
-            <a:r>
-              <a:rPr lang="en-US" dirty="0" smtClean="0"/>
-              <a:t>Microsoft Excel</a:t>
-            </a:r>
-            <a:r>
-              <a:rPr lang="en-US" dirty="0"/>
-              <a:t>;</a:t>
-            </a:r>
-            <a:endParaRPr lang="ru-RU" dirty="0" smtClean="0"/>
-          </a:p>
-          <a:p>
-            <a:pPr marL="342900" indent="-342900">
-              <a:buAutoNum type="arabicParenR"/>
-            </a:pPr>
-            <a:r>
-              <a:rPr lang="ru-RU" dirty="0" smtClean="0"/>
-              <a:t>Реализовав работу с электронной рассылкой отчетов было правильным решением, так как оно не нагружает систему и не представляет финансовых трудностей.</a:t>
+              <a:t>Используя таблицу с дозволенными погрешностями для определения точности прогнозов, программный модуль вычисляет и отправляет в письме-отчете данные о лучшей на данный момент компании, предоставляющей прогнозы.</a:t>
             </a:r>
             <a:endParaRPr lang="ru-RU" dirty="0"/>
           </a:p>
@@ -6055,7 +6112,7 @@
     </p:spTree>
     <p:extLst>
       <p:ext uri="{BB962C8B-B14F-4D97-AF65-F5344CB8AC3E}">
-        <p14:creationId xmlns:p14="http://schemas.microsoft.com/office/powerpoint/2010/main" val="2114457244"/>
+        <p14:creationId xmlns:p14="http://schemas.microsoft.com/office/powerpoint/2010/main" val="2624778908"/>
       </p:ext>
     </p:extLst>
   </p:cSld>
@@ -6101,6 +6158,190 @@
         </p:nvSpPr>
         <p:spPr>
           <a:xfrm>
+            <a:off x="760412" y="423332"/>
+            <a:ext cx="8534400" cy="1507067"/>
+          </a:xfrm>
+        </p:spPr>
+        <p:txBody>
+          <a:bodyPr/>
+          <a:lstStyle/>
+          <a:p>
+            <a:r>
+              <a:rPr lang="ru-RU" dirty="0" smtClean="0"/>
+              <a:t>Основные выводы</a:t>
+            </a:r>
+            <a:endParaRPr lang="ru-RU" dirty="0"/>
+          </a:p>
+        </p:txBody>
+      </p:sp>
+      <p:sp>
+        <p:nvSpPr>
+          <p:cNvPr id="4" name="TextBox 3"/>
+          <p:cNvSpPr txBox="1"/>
+          <p:nvPr/>
+        </p:nvSpPr>
+        <p:spPr>
+          <a:xfrm>
+            <a:off x="927100" y="1638299"/>
+            <a:ext cx="7327900" cy="4801314"/>
+          </a:xfrm>
+          <a:prstGeom prst="rect">
+            <a:avLst/>
+          </a:prstGeom>
+          <a:noFill/>
+        </p:spPr>
+        <p:txBody>
+          <a:bodyPr wrap="square" rtlCol="0">
+            <a:spAutoFit/>
+          </a:bodyPr>
+          <a:lstStyle/>
+          <a:p>
+            <a:pPr marL="342900" indent="-342900">
+              <a:buAutoNum type="arabicParenR"/>
+            </a:pPr>
+            <a:r>
+              <a:rPr lang="ru-RU" dirty="0" smtClean="0"/>
+              <a:t>Ознакомившись с </a:t>
+            </a:r>
+            <a:r>
+              <a:rPr lang="ru-RU" dirty="0" err="1" smtClean="0"/>
+              <a:t>фреймворком</a:t>
+            </a:r>
+            <a:r>
+              <a:rPr lang="ru-RU" dirty="0" smtClean="0"/>
+              <a:t> </a:t>
+            </a:r>
+            <a:r>
+              <a:rPr lang="en-US" dirty="0" smtClean="0"/>
+              <a:t>Apache Storm</a:t>
+            </a:r>
+            <a:r>
+              <a:rPr lang="ru-RU" dirty="0" smtClean="0"/>
+              <a:t> при создании вычислительного модуля, можно с уверенностью сказать, что любая подобная задача с анализом данных может быть быстро и эффективно реализована</a:t>
+            </a:r>
+            <a:r>
+              <a:rPr lang="en-US" dirty="0" smtClean="0"/>
+              <a:t>;</a:t>
+            </a:r>
+            <a:endParaRPr lang="ru-RU" dirty="0" smtClean="0"/>
+          </a:p>
+          <a:p>
+            <a:pPr marL="342900" indent="-342900">
+              <a:buAutoNum type="arabicParenR"/>
+            </a:pPr>
+            <a:r>
+              <a:rPr lang="ru-RU" dirty="0" smtClean="0"/>
+              <a:t>Получив опыт с интеграцией между множеством сторонних веб-служб реализующих </a:t>
+            </a:r>
+            <a:r>
+              <a:rPr lang="en-US" dirty="0" smtClean="0"/>
+              <a:t>REST </a:t>
+            </a:r>
+            <a:r>
+              <a:rPr lang="ru-RU" dirty="0" smtClean="0"/>
+              <a:t>архитектуру, можно смело сделать вывод о том, что в плане надежности современные сервисы предоставляют множество преимуществ над теми сервисами, которые работают, используя </a:t>
+            </a:r>
+            <a:r>
+              <a:rPr lang="en-US" dirty="0" smtClean="0"/>
+              <a:t>SOAP </a:t>
+            </a:r>
+            <a:r>
+              <a:rPr lang="ru-RU" dirty="0" smtClean="0"/>
+              <a:t>протокол передачи данных</a:t>
+            </a:r>
+            <a:r>
+              <a:rPr lang="en-US" dirty="0" smtClean="0"/>
+              <a:t>;</a:t>
+            </a:r>
+            <a:endParaRPr lang="ru-RU" dirty="0" smtClean="0"/>
+          </a:p>
+          <a:p>
+            <a:pPr marL="342900" indent="-342900">
+              <a:buAutoNum type="arabicParenR"/>
+            </a:pPr>
+            <a:r>
+              <a:rPr lang="ru-RU" dirty="0" smtClean="0"/>
+              <a:t>Ознакомившись и применив на практике навыки работы с </a:t>
+            </a:r>
+            <a:r>
+              <a:rPr lang="en-US" dirty="0" smtClean="0"/>
+              <a:t>CSV</a:t>
+            </a:r>
+            <a:r>
+              <a:rPr lang="ru-RU" dirty="0" smtClean="0"/>
+              <a:t>-файлами, стоит особо подчеркнуть их приспособленность к работе в среде </a:t>
+            </a:r>
+            <a:r>
+              <a:rPr lang="en-US" dirty="0" smtClean="0"/>
+              <a:t>Microsoft Excel</a:t>
+            </a:r>
+            <a:r>
+              <a:rPr lang="en-US" dirty="0"/>
+              <a:t>;</a:t>
+            </a:r>
+            <a:endParaRPr lang="ru-RU" dirty="0" smtClean="0"/>
+          </a:p>
+          <a:p>
+            <a:pPr marL="342900" indent="-342900">
+              <a:buAutoNum type="arabicParenR"/>
+            </a:pPr>
+            <a:r>
+              <a:rPr lang="ru-RU" dirty="0" smtClean="0"/>
+              <a:t>Реализовав работу с электронной рассылкой отчетов было правильным решением, так как оно не нагружает систему и не представляет финансовых трудностей.</a:t>
+            </a:r>
+            <a:endParaRPr lang="ru-RU" dirty="0"/>
+          </a:p>
+        </p:txBody>
+      </p:sp>
+    </p:spTree>
+    <p:extLst>
+      <p:ext uri="{BB962C8B-B14F-4D97-AF65-F5344CB8AC3E}">
+        <p14:creationId xmlns:p14="http://schemas.microsoft.com/office/powerpoint/2010/main" val="2114457244"/>
+      </p:ext>
+    </p:extLst>
+  </p:cSld>
+  <p:clrMapOvr>
+    <a:masterClrMapping/>
+  </p:clrMapOvr>
+  <p:timing>
+    <p:tnLst>
+      <p:par>
+        <p:cTn id="1" dur="indefinite" restart="never" nodeType="tmRoot"/>
+      </p:par>
+    </p:tnLst>
+  </p:timing>
+</p:sld>
+</file>
+
+<file path=ppt/slides/slide13.xml><?xml version="1.0" encoding="utf-8"?>
+<p:sld xmlns:a="http://schemas.openxmlformats.org/drawingml/2006/main" xmlns:r="http://schemas.openxmlformats.org/officeDocument/2006/relationships" xmlns:p="http://schemas.openxmlformats.org/presentationml/2006/main">
+  <p:cSld>
+    <p:spTree>
+      <p:nvGrpSpPr>
+        <p:cNvPr id="1" name=""/>
+        <p:cNvGrpSpPr/>
+        <p:nvPr/>
+      </p:nvGrpSpPr>
+      <p:grpSpPr>
+        <a:xfrm>
+          <a:off x="0" y="0"/>
+          <a:ext cx="0" cy="0"/>
+          <a:chOff x="0" y="0"/>
+          <a:chExt cx="0" cy="0"/>
+        </a:xfrm>
+      </p:grpSpPr>
+      <p:sp>
+        <p:nvSpPr>
+          <p:cNvPr id="2" name="Заголовок 1"/>
+          <p:cNvSpPr>
+            <a:spLocks noGrp="1"/>
+          </p:cNvSpPr>
+          <p:nvPr>
+            <p:ph type="title"/>
+          </p:nvPr>
+        </p:nvSpPr>
+        <p:spPr>
+          <a:xfrm>
             <a:off x="620712" y="448732"/>
             <a:ext cx="8534400" cy="1507067"/>
           </a:xfrm>
@@ -6138,6 +6379,193 @@
 </file>
 
 <file path=ppt/slides/slide2.xml><?xml version="1.0" encoding="utf-8"?>
+<p:sld xmlns:a="http://schemas.openxmlformats.org/drawingml/2006/main" xmlns:r="http://schemas.openxmlformats.org/officeDocument/2006/relationships" xmlns:p="http://schemas.openxmlformats.org/presentationml/2006/main">
+  <p:cSld>
+    <p:spTree>
+      <p:nvGrpSpPr>
+        <p:cNvPr id="1" name=""/>
+        <p:cNvGrpSpPr/>
+        <p:nvPr/>
+      </p:nvGrpSpPr>
+      <p:grpSpPr>
+        <a:xfrm>
+          <a:off x="0" y="0"/>
+          <a:ext cx="0" cy="0"/>
+          <a:chOff x="0" y="0"/>
+          <a:chExt cx="0" cy="0"/>
+        </a:xfrm>
+      </p:grpSpPr>
+      <p:sp>
+        <p:nvSpPr>
+          <p:cNvPr id="2" name="Заголовок 1"/>
+          <p:cNvSpPr>
+            <a:spLocks noGrp="1"/>
+          </p:cNvSpPr>
+          <p:nvPr>
+            <p:ph type="title"/>
+          </p:nvPr>
+        </p:nvSpPr>
+        <p:spPr>
+          <a:xfrm>
+            <a:off x="1789112" y="93132"/>
+            <a:ext cx="8534400" cy="1507067"/>
+          </a:xfrm>
+        </p:spPr>
+        <p:txBody>
+          <a:bodyPr/>
+          <a:lstStyle/>
+          <a:p>
+            <a:r>
+              <a:rPr lang="ru-RU" dirty="0" smtClean="0"/>
+              <a:t>Введение</a:t>
+            </a:r>
+            <a:endParaRPr lang="ru-RU" dirty="0"/>
+          </a:p>
+        </p:txBody>
+      </p:sp>
+      <p:sp>
+        <p:nvSpPr>
+          <p:cNvPr id="4" name="TextBox 3"/>
+          <p:cNvSpPr txBox="1"/>
+          <p:nvPr/>
+        </p:nvSpPr>
+        <p:spPr>
+          <a:xfrm>
+            <a:off x="990600" y="1600199"/>
+            <a:ext cx="9332912" cy="3139321"/>
+          </a:xfrm>
+          <a:prstGeom prst="rect">
+            <a:avLst/>
+          </a:prstGeom>
+          <a:noFill/>
+        </p:spPr>
+        <p:txBody>
+          <a:bodyPr wrap="square" rtlCol="0">
+            <a:spAutoFit/>
+          </a:bodyPr>
+          <a:lstStyle/>
+          <a:p>
+            <a:r>
+              <a:rPr lang="ru-RU" dirty="0" smtClean="0"/>
+              <a:t>В данной работе были определены следующие цели:</a:t>
+            </a:r>
+          </a:p>
+          <a:p>
+            <a:pPr marL="342900" indent="-342900">
+              <a:buAutoNum type="arabicParenR"/>
+            </a:pPr>
+            <a:r>
+              <a:rPr lang="ru-RU" dirty="0" smtClean="0"/>
+              <a:t>Изучить и оценить работу </a:t>
+            </a:r>
+            <a:r>
+              <a:rPr lang="ru-RU" dirty="0" err="1" smtClean="0"/>
+              <a:t>фреймворка</a:t>
+            </a:r>
+            <a:r>
+              <a:rPr lang="ru-RU" dirty="0" smtClean="0"/>
+              <a:t> </a:t>
+            </a:r>
+            <a:r>
+              <a:rPr lang="en-US" dirty="0" smtClean="0"/>
+              <a:t>Apache Storm</a:t>
+            </a:r>
+            <a:r>
+              <a:rPr lang="ru-RU" dirty="0"/>
+              <a:t> </a:t>
+            </a:r>
+            <a:r>
+              <a:rPr lang="ru-RU" dirty="0" smtClean="0"/>
+              <a:t>для обработки потока данных в реальном времени</a:t>
+            </a:r>
+            <a:r>
+              <a:rPr lang="en-US" dirty="0" smtClean="0"/>
+              <a:t>;</a:t>
+            </a:r>
+          </a:p>
+          <a:p>
+            <a:pPr marL="342900" indent="-342900">
+              <a:buAutoNum type="arabicParenR"/>
+            </a:pPr>
+            <a:r>
+              <a:rPr lang="ru-RU" dirty="0" smtClean="0"/>
+              <a:t>Ознакомиться с существующими погодными веб-службами</a:t>
+            </a:r>
+            <a:r>
+              <a:rPr lang="en-US" dirty="0" smtClean="0"/>
+              <a:t> </a:t>
+            </a:r>
+            <a:r>
+              <a:rPr lang="ru-RU" dirty="0" smtClean="0"/>
+              <a:t>и оценить их работу совместно с программным модулем</a:t>
+            </a:r>
+            <a:r>
+              <a:rPr lang="en-US" dirty="0" smtClean="0"/>
+              <a:t>;</a:t>
+            </a:r>
+          </a:p>
+          <a:p>
+            <a:pPr marL="342900" indent="-342900">
+              <a:buAutoNum type="arabicParenR"/>
+            </a:pPr>
+            <a:r>
+              <a:rPr lang="ru-RU" dirty="0" smtClean="0"/>
+              <a:t>Найти гибкое решение в задаче о передачи сообщений с отчетами о работе модуля</a:t>
+            </a:r>
+            <a:r>
+              <a:rPr lang="en-US" dirty="0" smtClean="0"/>
+              <a:t>;</a:t>
+            </a:r>
+            <a:endParaRPr lang="ru-RU" dirty="0" smtClean="0"/>
+          </a:p>
+          <a:p>
+            <a:pPr marL="342900" indent="-342900">
+              <a:buAutoNum type="arabicParenR"/>
+            </a:pPr>
+            <a:r>
+              <a:rPr lang="ru-RU" dirty="0" smtClean="0"/>
+              <a:t>Выяснить какой способ позволит клиенту удобно обращаться с полученными результатами</a:t>
+            </a:r>
+            <a:r>
+              <a:rPr lang="en-US" smtClean="0"/>
+              <a:t>;</a:t>
+            </a:r>
+            <a:r>
+              <a:rPr lang="ru-RU" smtClean="0"/>
+              <a:t>  </a:t>
+            </a:r>
+            <a:endParaRPr lang="en-US" dirty="0" smtClean="0"/>
+          </a:p>
+          <a:p>
+            <a:pPr marL="342900" indent="-342900">
+              <a:buAutoNum type="arabicParenR"/>
+            </a:pPr>
+            <a:r>
+              <a:rPr lang="ru-RU" dirty="0" smtClean="0"/>
+              <a:t>Выявить абсолютного лидера в поставке прогнозов для выбранного диапазона городов</a:t>
+            </a:r>
+            <a:r>
+              <a:rPr lang="en-US" dirty="0" smtClean="0"/>
+              <a:t>;</a:t>
+            </a:r>
+            <a:endParaRPr lang="ru-RU" dirty="0"/>
+          </a:p>
+        </p:txBody>
+      </p:sp>
+    </p:spTree>
+    <p:extLst>
+      <p:ext uri="{BB962C8B-B14F-4D97-AF65-F5344CB8AC3E}">
+        <p14:creationId xmlns:p14="http://schemas.microsoft.com/office/powerpoint/2010/main" val="69529783"/>
+      </p:ext>
+    </p:extLst>
+  </p:cSld>
+  <p:clrMapOvr>
+    <a:masterClrMapping/>
+  </p:clrMapOvr>
+</p:sld>
+</file>
+
+<file path=ppt/slides/slide3.xml><?xml version="1.0" encoding="utf-8"?>
 <p:sld xmlns:a="http://schemas.openxmlformats.org/drawingml/2006/main" xmlns:r="http://schemas.openxmlformats.org/officeDocument/2006/relationships" xmlns:p="http://schemas.openxmlformats.org/presentationml/2006/main">
   <p:cSld>
     <p:spTree>
@@ -6558,7 +6986,7 @@
 </p:sld>
 </file>
 
-<file path=ppt/slides/slide3.xml><?xml version="1.0" encoding="utf-8"?>
+<file path=ppt/slides/slide4.xml><?xml version="1.0" encoding="utf-8"?>
 <p:sld xmlns:a="http://schemas.openxmlformats.org/drawingml/2006/main" xmlns:r="http://schemas.openxmlformats.org/officeDocument/2006/relationships" xmlns:p="http://schemas.openxmlformats.org/presentationml/2006/main">
   <p:cSld>
     <p:spTree>
@@ -6684,169 +7112,6 @@
     <p:extLst>
       <p:ext uri="{BB962C8B-B14F-4D97-AF65-F5344CB8AC3E}">
         <p14:creationId xmlns:p14="http://schemas.microsoft.com/office/powerpoint/2010/main" val="2293630679"/>
-      </p:ext>
-    </p:extLst>
-  </p:cSld>
-  <p:clrMapOvr>
-    <a:masterClrMapping/>
-  </p:clrMapOvr>
-  <p:timing>
-    <p:tnLst>
-      <p:par>
-        <p:cTn id="1" dur="indefinite" restart="never" nodeType="tmRoot"/>
-      </p:par>
-    </p:tnLst>
-  </p:timing>
-</p:sld>
-</file>
-
-<file path=ppt/slides/slide4.xml><?xml version="1.0" encoding="utf-8"?>
-<p:sld xmlns:a="http://schemas.openxmlformats.org/drawingml/2006/main" xmlns:r="http://schemas.openxmlformats.org/officeDocument/2006/relationships" xmlns:p="http://schemas.openxmlformats.org/presentationml/2006/main">
-  <p:cSld>
-    <p:spTree>
-      <p:nvGrpSpPr>
-        <p:cNvPr id="1" name=""/>
-        <p:cNvGrpSpPr/>
-        <p:nvPr/>
-      </p:nvGrpSpPr>
-      <p:grpSpPr>
-        <a:xfrm>
-          <a:off x="0" y="0"/>
-          <a:ext cx="0" cy="0"/>
-          <a:chOff x="0" y="0"/>
-          <a:chExt cx="0" cy="0"/>
-        </a:xfrm>
-      </p:grpSpPr>
-      <p:sp>
-        <p:nvSpPr>
-          <p:cNvPr id="2" name="Заголовок 1"/>
-          <p:cNvSpPr>
-            <a:spLocks noGrp="1"/>
-          </p:cNvSpPr>
-          <p:nvPr>
-            <p:ph type="title"/>
-          </p:nvPr>
-        </p:nvSpPr>
-        <p:spPr>
-          <a:xfrm>
-            <a:off x="1700212" y="170391"/>
-            <a:ext cx="8534400" cy="1507067"/>
-          </a:xfrm>
-        </p:spPr>
-        <p:txBody>
-          <a:bodyPr>
-            <a:normAutofit/>
-          </a:bodyPr>
-          <a:lstStyle/>
-          <a:p>
-            <a:r>
-              <a:rPr lang="ru-RU" dirty="0" smtClean="0"/>
-              <a:t>Более Близкое рассмотрение полученного ответа</a:t>
-            </a:r>
-            <a:endParaRPr lang="ru-RU" dirty="0"/>
-          </a:p>
-        </p:txBody>
-      </p:sp>
-      <p:pic>
-        <p:nvPicPr>
-          <p:cNvPr id="4" name="Picture 17" descr="minsk-library.jpg"/>
-          <p:cNvPicPr/>
-          <p:nvPr/>
-        </p:nvPicPr>
-        <p:blipFill>
-          <a:blip r:embed="rId2">
-            <a:extLst>
-              <a:ext uri="{28A0092B-C50C-407E-A947-70E740481C1C}">
-                <a14:useLocalDpi xmlns:a14="http://schemas.microsoft.com/office/drawing/2010/main" val="0"/>
-              </a:ext>
-            </a:extLst>
-          </a:blip>
-          <a:srcRect/>
-          <a:stretch>
-            <a:fillRect/>
-          </a:stretch>
-        </p:blipFill>
-        <p:spPr bwMode="auto">
-          <a:xfrm>
-            <a:off x="553720" y="1677459"/>
-            <a:ext cx="4323080" cy="3656542"/>
-          </a:xfrm>
-          <a:prstGeom prst="rect">
-            <a:avLst/>
-          </a:prstGeom>
-          <a:noFill/>
-          <a:ln>
-            <a:noFill/>
-          </a:ln>
-        </p:spPr>
-      </p:pic>
-      <p:pic>
-        <p:nvPicPr>
-          <p:cNvPr id="6" name="Picture 16" descr="/Users/Rostislav_Vatolin/Desktop/temp and pressure.png"/>
-          <p:cNvPicPr/>
-          <p:nvPr/>
-        </p:nvPicPr>
-        <p:blipFill>
-          <a:blip r:embed="rId3">
-            <a:extLst>
-              <a:ext uri="{28A0092B-C50C-407E-A947-70E740481C1C}">
-                <a14:useLocalDpi xmlns:a14="http://schemas.microsoft.com/office/drawing/2010/main" val="0"/>
-              </a:ext>
-            </a:extLst>
-          </a:blip>
-          <a:srcRect/>
-          <a:stretch>
-            <a:fillRect/>
-          </a:stretch>
-        </p:blipFill>
-        <p:spPr bwMode="auto">
-          <a:xfrm>
-            <a:off x="5177155" y="4223385"/>
-            <a:ext cx="3717290" cy="2449830"/>
-          </a:xfrm>
-          <a:prstGeom prst="rect">
-            <a:avLst/>
-          </a:prstGeom>
-          <a:noFill/>
-          <a:ln>
-            <a:noFill/>
-          </a:ln>
-        </p:spPr>
-      </p:pic>
-      <p:sp>
-        <p:nvSpPr>
-          <p:cNvPr id="7" name="TextBox 6"/>
-          <p:cNvSpPr txBox="1"/>
-          <p:nvPr/>
-        </p:nvSpPr>
-        <p:spPr>
-          <a:xfrm>
-            <a:off x="6184900" y="2032000"/>
-            <a:ext cx="5168900" cy="2031325"/>
-          </a:xfrm>
-          <a:prstGeom prst="rect">
-            <a:avLst/>
-          </a:prstGeom>
-          <a:noFill/>
-        </p:spPr>
-        <p:txBody>
-          <a:bodyPr wrap="square" rtlCol="0">
-            <a:spAutoFit/>
-          </a:bodyPr>
-          <a:lstStyle/>
-          <a:p>
-            <a:r>
-              <a:rPr lang="ru-RU" dirty="0" smtClean="0"/>
-              <a:t>Получаемый ответ очень полно описывает погодную ситуацию, к примерам полученных данных можно отнести данное изображение города Минск и результаты температуры и атмосферного давления в различных физических единицах.</a:t>
-            </a:r>
-            <a:endParaRPr lang="ru-RU" dirty="0"/>
-          </a:p>
-        </p:txBody>
-      </p:sp>
-    </p:spTree>
-    <p:extLst>
-      <p:ext uri="{BB962C8B-B14F-4D97-AF65-F5344CB8AC3E}">
-        <p14:creationId xmlns:p14="http://schemas.microsoft.com/office/powerpoint/2010/main" val="1521889091"/>
       </p:ext>
     </p:extLst>
   </p:cSld>
@@ -6904,6 +7169,169 @@
           <a:p>
             <a:r>
               <a:rPr lang="ru-RU" dirty="0" smtClean="0"/>
+              <a:t>Более Близкое рассмотрение полученного ответа</a:t>
+            </a:r>
+            <a:endParaRPr lang="ru-RU" dirty="0"/>
+          </a:p>
+        </p:txBody>
+      </p:sp>
+      <p:pic>
+        <p:nvPicPr>
+          <p:cNvPr id="4" name="Picture 17" descr="minsk-library.jpg"/>
+          <p:cNvPicPr/>
+          <p:nvPr/>
+        </p:nvPicPr>
+        <p:blipFill>
+          <a:blip r:embed="rId2">
+            <a:extLst>
+              <a:ext uri="{28A0092B-C50C-407E-A947-70E740481C1C}">
+                <a14:useLocalDpi xmlns:a14="http://schemas.microsoft.com/office/drawing/2010/main" val="0"/>
+              </a:ext>
+            </a:extLst>
+          </a:blip>
+          <a:srcRect/>
+          <a:stretch>
+            <a:fillRect/>
+          </a:stretch>
+        </p:blipFill>
+        <p:spPr bwMode="auto">
+          <a:xfrm>
+            <a:off x="553720" y="1677459"/>
+            <a:ext cx="4323080" cy="3656542"/>
+          </a:xfrm>
+          <a:prstGeom prst="rect">
+            <a:avLst/>
+          </a:prstGeom>
+          <a:noFill/>
+          <a:ln>
+            <a:noFill/>
+          </a:ln>
+        </p:spPr>
+      </p:pic>
+      <p:pic>
+        <p:nvPicPr>
+          <p:cNvPr id="6" name="Picture 16" descr="/Users/Rostislav_Vatolin/Desktop/temp and pressure.png"/>
+          <p:cNvPicPr/>
+          <p:nvPr/>
+        </p:nvPicPr>
+        <p:blipFill>
+          <a:blip r:embed="rId3">
+            <a:extLst>
+              <a:ext uri="{28A0092B-C50C-407E-A947-70E740481C1C}">
+                <a14:useLocalDpi xmlns:a14="http://schemas.microsoft.com/office/drawing/2010/main" val="0"/>
+              </a:ext>
+            </a:extLst>
+          </a:blip>
+          <a:srcRect/>
+          <a:stretch>
+            <a:fillRect/>
+          </a:stretch>
+        </p:blipFill>
+        <p:spPr bwMode="auto">
+          <a:xfrm>
+            <a:off x="5177155" y="4223385"/>
+            <a:ext cx="3717290" cy="2449830"/>
+          </a:xfrm>
+          <a:prstGeom prst="rect">
+            <a:avLst/>
+          </a:prstGeom>
+          <a:noFill/>
+          <a:ln>
+            <a:noFill/>
+          </a:ln>
+        </p:spPr>
+      </p:pic>
+      <p:sp>
+        <p:nvSpPr>
+          <p:cNvPr id="7" name="TextBox 6"/>
+          <p:cNvSpPr txBox="1"/>
+          <p:nvPr/>
+        </p:nvSpPr>
+        <p:spPr>
+          <a:xfrm>
+            <a:off x="6184900" y="2032000"/>
+            <a:ext cx="5168900" cy="2031325"/>
+          </a:xfrm>
+          <a:prstGeom prst="rect">
+            <a:avLst/>
+          </a:prstGeom>
+          <a:noFill/>
+        </p:spPr>
+        <p:txBody>
+          <a:bodyPr wrap="square" rtlCol="0">
+            <a:spAutoFit/>
+          </a:bodyPr>
+          <a:lstStyle/>
+          <a:p>
+            <a:r>
+              <a:rPr lang="ru-RU" dirty="0" smtClean="0"/>
+              <a:t>Получаемый ответ очень полно описывает погодную ситуацию, к примерам полученных данных можно отнести данное изображение города Минск и результаты температуры и атмосферного давления в различных физических единицах.</a:t>
+            </a:r>
+            <a:endParaRPr lang="ru-RU" dirty="0"/>
+          </a:p>
+        </p:txBody>
+      </p:sp>
+    </p:spTree>
+    <p:extLst>
+      <p:ext uri="{BB962C8B-B14F-4D97-AF65-F5344CB8AC3E}">
+        <p14:creationId xmlns:p14="http://schemas.microsoft.com/office/powerpoint/2010/main" val="1521889091"/>
+      </p:ext>
+    </p:extLst>
+  </p:cSld>
+  <p:clrMapOvr>
+    <a:masterClrMapping/>
+  </p:clrMapOvr>
+  <p:timing>
+    <p:tnLst>
+      <p:par>
+        <p:cTn id="1" dur="indefinite" restart="never" nodeType="tmRoot"/>
+      </p:par>
+    </p:tnLst>
+  </p:timing>
+</p:sld>
+</file>
+
+<file path=ppt/slides/slide6.xml><?xml version="1.0" encoding="utf-8"?>
+<p:sld xmlns:a="http://schemas.openxmlformats.org/drawingml/2006/main" xmlns:r="http://schemas.openxmlformats.org/officeDocument/2006/relationships" xmlns:p="http://schemas.openxmlformats.org/presentationml/2006/main">
+  <p:cSld>
+    <p:spTree>
+      <p:nvGrpSpPr>
+        <p:cNvPr id="1" name=""/>
+        <p:cNvGrpSpPr/>
+        <p:nvPr/>
+      </p:nvGrpSpPr>
+      <p:grpSpPr>
+        <a:xfrm>
+          <a:off x="0" y="0"/>
+          <a:ext cx="0" cy="0"/>
+          <a:chOff x="0" y="0"/>
+          <a:chExt cx="0" cy="0"/>
+        </a:xfrm>
+      </p:grpSpPr>
+      <p:sp>
+        <p:nvSpPr>
+          <p:cNvPr id="2" name="Заголовок 1"/>
+          <p:cNvSpPr>
+            <a:spLocks noGrp="1"/>
+          </p:cNvSpPr>
+          <p:nvPr>
+            <p:ph type="title"/>
+          </p:nvPr>
+        </p:nvSpPr>
+        <p:spPr>
+          <a:xfrm>
+            <a:off x="1700212" y="170391"/>
+            <a:ext cx="8534400" cy="1507067"/>
+          </a:xfrm>
+        </p:spPr>
+        <p:txBody>
+          <a:bodyPr>
+            <a:normAutofit/>
+          </a:bodyPr>
+          <a:lstStyle/>
+          <a:p>
+            <a:r>
+              <a:rPr lang="ru-RU" dirty="0" smtClean="0"/>
               <a:t>Область работы модуля</a:t>
             </a:r>
             <a:endParaRPr lang="ru-RU" dirty="0"/>
@@ -6993,7 +7421,7 @@
 </p:sld>
 </file>
 
-<file path=ppt/slides/slide6.xml><?xml version="1.0" encoding="utf-8"?>
+<file path=ppt/slides/slide7.xml><?xml version="1.0" encoding="utf-8"?>
 <p:sld xmlns:a="http://schemas.openxmlformats.org/drawingml/2006/main" xmlns:r="http://schemas.openxmlformats.org/officeDocument/2006/relationships" xmlns:p="http://schemas.openxmlformats.org/presentationml/2006/main">
   <p:cSld>
     <p:spTree>
@@ -7519,7 +7947,7 @@
 </p:sld>
 </file>
 
-<file path=ppt/slides/slide7.xml><?xml version="1.0" encoding="utf-8"?>
+<file path=ppt/slides/slide8.xml><?xml version="1.0" encoding="utf-8"?>
 <p:sld xmlns:a="http://schemas.openxmlformats.org/drawingml/2006/main" xmlns:r="http://schemas.openxmlformats.org/officeDocument/2006/relationships" xmlns:p="http://schemas.openxmlformats.org/presentationml/2006/main">
   <p:cSld>
     <p:spTree>
@@ -7674,134 +8102,6 @@
     <p:extLst>
       <p:ext uri="{BB962C8B-B14F-4D97-AF65-F5344CB8AC3E}">
         <p14:creationId xmlns:p14="http://schemas.microsoft.com/office/powerpoint/2010/main" val="4014684018"/>
-      </p:ext>
-    </p:extLst>
-  </p:cSld>
-  <p:clrMapOvr>
-    <a:masterClrMapping/>
-  </p:clrMapOvr>
-  <p:timing>
-    <p:tnLst>
-      <p:par>
-        <p:cTn id="1" dur="indefinite" restart="never" nodeType="tmRoot"/>
-      </p:par>
-    </p:tnLst>
-  </p:timing>
-</p:sld>
-</file>
-
-<file path=ppt/slides/slide8.xml><?xml version="1.0" encoding="utf-8"?>
-<p:sld xmlns:a="http://schemas.openxmlformats.org/drawingml/2006/main" xmlns:r="http://schemas.openxmlformats.org/officeDocument/2006/relationships" xmlns:p="http://schemas.openxmlformats.org/presentationml/2006/main">
-  <p:cSld>
-    <p:spTree>
-      <p:nvGrpSpPr>
-        <p:cNvPr id="1" name=""/>
-        <p:cNvGrpSpPr/>
-        <p:nvPr/>
-      </p:nvGrpSpPr>
-      <p:grpSpPr>
-        <a:xfrm>
-          <a:off x="0" y="0"/>
-          <a:ext cx="0" cy="0"/>
-          <a:chOff x="0" y="0"/>
-          <a:chExt cx="0" cy="0"/>
-        </a:xfrm>
-      </p:grpSpPr>
-      <p:sp>
-        <p:nvSpPr>
-          <p:cNvPr id="2" name="Заголовок 1"/>
-          <p:cNvSpPr>
-            <a:spLocks noGrp="1"/>
-          </p:cNvSpPr>
-          <p:nvPr>
-            <p:ph type="title"/>
-          </p:nvPr>
-        </p:nvSpPr>
-        <p:spPr>
-          <a:xfrm>
-            <a:off x="633412" y="524932"/>
-            <a:ext cx="8534400" cy="1507067"/>
-          </a:xfrm>
-        </p:spPr>
-        <p:txBody>
-          <a:bodyPr/>
-          <a:lstStyle/>
-          <a:p>
-            <a:r>
-              <a:rPr lang="ru-RU" dirty="0" smtClean="0"/>
-              <a:t>Работа и Результаты</a:t>
-            </a:r>
-            <a:endParaRPr lang="ru-RU" dirty="0"/>
-          </a:p>
-        </p:txBody>
-      </p:sp>
-      <p:pic>
-        <p:nvPicPr>
-          <p:cNvPr id="5" name="Picture 1" descr="/Users/Rostislav_Vatolin/Desktop/minsk-AW-24h-table.png"/>
-          <p:cNvPicPr/>
-          <p:nvPr/>
-        </p:nvPicPr>
-        <p:blipFill>
-          <a:blip r:embed="rId2">
-            <a:extLst>
-              <a:ext uri="{28A0092B-C50C-407E-A947-70E740481C1C}">
-                <a14:useLocalDpi xmlns:a14="http://schemas.microsoft.com/office/drawing/2010/main" val="0"/>
-              </a:ext>
-            </a:extLst>
-          </a:blip>
-          <a:srcRect/>
-          <a:stretch>
-            <a:fillRect/>
-          </a:stretch>
-        </p:blipFill>
-        <p:spPr bwMode="auto">
-          <a:xfrm>
-            <a:off x="633412" y="2120900"/>
-            <a:ext cx="5685155" cy="4064000"/>
-          </a:xfrm>
-          <a:prstGeom prst="rect">
-            <a:avLst/>
-          </a:prstGeom>
-          <a:noFill/>
-          <a:ln>
-            <a:noFill/>
-          </a:ln>
-        </p:spPr>
-      </p:pic>
-      <p:sp>
-        <p:nvSpPr>
-          <p:cNvPr id="6" name="TextBox 5"/>
-          <p:cNvSpPr txBox="1"/>
-          <p:nvPr/>
-        </p:nvSpPr>
-        <p:spPr>
-          <a:xfrm>
-            <a:off x="7035800" y="2120900"/>
-            <a:ext cx="3759200" cy="1200329"/>
-          </a:xfrm>
-          <a:prstGeom prst="rect">
-            <a:avLst/>
-          </a:prstGeom>
-          <a:noFill/>
-        </p:spPr>
-        <p:txBody>
-          <a:bodyPr wrap="square" rtlCol="0">
-            <a:spAutoFit/>
-          </a:bodyPr>
-          <a:lstStyle/>
-          <a:p>
-            <a:r>
-              <a:rPr lang="ru-RU" dirty="0" smtClean="0"/>
-              <a:t>После нескольких недель работы данного модуля были получены множества писем-отчетов.</a:t>
-            </a:r>
-            <a:endParaRPr lang="ru-RU" dirty="0"/>
-          </a:p>
-        </p:txBody>
-      </p:sp>
-    </p:spTree>
-    <p:extLst>
-      <p:ext uri="{BB962C8B-B14F-4D97-AF65-F5344CB8AC3E}">
-        <p14:creationId xmlns:p14="http://schemas.microsoft.com/office/powerpoint/2010/main" val="699005319"/>
       </p:ext>
     </p:extLst>
   </p:cSld>
@@ -7847,8 +8147,8 @@
         </p:nvSpPr>
         <p:spPr>
           <a:xfrm>
-            <a:off x="544512" y="205211"/>
-            <a:ext cx="8534400" cy="1394990"/>
+            <a:off x="633412" y="524932"/>
+            <a:ext cx="8534400" cy="1507067"/>
           </a:xfrm>
         </p:spPr>
         <p:txBody>
@@ -7857,7 +8157,7 @@
           <a:p>
             <a:r>
               <a:rPr lang="ru-RU" dirty="0" smtClean="0"/>
-              <a:t>Изображение результатов</a:t>
+              <a:t>Работа и Результаты</a:t>
             </a:r>
             <a:endParaRPr lang="ru-RU" dirty="0"/>
           </a:p>
@@ -7865,7 +8165,7 @@
       </p:sp>
       <p:pic>
         <p:nvPicPr>
-          <p:cNvPr id="4" name="Picture 5" descr="brest%2024%20h%20AW.jpg"/>
+          <p:cNvPr id="5" name="Picture 1" descr="/Users/Rostislav_Vatolin/Desktop/minsk-AW-24h-table.png"/>
           <p:cNvPicPr/>
           <p:nvPr/>
         </p:nvPicPr>
@@ -7884,8 +8184,8 @@
         </p:blipFill>
         <p:spPr bwMode="auto">
           <a:xfrm>
-            <a:off x="773112" y="1712277"/>
-            <a:ext cx="3494088" cy="2072323"/>
+            <a:off x="633412" y="2120900"/>
+            <a:ext cx="5685155" cy="4064000"/>
           </a:xfrm>
           <a:prstGeom prst="rect">
             <a:avLst/>
@@ -7896,99 +8196,40 @@
           </a:ln>
         </p:spPr>
       </p:pic>
-      <p:pic>
-        <p:nvPicPr>
-          <p:cNvPr id="5" name="Picture 3" descr="minsk%2024%20h%20AW.jpg"/>
-          <p:cNvPicPr/>
+      <p:sp>
+        <p:nvSpPr>
+          <p:cNvPr id="6" name="TextBox 5"/>
+          <p:cNvSpPr txBox="1"/>
           <p:nvPr/>
-        </p:nvPicPr>
-        <p:blipFill>
-          <a:blip r:embed="rId3">
-            <a:extLst>
-              <a:ext uri="{28A0092B-C50C-407E-A947-70E740481C1C}">
-                <a14:useLocalDpi xmlns:a14="http://schemas.microsoft.com/office/drawing/2010/main" val="0"/>
-              </a:ext>
-            </a:extLst>
-          </a:blip>
-          <a:srcRect/>
-          <a:stretch>
-            <a:fillRect/>
-          </a:stretch>
-        </p:blipFill>
-        <p:spPr bwMode="auto">
+        </p:nvSpPr>
+        <p:spPr>
           <a:xfrm>
-            <a:off x="5918199" y="1712277"/>
-            <a:ext cx="3832225" cy="2072323"/>
+            <a:off x="7035800" y="2120900"/>
+            <a:ext cx="3759200" cy="1200329"/>
           </a:xfrm>
           <a:prstGeom prst="rect">
             <a:avLst/>
           </a:prstGeom>
           <a:noFill/>
-          <a:ln>
-            <a:noFill/>
-          </a:ln>
-        </p:spPr>
-      </p:pic>
-      <p:pic>
-        <p:nvPicPr>
-          <p:cNvPr id="6" name="Рисунок 5"/>
-          <p:cNvPicPr/>
-          <p:nvPr/>
-        </p:nvPicPr>
-        <p:blipFill>
-          <a:blip r:embed="rId4">
-            <a:extLst>
-              <a:ext uri="{28A0092B-C50C-407E-A947-70E740481C1C}">
-                <a14:useLocalDpi xmlns:a14="http://schemas.microsoft.com/office/drawing/2010/main" val="0"/>
-              </a:ext>
-            </a:extLst>
-          </a:blip>
-          <a:stretch>
-            <a:fillRect/>
-          </a:stretch>
-        </p:blipFill>
-        <p:spPr>
-          <a:xfrm>
-            <a:off x="5918198" y="4438490"/>
-            <a:ext cx="3832225" cy="1900553"/>
-          </a:xfrm>
-          <a:prstGeom prst="rect">
-            <a:avLst/>
-          </a:prstGeom>
-        </p:spPr>
-      </p:pic>
-      <p:pic>
-        <p:nvPicPr>
-          <p:cNvPr id="7" name="Рисунок 6"/>
-          <p:cNvPicPr/>
-          <p:nvPr/>
-        </p:nvPicPr>
-        <p:blipFill>
-          <a:blip r:embed="rId5">
-            <a:extLst>
-              <a:ext uri="{28A0092B-C50C-407E-A947-70E740481C1C}">
-                <a14:useLocalDpi xmlns:a14="http://schemas.microsoft.com/office/drawing/2010/main" val="0"/>
-              </a:ext>
-            </a:extLst>
-          </a:blip>
-          <a:stretch>
-            <a:fillRect/>
-          </a:stretch>
-        </p:blipFill>
-        <p:spPr>
-          <a:xfrm>
-            <a:off x="773113" y="4438490"/>
-            <a:ext cx="3494088" cy="1900553"/>
-          </a:xfrm>
-          <a:prstGeom prst="rect">
-            <a:avLst/>
-          </a:prstGeom>
-        </p:spPr>
-      </p:pic>
+        </p:spPr>
+        <p:txBody>
+          <a:bodyPr wrap="square" rtlCol="0">
+            <a:spAutoFit/>
+          </a:bodyPr>
+          <a:lstStyle/>
+          <a:p>
+            <a:r>
+              <a:rPr lang="ru-RU" dirty="0" smtClean="0"/>
+              <a:t>После нескольких недель работы данного модуля были получены множества писем-отчетов.</a:t>
+            </a:r>
+            <a:endParaRPr lang="ru-RU" dirty="0"/>
+          </a:p>
+        </p:txBody>
+      </p:sp>
     </p:spTree>
     <p:extLst>
       <p:ext uri="{BB962C8B-B14F-4D97-AF65-F5344CB8AC3E}">
-        <p14:creationId xmlns:p14="http://schemas.microsoft.com/office/powerpoint/2010/main" val="1656553288"/>
+        <p14:creationId xmlns:p14="http://schemas.microsoft.com/office/powerpoint/2010/main" val="699005319"/>
       </p:ext>
     </p:extLst>
   </p:cSld>

--- a/docs/VatolinRP.pptx
+++ b/docs/VatolinRP.pptx
@@ -316,7 +316,7 @@
             <a:fld id="{B61BEF0D-F0BB-DE4B-95CE-6DB70DBA9567}" type="datetimeFigureOut">
               <a:rPr lang="en-US" dirty="0"/>
               <a:pPr/>
-              <a:t>25-May-17</a:t>
+              <a:t>27-May-17</a:t>
             </a:fld>
             <a:endParaRPr lang="en-US" dirty="0"/>
           </a:p>
@@ -749,7 +749,7 @@
             <a:fld id="{B61BEF0D-F0BB-DE4B-95CE-6DB70DBA9567}" type="datetimeFigureOut">
               <a:rPr lang="en-US" dirty="0"/>
               <a:pPr/>
-              <a:t>25-May-17</a:t>
+              <a:t>27-May-17</a:t>
             </a:fld>
             <a:endParaRPr lang="en-US" dirty="0"/>
           </a:p>
@@ -996,7 +996,7 @@
             <a:fld id="{B61BEF0D-F0BB-DE4B-95CE-6DB70DBA9567}" type="datetimeFigureOut">
               <a:rPr lang="en-US" dirty="0"/>
               <a:pPr/>
-              <a:t>25-May-17</a:t>
+              <a:t>27-May-17</a:t>
             </a:fld>
             <a:endParaRPr lang="en-US" dirty="0"/>
           </a:p>
@@ -1301,7 +1301,7 @@
             <a:fld id="{B61BEF0D-F0BB-DE4B-95CE-6DB70DBA9567}" type="datetimeFigureOut">
               <a:rPr lang="en-US" dirty="0"/>
               <a:pPr/>
-              <a:t>25-May-17</a:t>
+              <a:t>27-May-17</a:t>
             </a:fld>
             <a:endParaRPr lang="en-US" dirty="0"/>
           </a:p>
@@ -1616,7 +1616,7 @@
             <a:fld id="{B61BEF0D-F0BB-DE4B-95CE-6DB70DBA9567}" type="datetimeFigureOut">
               <a:rPr lang="en-US" dirty="0"/>
               <a:pPr/>
-              <a:t>25-May-17</a:t>
+              <a:t>27-May-17</a:t>
             </a:fld>
             <a:endParaRPr lang="en-US" dirty="0"/>
           </a:p>
@@ -1915,7 +1915,7 @@
             <a:fld id="{B61BEF0D-F0BB-DE4B-95CE-6DB70DBA9567}" type="datetimeFigureOut">
               <a:rPr lang="en-US" dirty="0"/>
               <a:pPr/>
-              <a:t>25-May-17</a:t>
+              <a:t>27-May-17</a:t>
             </a:fld>
             <a:endParaRPr lang="en-US" dirty="0"/>
           </a:p>
@@ -2279,7 +2279,7 @@
             <a:fld id="{B61BEF0D-F0BB-DE4B-95CE-6DB70DBA9567}" type="datetimeFigureOut">
               <a:rPr lang="en-US" dirty="0"/>
               <a:pPr/>
-              <a:t>25-May-17</a:t>
+              <a:t>27-May-17</a:t>
             </a:fld>
             <a:endParaRPr lang="en-US" dirty="0"/>
           </a:p>
@@ -2450,7 +2450,7 @@
             <a:fld id="{B61BEF0D-F0BB-DE4B-95CE-6DB70DBA9567}" type="datetimeFigureOut">
               <a:rPr lang="en-US" dirty="0"/>
               <a:pPr/>
-              <a:t>25-May-17</a:t>
+              <a:t>27-May-17</a:t>
             </a:fld>
             <a:endParaRPr lang="en-US" dirty="0"/>
           </a:p>
@@ -2627,7 +2627,7 @@
             <a:fld id="{B61BEF0D-F0BB-DE4B-95CE-6DB70DBA9567}" type="datetimeFigureOut">
               <a:rPr lang="en-US" dirty="0"/>
               <a:pPr/>
-              <a:t>25-May-17</a:t>
+              <a:t>27-May-17</a:t>
             </a:fld>
             <a:endParaRPr lang="en-US" dirty="0"/>
           </a:p>
@@ -2794,7 +2794,7 @@
             <a:fld id="{B61BEF0D-F0BB-DE4B-95CE-6DB70DBA9567}" type="datetimeFigureOut">
               <a:rPr lang="en-US" dirty="0"/>
               <a:pPr/>
-              <a:t>25-May-17</a:t>
+              <a:t>27-May-17</a:t>
             </a:fld>
             <a:endParaRPr lang="en-US" dirty="0"/>
           </a:p>
@@ -3041,7 +3041,7 @@
             <a:fld id="{B61BEF0D-F0BB-DE4B-95CE-6DB70DBA9567}" type="datetimeFigureOut">
               <a:rPr lang="en-US" dirty="0"/>
               <a:pPr/>
-              <a:t>25-May-17</a:t>
+              <a:t>27-May-17</a:t>
             </a:fld>
             <a:endParaRPr lang="en-US" dirty="0"/>
           </a:p>
@@ -3274,7 +3274,7 @@
             <a:fld id="{B61BEF0D-F0BB-DE4B-95CE-6DB70DBA9567}" type="datetimeFigureOut">
               <a:rPr lang="en-US" dirty="0"/>
               <a:pPr/>
-              <a:t>25-May-17</a:t>
+              <a:t>27-May-17</a:t>
             </a:fld>
             <a:endParaRPr lang="en-US" dirty="0"/>
           </a:p>
@@ -3653,7 +3653,7 @@
             <a:fld id="{B61BEF0D-F0BB-DE4B-95CE-6DB70DBA9567}" type="datetimeFigureOut">
               <a:rPr lang="en-US" dirty="0"/>
               <a:pPr/>
-              <a:t>25-May-17</a:t>
+              <a:t>27-May-17</a:t>
             </a:fld>
             <a:endParaRPr lang="en-US" dirty="0"/>
           </a:p>
@@ -3768,7 +3768,7 @@
             <a:fld id="{B61BEF0D-F0BB-DE4B-95CE-6DB70DBA9567}" type="datetimeFigureOut">
               <a:rPr lang="en-US" dirty="0"/>
               <a:pPr/>
-              <a:t>25-May-17</a:t>
+              <a:t>27-May-17</a:t>
             </a:fld>
             <a:endParaRPr lang="en-US" dirty="0"/>
           </a:p>
@@ -3860,7 +3860,7 @@
             <a:fld id="{B61BEF0D-F0BB-DE4B-95CE-6DB70DBA9567}" type="datetimeFigureOut">
               <a:rPr lang="en-US" dirty="0"/>
               <a:pPr/>
-              <a:t>25-May-17</a:t>
+              <a:t>27-May-17</a:t>
             </a:fld>
             <a:endParaRPr lang="en-US" dirty="0"/>
           </a:p>
@@ -4112,7 +4112,7 @@
             <a:fld id="{B61BEF0D-F0BB-DE4B-95CE-6DB70DBA9567}" type="datetimeFigureOut">
               <a:rPr lang="en-US" dirty="0"/>
               <a:pPr/>
-              <a:t>25-May-17</a:t>
+              <a:t>27-May-17</a:t>
             </a:fld>
             <a:endParaRPr lang="en-US" dirty="0"/>
           </a:p>
@@ -4392,7 +4392,7 @@
             <a:fld id="{B61BEF0D-F0BB-DE4B-95CE-6DB70DBA9567}" type="datetimeFigureOut">
               <a:rPr lang="en-US" dirty="0"/>
               <a:pPr/>
-              <a:t>25-May-17</a:t>
+              <a:t>27-May-17</a:t>
             </a:fld>
             <a:endParaRPr lang="en-US" dirty="0"/>
           </a:p>
@@ -4795,7 +4795,7 @@
             <a:fld id="{B61BEF0D-F0BB-DE4B-95CE-6DB70DBA9567}" type="datetimeFigureOut">
               <a:rPr lang="en-US" dirty="0"/>
               <a:pPr/>
-              <a:t>25-May-17</a:t>
+              <a:t>27-May-17</a:t>
             </a:fld>
             <a:endParaRPr lang="en-US" dirty="0"/>
           </a:p>
@@ -5463,8 +5463,16 @@
               </a:rPr>
             </a:br>
             <a:r>
+              <a:rPr lang="ru-RU" sz="1400" b="1" dirty="0" err="1" smtClean="0"/>
+              <a:t>РеализациЯ</a:t>
+            </a:r>
+            <a:r>
+              <a:rPr lang="ru-RU" sz="1400" b="1" dirty="0" smtClean="0"/>
+              <a:t> </a:t>
+            </a:r>
+            <a:r>
               <a:rPr lang="ru-RU" sz="1400" b="1" dirty="0"/>
-              <a:t>КОМПЬЮТЕРНЫЙ МОДУЛЬ КОНТРОЛЯ СИСТЕМЫ ВЕБ-СЛУЖБ НА БАЗЕ РАСПРЕДЕЛЕННЫХ ВЫЧИСЛЕНИЙ</a:t>
+              <a:t>модуля контроля системы веб-служб на базе распределенных вычислений</a:t>
             </a:r>
             <a:r>
               <a:rPr lang="ru-RU" sz="1400" dirty="0">
@@ -5750,13 +5758,6 @@
               </a:rPr>
               <a:t>доцент, кандидат физико-математических наук С.В. Марков</a:t>
             </a:r>
-            <a:endParaRPr lang="ru-RU" sz="1400" dirty="0">
-              <a:solidFill>
-                <a:schemeClr val="tx1"/>
-              </a:solidFill>
-              <a:latin typeface="Times New Roman" panose="02020603050405020304" pitchFamily="18" charset="0"/>
-              <a:cs typeface="Times New Roman" panose="02020603050405020304" pitchFamily="18" charset="0"/>
-            </a:endParaRPr>
           </a:p>
         </p:txBody>
       </p:sp>

--- a/docs/VatolinRP.pptx
+++ b/docs/VatolinRP.pptx
@@ -1,23 +1,26 @@
 
 <file path=ppt/presentation.xml><?xml version="1.0" encoding="utf-8"?>
-<p:presentation xmlns:a="http://schemas.openxmlformats.org/drawingml/2006/main" xmlns:r="http://schemas.openxmlformats.org/officeDocument/2006/relationships" xmlns:p="http://schemas.openxmlformats.org/presentationml/2006/main" autoCompressPictures="0">
+<p:presentation xmlns:a="http://schemas.openxmlformats.org/drawingml/2006/main" xmlns:r="http://schemas.openxmlformats.org/officeDocument/2006/relationships" xmlns:p="http://schemas.openxmlformats.org/presentationml/2006/main" showSpecialPlsOnTitleSld="0" autoCompressPictures="0">
   <p:sldMasterIdLst>
     <p:sldMasterId id="2147483648" r:id="rId1"/>
   </p:sldMasterIdLst>
+  <p:notesMasterIdLst>
+    <p:notesMasterId r:id="rId15"/>
+  </p:notesMasterIdLst>
   <p:sldIdLst>
     <p:sldId id="256" r:id="rId2"/>
     <p:sldId id="269" r:id="rId3"/>
-    <p:sldId id="257" r:id="rId4"/>
-    <p:sldId id="258" r:id="rId5"/>
-    <p:sldId id="261" r:id="rId6"/>
-    <p:sldId id="263" r:id="rId7"/>
-    <p:sldId id="260" r:id="rId8"/>
-    <p:sldId id="259" r:id="rId9"/>
-    <p:sldId id="264" r:id="rId10"/>
-    <p:sldId id="265" r:id="rId11"/>
-    <p:sldId id="266" r:id="rId12"/>
-    <p:sldId id="267" r:id="rId13"/>
-    <p:sldId id="268" r:id="rId14"/>
+    <p:sldId id="270" r:id="rId4"/>
+    <p:sldId id="257" r:id="rId5"/>
+    <p:sldId id="258" r:id="rId6"/>
+    <p:sldId id="261" r:id="rId7"/>
+    <p:sldId id="263" r:id="rId8"/>
+    <p:sldId id="260" r:id="rId9"/>
+    <p:sldId id="259" r:id="rId10"/>
+    <p:sldId id="264" r:id="rId11"/>
+    <p:sldId id="265" r:id="rId12"/>
+    <p:sldId id="266" r:id="rId13"/>
+    <p:sldId id="267" r:id="rId14"/>
   </p:sldIdLst>
   <p:sldSz cx="12192000" cy="6858000"/>
   <p:notesSz cx="6858000" cy="9144000"/>
@@ -124,6 +127,692 @@
 </p:presentation>
 </file>
 
+<file path=ppt/notesMasters/notesMaster1.xml><?xml version="1.0" encoding="utf-8"?>
+<p:notesMaster xmlns:a="http://schemas.openxmlformats.org/drawingml/2006/main" xmlns:r="http://schemas.openxmlformats.org/officeDocument/2006/relationships" xmlns:p="http://schemas.openxmlformats.org/presentationml/2006/main">
+  <p:cSld>
+    <p:bg>
+      <p:bgRef idx="1001">
+        <a:schemeClr val="bg1"/>
+      </p:bgRef>
+    </p:bg>
+    <p:spTree>
+      <p:nvGrpSpPr>
+        <p:cNvPr id="1" name=""/>
+        <p:cNvGrpSpPr/>
+        <p:nvPr/>
+      </p:nvGrpSpPr>
+      <p:grpSpPr>
+        <a:xfrm>
+          <a:off x="0" y="0"/>
+          <a:ext cx="0" cy="0"/>
+          <a:chOff x="0" y="0"/>
+          <a:chExt cx="0" cy="0"/>
+        </a:xfrm>
+      </p:grpSpPr>
+      <p:sp>
+        <p:nvSpPr>
+          <p:cNvPr id="2" name="Верхний колонтитул 1"/>
+          <p:cNvSpPr>
+            <a:spLocks noGrp="1"/>
+          </p:cNvSpPr>
+          <p:nvPr>
+            <p:ph type="hdr" sz="quarter"/>
+          </p:nvPr>
+        </p:nvSpPr>
+        <p:spPr>
+          <a:xfrm>
+            <a:off x="0" y="0"/>
+            <a:ext cx="2971800" cy="458788"/>
+          </a:xfrm>
+          <a:prstGeom prst="rect">
+            <a:avLst/>
+          </a:prstGeom>
+        </p:spPr>
+        <p:txBody>
+          <a:bodyPr vert="horz" lIns="91440" tIns="45720" rIns="91440" bIns="45720" rtlCol="0"/>
+          <a:lstStyle>
+            <a:lvl1pPr algn="l">
+              <a:defRPr sz="1200"/>
+            </a:lvl1pPr>
+          </a:lstStyle>
+          <a:p>
+            <a:endParaRPr lang="ru-RU"/>
+          </a:p>
+        </p:txBody>
+      </p:sp>
+      <p:sp>
+        <p:nvSpPr>
+          <p:cNvPr id="3" name="Дата 2"/>
+          <p:cNvSpPr>
+            <a:spLocks noGrp="1"/>
+          </p:cNvSpPr>
+          <p:nvPr>
+            <p:ph type="dt" idx="1"/>
+          </p:nvPr>
+        </p:nvSpPr>
+        <p:spPr>
+          <a:xfrm>
+            <a:off x="3884613" y="0"/>
+            <a:ext cx="2971800" cy="458788"/>
+          </a:xfrm>
+          <a:prstGeom prst="rect">
+            <a:avLst/>
+          </a:prstGeom>
+        </p:spPr>
+        <p:txBody>
+          <a:bodyPr vert="horz" lIns="91440" tIns="45720" rIns="91440" bIns="45720" rtlCol="0"/>
+          <a:lstStyle>
+            <a:lvl1pPr algn="r">
+              <a:defRPr sz="1200"/>
+            </a:lvl1pPr>
+          </a:lstStyle>
+          <a:p>
+            <a:fld id="{28259261-A06E-4889-B13E-D697D32CA4FD}" type="datetimeFigureOut">
+              <a:rPr lang="ru-RU" smtClean="0"/>
+              <a:t>06.06.2017</a:t>
+            </a:fld>
+            <a:endParaRPr lang="ru-RU"/>
+          </a:p>
+        </p:txBody>
+      </p:sp>
+      <p:sp>
+        <p:nvSpPr>
+          <p:cNvPr id="4" name="Образ слайда 3"/>
+          <p:cNvSpPr>
+            <a:spLocks noGrp="1" noRot="1" noChangeAspect="1"/>
+          </p:cNvSpPr>
+          <p:nvPr>
+            <p:ph type="sldImg" idx="2"/>
+          </p:nvPr>
+        </p:nvSpPr>
+        <p:spPr>
+          <a:xfrm>
+            <a:off x="685800" y="1143000"/>
+            <a:ext cx="5486400" cy="3086100"/>
+          </a:xfrm>
+          <a:prstGeom prst="rect">
+            <a:avLst/>
+          </a:prstGeom>
+          <a:noFill/>
+          <a:ln w="12700">
+            <a:solidFill>
+              <a:prstClr val="black"/>
+            </a:solidFill>
+          </a:ln>
+        </p:spPr>
+        <p:txBody>
+          <a:bodyPr vert="horz" lIns="91440" tIns="45720" rIns="91440" bIns="45720" rtlCol="0" anchor="ctr"/>
+          <a:lstStyle/>
+          <a:p>
+            <a:endParaRPr lang="ru-RU"/>
+          </a:p>
+        </p:txBody>
+      </p:sp>
+      <p:sp>
+        <p:nvSpPr>
+          <p:cNvPr id="5" name="Заметки 4"/>
+          <p:cNvSpPr>
+            <a:spLocks noGrp="1"/>
+          </p:cNvSpPr>
+          <p:nvPr>
+            <p:ph type="body" sz="quarter" idx="3"/>
+          </p:nvPr>
+        </p:nvSpPr>
+        <p:spPr>
+          <a:xfrm>
+            <a:off x="685800" y="4400550"/>
+            <a:ext cx="5486400" cy="3600450"/>
+          </a:xfrm>
+          <a:prstGeom prst="rect">
+            <a:avLst/>
+          </a:prstGeom>
+        </p:spPr>
+        <p:txBody>
+          <a:bodyPr vert="horz" lIns="91440" tIns="45720" rIns="91440" bIns="45720" rtlCol="0"/>
+          <a:lstStyle/>
+          <a:p>
+            <a:pPr lvl="0"/>
+            <a:r>
+              <a:rPr lang="ru-RU" smtClean="0"/>
+              <a:t>Образец текста</a:t>
+            </a:r>
+          </a:p>
+          <a:p>
+            <a:pPr lvl="1"/>
+            <a:r>
+              <a:rPr lang="ru-RU" smtClean="0"/>
+              <a:t>Второй уровень</a:t>
+            </a:r>
+          </a:p>
+          <a:p>
+            <a:pPr lvl="2"/>
+            <a:r>
+              <a:rPr lang="ru-RU" smtClean="0"/>
+              <a:t>Третий уровень</a:t>
+            </a:r>
+          </a:p>
+          <a:p>
+            <a:pPr lvl="3"/>
+            <a:r>
+              <a:rPr lang="ru-RU" smtClean="0"/>
+              <a:t>Четвертый уровень</a:t>
+            </a:r>
+          </a:p>
+          <a:p>
+            <a:pPr lvl="4"/>
+            <a:r>
+              <a:rPr lang="ru-RU" smtClean="0"/>
+              <a:t>Пятый уровень</a:t>
+            </a:r>
+            <a:endParaRPr lang="ru-RU"/>
+          </a:p>
+        </p:txBody>
+      </p:sp>
+      <p:sp>
+        <p:nvSpPr>
+          <p:cNvPr id="6" name="Нижний колонтитул 5"/>
+          <p:cNvSpPr>
+            <a:spLocks noGrp="1"/>
+          </p:cNvSpPr>
+          <p:nvPr>
+            <p:ph type="ftr" sz="quarter" idx="4"/>
+          </p:nvPr>
+        </p:nvSpPr>
+        <p:spPr>
+          <a:xfrm>
+            <a:off x="0" y="8685213"/>
+            <a:ext cx="2971800" cy="458787"/>
+          </a:xfrm>
+          <a:prstGeom prst="rect">
+            <a:avLst/>
+          </a:prstGeom>
+        </p:spPr>
+        <p:txBody>
+          <a:bodyPr vert="horz" lIns="91440" tIns="45720" rIns="91440" bIns="45720" rtlCol="0" anchor="b"/>
+          <a:lstStyle>
+            <a:lvl1pPr algn="l">
+              <a:defRPr sz="1200"/>
+            </a:lvl1pPr>
+          </a:lstStyle>
+          <a:p>
+            <a:endParaRPr lang="ru-RU"/>
+          </a:p>
+        </p:txBody>
+      </p:sp>
+      <p:sp>
+        <p:nvSpPr>
+          <p:cNvPr id="7" name="Номер слайда 6"/>
+          <p:cNvSpPr>
+            <a:spLocks noGrp="1"/>
+          </p:cNvSpPr>
+          <p:nvPr>
+            <p:ph type="sldNum" sz="quarter" idx="5"/>
+          </p:nvPr>
+        </p:nvSpPr>
+        <p:spPr>
+          <a:xfrm>
+            <a:off x="3884613" y="8685213"/>
+            <a:ext cx="2971800" cy="458787"/>
+          </a:xfrm>
+          <a:prstGeom prst="rect">
+            <a:avLst/>
+          </a:prstGeom>
+        </p:spPr>
+        <p:txBody>
+          <a:bodyPr vert="horz" lIns="91440" tIns="45720" rIns="91440" bIns="45720" rtlCol="0" anchor="b"/>
+          <a:lstStyle>
+            <a:lvl1pPr algn="r">
+              <a:defRPr sz="1200"/>
+            </a:lvl1pPr>
+          </a:lstStyle>
+          <a:p>
+            <a:fld id="{454B41CC-A012-43E4-BED9-C6C6FE8BB55E}" type="slidenum">
+              <a:rPr lang="ru-RU" smtClean="0"/>
+              <a:t>‹#›</a:t>
+            </a:fld>
+            <a:endParaRPr lang="ru-RU"/>
+          </a:p>
+        </p:txBody>
+      </p:sp>
+    </p:spTree>
+    <p:extLst>
+      <p:ext uri="{BB962C8B-B14F-4D97-AF65-F5344CB8AC3E}">
+        <p14:creationId xmlns:p14="http://schemas.microsoft.com/office/powerpoint/2010/main" val="898203927"/>
+      </p:ext>
+    </p:extLst>
+  </p:cSld>
+  <p:clrMap bg1="lt1" tx1="dk1" bg2="lt2" tx2="dk2" accent1="accent1" accent2="accent2" accent3="accent3" accent4="accent4" accent5="accent5" accent6="accent6" hlink="hlink" folHlink="folHlink"/>
+  <p:notesStyle>
+    <a:lvl1pPr marL="0" algn="l" defTabSz="914400" rtl="0" eaLnBrk="1" latinLnBrk="0" hangingPunct="1">
+      <a:defRPr sz="1200" kern="1200">
+        <a:solidFill>
+          <a:schemeClr val="tx1"/>
+        </a:solidFill>
+        <a:latin typeface="+mn-lt"/>
+        <a:ea typeface="+mn-ea"/>
+        <a:cs typeface="+mn-cs"/>
+      </a:defRPr>
+    </a:lvl1pPr>
+    <a:lvl2pPr marL="457200" algn="l" defTabSz="914400" rtl="0" eaLnBrk="1" latinLnBrk="0" hangingPunct="1">
+      <a:defRPr sz="1200" kern="1200">
+        <a:solidFill>
+          <a:schemeClr val="tx1"/>
+        </a:solidFill>
+        <a:latin typeface="+mn-lt"/>
+        <a:ea typeface="+mn-ea"/>
+        <a:cs typeface="+mn-cs"/>
+      </a:defRPr>
+    </a:lvl2pPr>
+    <a:lvl3pPr marL="914400" algn="l" defTabSz="914400" rtl="0" eaLnBrk="1" latinLnBrk="0" hangingPunct="1">
+      <a:defRPr sz="1200" kern="1200">
+        <a:solidFill>
+          <a:schemeClr val="tx1"/>
+        </a:solidFill>
+        <a:latin typeface="+mn-lt"/>
+        <a:ea typeface="+mn-ea"/>
+        <a:cs typeface="+mn-cs"/>
+      </a:defRPr>
+    </a:lvl3pPr>
+    <a:lvl4pPr marL="1371600" algn="l" defTabSz="914400" rtl="0" eaLnBrk="1" latinLnBrk="0" hangingPunct="1">
+      <a:defRPr sz="1200" kern="1200">
+        <a:solidFill>
+          <a:schemeClr val="tx1"/>
+        </a:solidFill>
+        <a:latin typeface="+mn-lt"/>
+        <a:ea typeface="+mn-ea"/>
+        <a:cs typeface="+mn-cs"/>
+      </a:defRPr>
+    </a:lvl4pPr>
+    <a:lvl5pPr marL="1828800" algn="l" defTabSz="914400" rtl="0" eaLnBrk="1" latinLnBrk="0" hangingPunct="1">
+      <a:defRPr sz="1200" kern="1200">
+        <a:solidFill>
+          <a:schemeClr val="tx1"/>
+        </a:solidFill>
+        <a:latin typeface="+mn-lt"/>
+        <a:ea typeface="+mn-ea"/>
+        <a:cs typeface="+mn-cs"/>
+      </a:defRPr>
+    </a:lvl5pPr>
+    <a:lvl6pPr marL="2286000" algn="l" defTabSz="914400" rtl="0" eaLnBrk="1" latinLnBrk="0" hangingPunct="1">
+      <a:defRPr sz="1200" kern="1200">
+        <a:solidFill>
+          <a:schemeClr val="tx1"/>
+        </a:solidFill>
+        <a:latin typeface="+mn-lt"/>
+        <a:ea typeface="+mn-ea"/>
+        <a:cs typeface="+mn-cs"/>
+      </a:defRPr>
+    </a:lvl6pPr>
+    <a:lvl7pPr marL="2743200" algn="l" defTabSz="914400" rtl="0" eaLnBrk="1" latinLnBrk="0" hangingPunct="1">
+      <a:defRPr sz="1200" kern="1200">
+        <a:solidFill>
+          <a:schemeClr val="tx1"/>
+        </a:solidFill>
+        <a:latin typeface="+mn-lt"/>
+        <a:ea typeface="+mn-ea"/>
+        <a:cs typeface="+mn-cs"/>
+      </a:defRPr>
+    </a:lvl7pPr>
+    <a:lvl8pPr marL="3200400" algn="l" defTabSz="914400" rtl="0" eaLnBrk="1" latinLnBrk="0" hangingPunct="1">
+      <a:defRPr sz="1200" kern="1200">
+        <a:solidFill>
+          <a:schemeClr val="tx1"/>
+        </a:solidFill>
+        <a:latin typeface="+mn-lt"/>
+        <a:ea typeface="+mn-ea"/>
+        <a:cs typeface="+mn-cs"/>
+      </a:defRPr>
+    </a:lvl8pPr>
+    <a:lvl9pPr marL="3657600" algn="l" defTabSz="914400" rtl="0" eaLnBrk="1" latinLnBrk="0" hangingPunct="1">
+      <a:defRPr sz="1200" kern="1200">
+        <a:solidFill>
+          <a:schemeClr val="tx1"/>
+        </a:solidFill>
+        <a:latin typeface="+mn-lt"/>
+        <a:ea typeface="+mn-ea"/>
+        <a:cs typeface="+mn-cs"/>
+      </a:defRPr>
+    </a:lvl9pPr>
+  </p:notesStyle>
+</p:notesMaster>
+</file>
+
+<file path=ppt/notesSlides/notesSlide1.xml><?xml version="1.0" encoding="utf-8"?>
+<p:notes xmlns:a="http://schemas.openxmlformats.org/drawingml/2006/main" xmlns:r="http://schemas.openxmlformats.org/officeDocument/2006/relationships" xmlns:p="http://schemas.openxmlformats.org/presentationml/2006/main">
+  <p:cSld>
+    <p:spTree>
+      <p:nvGrpSpPr>
+        <p:cNvPr id="1" name=""/>
+        <p:cNvGrpSpPr/>
+        <p:nvPr/>
+      </p:nvGrpSpPr>
+      <p:grpSpPr>
+        <a:xfrm>
+          <a:off x="0" y="0"/>
+          <a:ext cx="0" cy="0"/>
+          <a:chOff x="0" y="0"/>
+          <a:chExt cx="0" cy="0"/>
+        </a:xfrm>
+      </p:grpSpPr>
+      <p:sp>
+        <p:nvSpPr>
+          <p:cNvPr id="2" name="Образ слайда 1"/>
+          <p:cNvSpPr>
+            <a:spLocks noGrp="1" noRot="1" noChangeAspect="1"/>
+          </p:cNvSpPr>
+          <p:nvPr>
+            <p:ph type="sldImg"/>
+          </p:nvPr>
+        </p:nvSpPr>
+        <p:spPr/>
+      </p:sp>
+      <p:sp>
+        <p:nvSpPr>
+          <p:cNvPr id="3" name="Заметки 2"/>
+          <p:cNvSpPr>
+            <a:spLocks noGrp="1"/>
+          </p:cNvSpPr>
+          <p:nvPr>
+            <p:ph type="body" idx="1"/>
+          </p:nvPr>
+        </p:nvSpPr>
+        <p:spPr/>
+        <p:txBody>
+          <a:bodyPr/>
+          <a:lstStyle/>
+          <a:p>
+            <a:endParaRPr lang="ru-RU"/>
+          </a:p>
+        </p:txBody>
+      </p:sp>
+      <p:sp>
+        <p:nvSpPr>
+          <p:cNvPr id="4" name="Номер слайда 3"/>
+          <p:cNvSpPr>
+            <a:spLocks noGrp="1"/>
+          </p:cNvSpPr>
+          <p:nvPr>
+            <p:ph type="sldNum" sz="quarter" idx="10"/>
+          </p:nvPr>
+        </p:nvSpPr>
+        <p:spPr/>
+        <p:txBody>
+          <a:bodyPr/>
+          <a:lstStyle/>
+          <a:p>
+            <a:fld id="{454B41CC-A012-43E4-BED9-C6C6FE8BB55E}" type="slidenum">
+              <a:rPr lang="ru-RU" smtClean="0"/>
+              <a:t>1</a:t>
+            </a:fld>
+            <a:endParaRPr lang="ru-RU"/>
+          </a:p>
+        </p:txBody>
+      </p:sp>
+    </p:spTree>
+    <p:extLst>
+      <p:ext uri="{BB962C8B-B14F-4D97-AF65-F5344CB8AC3E}">
+        <p14:creationId xmlns:p14="http://schemas.microsoft.com/office/powerpoint/2010/main" val="2729288443"/>
+      </p:ext>
+    </p:extLst>
+  </p:cSld>
+  <p:clrMapOvr>
+    <a:masterClrMapping/>
+  </p:clrMapOvr>
+</p:notes>
+</file>
+
+<file path=ppt/notesSlides/notesSlide2.xml><?xml version="1.0" encoding="utf-8"?>
+<p:notes xmlns:a="http://schemas.openxmlformats.org/drawingml/2006/main" xmlns:r="http://schemas.openxmlformats.org/officeDocument/2006/relationships" xmlns:p="http://schemas.openxmlformats.org/presentationml/2006/main">
+  <p:cSld>
+    <p:spTree>
+      <p:nvGrpSpPr>
+        <p:cNvPr id="1" name=""/>
+        <p:cNvGrpSpPr/>
+        <p:nvPr/>
+      </p:nvGrpSpPr>
+      <p:grpSpPr>
+        <a:xfrm>
+          <a:off x="0" y="0"/>
+          <a:ext cx="0" cy="0"/>
+          <a:chOff x="0" y="0"/>
+          <a:chExt cx="0" cy="0"/>
+        </a:xfrm>
+      </p:grpSpPr>
+      <p:sp>
+        <p:nvSpPr>
+          <p:cNvPr id="2" name="Образ слайда 1"/>
+          <p:cNvSpPr>
+            <a:spLocks noGrp="1" noRot="1" noChangeAspect="1"/>
+          </p:cNvSpPr>
+          <p:nvPr>
+            <p:ph type="sldImg"/>
+          </p:nvPr>
+        </p:nvSpPr>
+        <p:spPr/>
+      </p:sp>
+      <p:sp>
+        <p:nvSpPr>
+          <p:cNvPr id="3" name="Заметки 2"/>
+          <p:cNvSpPr>
+            <a:spLocks noGrp="1"/>
+          </p:cNvSpPr>
+          <p:nvPr>
+            <p:ph type="body" idx="1"/>
+          </p:nvPr>
+        </p:nvSpPr>
+        <p:spPr/>
+        <p:txBody>
+          <a:bodyPr/>
+          <a:lstStyle/>
+          <a:p>
+            <a:endParaRPr lang="ru-RU"/>
+          </a:p>
+        </p:txBody>
+      </p:sp>
+      <p:sp>
+        <p:nvSpPr>
+          <p:cNvPr id="4" name="Номер слайда 3"/>
+          <p:cNvSpPr>
+            <a:spLocks noGrp="1"/>
+          </p:cNvSpPr>
+          <p:nvPr>
+            <p:ph type="sldNum" sz="quarter" idx="10"/>
+          </p:nvPr>
+        </p:nvSpPr>
+        <p:spPr/>
+        <p:txBody>
+          <a:bodyPr/>
+          <a:lstStyle/>
+          <a:p>
+            <a:fld id="{454B41CC-A012-43E4-BED9-C6C6FE8BB55E}" type="slidenum">
+              <a:rPr lang="ru-RU" smtClean="0"/>
+              <a:t>2</a:t>
+            </a:fld>
+            <a:endParaRPr lang="ru-RU"/>
+          </a:p>
+        </p:txBody>
+      </p:sp>
+    </p:spTree>
+    <p:extLst>
+      <p:ext uri="{BB962C8B-B14F-4D97-AF65-F5344CB8AC3E}">
+        <p14:creationId xmlns:p14="http://schemas.microsoft.com/office/powerpoint/2010/main" val="3521213902"/>
+      </p:ext>
+    </p:extLst>
+  </p:cSld>
+  <p:clrMapOvr>
+    <a:masterClrMapping/>
+  </p:clrMapOvr>
+</p:notes>
+</file>
+
+<file path=ppt/notesSlides/notesSlide3.xml><?xml version="1.0" encoding="utf-8"?>
+<p:notes xmlns:a="http://schemas.openxmlformats.org/drawingml/2006/main" xmlns:r="http://schemas.openxmlformats.org/officeDocument/2006/relationships" xmlns:p="http://schemas.openxmlformats.org/presentationml/2006/main">
+  <p:cSld>
+    <p:spTree>
+      <p:nvGrpSpPr>
+        <p:cNvPr id="1" name=""/>
+        <p:cNvGrpSpPr/>
+        <p:nvPr/>
+      </p:nvGrpSpPr>
+      <p:grpSpPr>
+        <a:xfrm>
+          <a:off x="0" y="0"/>
+          <a:ext cx="0" cy="0"/>
+          <a:chOff x="0" y="0"/>
+          <a:chExt cx="0" cy="0"/>
+        </a:xfrm>
+      </p:grpSpPr>
+      <p:sp>
+        <p:nvSpPr>
+          <p:cNvPr id="2" name="Образ слайда 1"/>
+          <p:cNvSpPr>
+            <a:spLocks noGrp="1" noRot="1" noChangeAspect="1"/>
+          </p:cNvSpPr>
+          <p:nvPr>
+            <p:ph type="sldImg"/>
+          </p:nvPr>
+        </p:nvSpPr>
+        <p:spPr/>
+      </p:sp>
+      <p:sp>
+        <p:nvSpPr>
+          <p:cNvPr id="3" name="Заметки 2"/>
+          <p:cNvSpPr>
+            <a:spLocks noGrp="1"/>
+          </p:cNvSpPr>
+          <p:nvPr>
+            <p:ph type="body" idx="1"/>
+          </p:nvPr>
+        </p:nvSpPr>
+        <p:spPr/>
+        <p:txBody>
+          <a:bodyPr/>
+          <a:lstStyle/>
+          <a:p>
+            <a:endParaRPr lang="ru-RU"/>
+          </a:p>
+        </p:txBody>
+      </p:sp>
+      <p:sp>
+        <p:nvSpPr>
+          <p:cNvPr id="4" name="Номер слайда 3"/>
+          <p:cNvSpPr>
+            <a:spLocks noGrp="1"/>
+          </p:cNvSpPr>
+          <p:nvPr>
+            <p:ph type="sldNum" sz="quarter" idx="10"/>
+          </p:nvPr>
+        </p:nvSpPr>
+        <p:spPr/>
+        <p:txBody>
+          <a:bodyPr/>
+          <a:lstStyle/>
+          <a:p>
+            <a:fld id="{454B41CC-A012-43E4-BED9-C6C6FE8BB55E}" type="slidenum">
+              <a:rPr lang="ru-RU" smtClean="0"/>
+              <a:t>3</a:t>
+            </a:fld>
+            <a:endParaRPr lang="ru-RU"/>
+          </a:p>
+        </p:txBody>
+      </p:sp>
+    </p:spTree>
+    <p:extLst>
+      <p:ext uri="{BB962C8B-B14F-4D97-AF65-F5344CB8AC3E}">
+        <p14:creationId xmlns:p14="http://schemas.microsoft.com/office/powerpoint/2010/main" val="3623037451"/>
+      </p:ext>
+    </p:extLst>
+  </p:cSld>
+  <p:clrMapOvr>
+    <a:masterClrMapping/>
+  </p:clrMapOvr>
+</p:notes>
+</file>
+
+<file path=ppt/notesSlides/notesSlide4.xml><?xml version="1.0" encoding="utf-8"?>
+<p:notes xmlns:a="http://schemas.openxmlformats.org/drawingml/2006/main" xmlns:r="http://schemas.openxmlformats.org/officeDocument/2006/relationships" xmlns:p="http://schemas.openxmlformats.org/presentationml/2006/main">
+  <p:cSld>
+    <p:spTree>
+      <p:nvGrpSpPr>
+        <p:cNvPr id="1" name=""/>
+        <p:cNvGrpSpPr/>
+        <p:nvPr/>
+      </p:nvGrpSpPr>
+      <p:grpSpPr>
+        <a:xfrm>
+          <a:off x="0" y="0"/>
+          <a:ext cx="0" cy="0"/>
+          <a:chOff x="0" y="0"/>
+          <a:chExt cx="0" cy="0"/>
+        </a:xfrm>
+      </p:grpSpPr>
+      <p:sp>
+        <p:nvSpPr>
+          <p:cNvPr id="2" name="Образ слайда 1"/>
+          <p:cNvSpPr>
+            <a:spLocks noGrp="1" noRot="1" noChangeAspect="1"/>
+          </p:cNvSpPr>
+          <p:nvPr>
+            <p:ph type="sldImg"/>
+          </p:nvPr>
+        </p:nvSpPr>
+        <p:spPr/>
+      </p:sp>
+      <p:sp>
+        <p:nvSpPr>
+          <p:cNvPr id="3" name="Заметки 2"/>
+          <p:cNvSpPr>
+            <a:spLocks noGrp="1"/>
+          </p:cNvSpPr>
+          <p:nvPr>
+            <p:ph type="body" idx="1"/>
+          </p:nvPr>
+        </p:nvSpPr>
+        <p:spPr/>
+        <p:txBody>
+          <a:bodyPr/>
+          <a:lstStyle/>
+          <a:p>
+            <a:endParaRPr lang="ru-RU"/>
+          </a:p>
+        </p:txBody>
+      </p:sp>
+      <p:sp>
+        <p:nvSpPr>
+          <p:cNvPr id="4" name="Номер слайда 3"/>
+          <p:cNvSpPr>
+            <a:spLocks noGrp="1"/>
+          </p:cNvSpPr>
+          <p:nvPr>
+            <p:ph type="sldNum" sz="quarter" idx="10"/>
+          </p:nvPr>
+        </p:nvSpPr>
+        <p:spPr/>
+        <p:txBody>
+          <a:bodyPr/>
+          <a:lstStyle/>
+          <a:p>
+            <a:fld id="{454B41CC-A012-43E4-BED9-C6C6FE8BB55E}" type="slidenum">
+              <a:rPr lang="ru-RU" smtClean="0"/>
+              <a:t>5</a:t>
+            </a:fld>
+            <a:endParaRPr lang="ru-RU"/>
+          </a:p>
+        </p:txBody>
+      </p:sp>
+    </p:spTree>
+    <p:extLst>
+      <p:ext uri="{BB962C8B-B14F-4D97-AF65-F5344CB8AC3E}">
+        <p14:creationId xmlns:p14="http://schemas.microsoft.com/office/powerpoint/2010/main" val="3014724488"/>
+      </p:ext>
+    </p:extLst>
+  </p:cSld>
+  <p:clrMapOvr>
+    <a:masterClrMapping/>
+  </p:clrMapOvr>
+</p:notes>
+</file>
+
 <file path=ppt/slideLayouts/slideLayout1.xml><?xml version="1.0" encoding="utf-8"?>
 <p:sldLayout xmlns:a="http://schemas.openxmlformats.org/drawingml/2006/main" xmlns:r="http://schemas.openxmlformats.org/officeDocument/2006/relationships" xmlns:p="http://schemas.openxmlformats.org/presentationml/2006/main" showMasterSp="0" type="title" preserve="1">
   <p:cSld name="Титульный слайд">
@@ -313,10 +1002,9 @@
           <a:bodyPr/>
           <a:lstStyle/>
           <a:p>
-            <a:fld id="{B61BEF0D-F0BB-DE4B-95CE-6DB70DBA9567}" type="datetimeFigureOut">
-              <a:rPr lang="en-US" dirty="0"/>
-              <a:pPr/>
-              <a:t>27-May-17</a:t>
+            <a:fld id="{5A5919E8-B2EB-40BB-BE7A-A5EF9BE85FEF}" type="datetime1">
+              <a:rPr lang="en-US" smtClean="0"/>
+              <a:t>06-Jun-17</a:t>
             </a:fld>
             <a:endParaRPr lang="en-US" dirty="0"/>
           </a:p>
@@ -337,6 +1025,10 @@
           <a:bodyPr/>
           <a:lstStyle/>
           <a:p>
+            <a:r>
+              <a:rPr lang="ru-RU" smtClean="0"/>
+              <a:t>Ватолин Р. П. "Реализация модуля контроля системы веб-служб на базе распределенных вычислений" 2017</a:t>
+            </a:r>
             <a:endParaRPr lang="en-US" dirty="0"/>
           </a:p>
         </p:txBody>
@@ -746,10 +1438,9 @@
           <a:bodyPr/>
           <a:lstStyle/>
           <a:p>
-            <a:fld id="{B61BEF0D-F0BB-DE4B-95CE-6DB70DBA9567}" type="datetimeFigureOut">
-              <a:rPr lang="en-US" dirty="0"/>
-              <a:pPr/>
-              <a:t>27-May-17</a:t>
+            <a:fld id="{A3E16DE4-25DB-46C5-A889-0618EC90F324}" type="datetime1">
+              <a:rPr lang="en-US" smtClean="0"/>
+              <a:t>06-Jun-17</a:t>
             </a:fld>
             <a:endParaRPr lang="en-US" dirty="0"/>
           </a:p>
@@ -770,6 +1461,10 @@
           <a:bodyPr/>
           <a:lstStyle/>
           <a:p>
+            <a:r>
+              <a:rPr lang="ru-RU" smtClean="0"/>
+              <a:t>Ватолин Р. П. "Реализация модуля контроля системы веб-служб на базе распределенных вычислений" 2017</a:t>
+            </a:r>
             <a:endParaRPr lang="en-US" dirty="0"/>
           </a:p>
         </p:txBody>
@@ -993,10 +1688,9 @@
           <a:bodyPr/>
           <a:lstStyle/>
           <a:p>
-            <a:fld id="{B61BEF0D-F0BB-DE4B-95CE-6DB70DBA9567}" type="datetimeFigureOut">
-              <a:rPr lang="en-US" dirty="0"/>
-              <a:pPr/>
-              <a:t>27-May-17</a:t>
+            <a:fld id="{7F808487-E809-47A8-A20E-FAF97D2B854C}" type="datetime1">
+              <a:rPr lang="en-US" smtClean="0"/>
+              <a:t>06-Jun-17</a:t>
             </a:fld>
             <a:endParaRPr lang="en-US" dirty="0"/>
           </a:p>
@@ -1017,6 +1711,10 @@
           <a:bodyPr/>
           <a:lstStyle/>
           <a:p>
+            <a:r>
+              <a:rPr lang="ru-RU" smtClean="0"/>
+              <a:t>Ватолин Р. П. "Реализация модуля контроля системы веб-служб на базе распределенных вычислений" 2017</a:t>
+            </a:r>
             <a:endParaRPr lang="en-US" dirty="0"/>
           </a:p>
         </p:txBody>
@@ -1298,10 +1996,9 @@
           <a:bodyPr/>
           <a:lstStyle/>
           <a:p>
-            <a:fld id="{B61BEF0D-F0BB-DE4B-95CE-6DB70DBA9567}" type="datetimeFigureOut">
-              <a:rPr lang="en-US" dirty="0"/>
-              <a:pPr/>
-              <a:t>27-May-17</a:t>
+            <a:fld id="{9A375A46-15B6-47B9-B237-298FFFA2FD44}" type="datetime1">
+              <a:rPr lang="en-US" smtClean="0"/>
+              <a:t>06-Jun-17</a:t>
             </a:fld>
             <a:endParaRPr lang="en-US" dirty="0"/>
           </a:p>
@@ -1322,6 +2019,10 @@
           <a:bodyPr/>
           <a:lstStyle/>
           <a:p>
+            <a:r>
+              <a:rPr lang="ru-RU" smtClean="0"/>
+              <a:t>Ватолин Р. П. "Реализация модуля контроля системы веб-служб на базе распределенных вычислений" 2017</a:t>
+            </a:r>
             <a:endParaRPr lang="en-US" dirty="0"/>
           </a:p>
         </p:txBody>
@@ -1613,10 +2314,9 @@
           <a:bodyPr/>
           <a:lstStyle/>
           <a:p>
-            <a:fld id="{B61BEF0D-F0BB-DE4B-95CE-6DB70DBA9567}" type="datetimeFigureOut">
-              <a:rPr lang="en-US" dirty="0"/>
-              <a:pPr/>
-              <a:t>27-May-17</a:t>
+            <a:fld id="{283F5C00-6F59-4ACA-B2F3-BD2B1BCA3B6E}" type="datetime1">
+              <a:rPr lang="en-US" smtClean="0"/>
+              <a:t>06-Jun-17</a:t>
             </a:fld>
             <a:endParaRPr lang="en-US" dirty="0"/>
           </a:p>
@@ -1637,6 +2337,10 @@
           <a:bodyPr/>
           <a:lstStyle/>
           <a:p>
+            <a:r>
+              <a:rPr lang="ru-RU" smtClean="0"/>
+              <a:t>Ватолин Р. П. "Реализация модуля контроля системы веб-служб на базе распределенных вычислений" 2017</a:t>
+            </a:r>
             <a:endParaRPr lang="en-US" dirty="0"/>
           </a:p>
         </p:txBody>
@@ -1912,10 +2616,9 @@
           <a:bodyPr/>
           <a:lstStyle/>
           <a:p>
-            <a:fld id="{B61BEF0D-F0BB-DE4B-95CE-6DB70DBA9567}" type="datetimeFigureOut">
-              <a:rPr lang="en-US" dirty="0"/>
-              <a:pPr/>
-              <a:t>27-May-17</a:t>
+            <a:fld id="{7977D106-AADE-4E97-91EE-1132090FDB49}" type="datetime1">
+              <a:rPr lang="en-US" smtClean="0"/>
+              <a:t>06-Jun-17</a:t>
             </a:fld>
             <a:endParaRPr lang="en-US" dirty="0"/>
           </a:p>
@@ -1936,6 +2639,10 @@
           <a:bodyPr/>
           <a:lstStyle/>
           <a:p>
+            <a:r>
+              <a:rPr lang="ru-RU" smtClean="0"/>
+              <a:t>Ватолин Р. П. "Реализация модуля контроля системы веб-служб на базе распределенных вычислений" 2017</a:t>
+            </a:r>
             <a:endParaRPr lang="en-US" dirty="0"/>
           </a:p>
         </p:txBody>
@@ -2276,10 +2983,9 @@
           <a:bodyPr/>
           <a:lstStyle/>
           <a:p>
-            <a:fld id="{B61BEF0D-F0BB-DE4B-95CE-6DB70DBA9567}" type="datetimeFigureOut">
-              <a:rPr lang="en-US" dirty="0"/>
-              <a:pPr/>
-              <a:t>27-May-17</a:t>
+            <a:fld id="{0DA22011-569E-4140-8D98-9089A203C85F}" type="datetime1">
+              <a:rPr lang="en-US" smtClean="0"/>
+              <a:t>06-Jun-17</a:t>
             </a:fld>
             <a:endParaRPr lang="en-US" dirty="0"/>
           </a:p>
@@ -2300,6 +3006,10 @@
           <a:bodyPr/>
           <a:lstStyle/>
           <a:p>
+            <a:r>
+              <a:rPr lang="ru-RU" smtClean="0"/>
+              <a:t>Ватолин Р. П. "Реализация модуля контроля системы веб-служб на базе распределенных вычислений" 2017</a:t>
+            </a:r>
             <a:endParaRPr lang="en-US" dirty="0"/>
           </a:p>
         </p:txBody>
@@ -2447,10 +3157,9 @@
           <a:bodyPr/>
           <a:lstStyle/>
           <a:p>
-            <a:fld id="{B61BEF0D-F0BB-DE4B-95CE-6DB70DBA9567}" type="datetimeFigureOut">
-              <a:rPr lang="en-US" dirty="0"/>
-              <a:pPr/>
-              <a:t>27-May-17</a:t>
+            <a:fld id="{2BEC4D0C-FAC8-463C-812B-81CE7C1C23F2}" type="datetime1">
+              <a:rPr lang="en-US" smtClean="0"/>
+              <a:t>06-Jun-17</a:t>
             </a:fld>
             <a:endParaRPr lang="en-US" dirty="0"/>
           </a:p>
@@ -2471,6 +3180,10 @@
           <a:bodyPr/>
           <a:lstStyle/>
           <a:p>
+            <a:r>
+              <a:rPr lang="ru-RU" smtClean="0"/>
+              <a:t>Ватолин Р. П. "Реализация модуля контроля системы веб-служб на базе распределенных вычислений" 2017</a:t>
+            </a:r>
             <a:endParaRPr lang="en-US" dirty="0"/>
           </a:p>
         </p:txBody>
@@ -2624,10 +3337,9 @@
           <a:bodyPr/>
           <a:lstStyle/>
           <a:p>
-            <a:fld id="{B61BEF0D-F0BB-DE4B-95CE-6DB70DBA9567}" type="datetimeFigureOut">
-              <a:rPr lang="en-US" dirty="0"/>
-              <a:pPr/>
-              <a:t>27-May-17</a:t>
+            <a:fld id="{9723E81D-7C55-48C9-B718-9A191221EC5E}" type="datetime1">
+              <a:rPr lang="en-US" smtClean="0"/>
+              <a:t>06-Jun-17</a:t>
             </a:fld>
             <a:endParaRPr lang="en-US" dirty="0"/>
           </a:p>
@@ -2648,6 +3360,10 @@
           <a:bodyPr/>
           <a:lstStyle/>
           <a:p>
+            <a:r>
+              <a:rPr lang="ru-RU" smtClean="0"/>
+              <a:t>Ватолин Р. П. "Реализация модуля контроля системы веб-служб на базе распределенных вычислений" 2017</a:t>
+            </a:r>
             <a:endParaRPr lang="en-US" dirty="0"/>
           </a:p>
         </p:txBody>
@@ -2791,10 +3507,9 @@
           <a:bodyPr/>
           <a:lstStyle/>
           <a:p>
-            <a:fld id="{B61BEF0D-F0BB-DE4B-95CE-6DB70DBA9567}" type="datetimeFigureOut">
-              <a:rPr lang="en-US" dirty="0"/>
-              <a:pPr/>
-              <a:t>27-May-17</a:t>
+            <a:fld id="{23F9B089-D664-42D9-8F38-90D7F08A88A8}" type="datetime1">
+              <a:rPr lang="en-US" smtClean="0"/>
+              <a:t>06-Jun-17</a:t>
             </a:fld>
             <a:endParaRPr lang="en-US" dirty="0"/>
           </a:p>
@@ -2815,6 +3530,10 @@
           <a:bodyPr/>
           <a:lstStyle/>
           <a:p>
+            <a:r>
+              <a:rPr lang="ru-RU" smtClean="0"/>
+              <a:t>Ватолин Р. П. "Реализация модуля контроля системы веб-служб на базе распределенных вычислений" 2017</a:t>
+            </a:r>
             <a:endParaRPr lang="en-US" dirty="0"/>
           </a:p>
         </p:txBody>
@@ -3038,10 +3757,9 @@
           <a:bodyPr/>
           <a:lstStyle/>
           <a:p>
-            <a:fld id="{B61BEF0D-F0BB-DE4B-95CE-6DB70DBA9567}" type="datetimeFigureOut">
-              <a:rPr lang="en-US" dirty="0"/>
-              <a:pPr/>
-              <a:t>27-May-17</a:t>
+            <a:fld id="{8A13BF5D-37E5-4927-8B05-BA63B5AC3042}" type="datetime1">
+              <a:rPr lang="en-US" smtClean="0"/>
+              <a:t>06-Jun-17</a:t>
             </a:fld>
             <a:endParaRPr lang="en-US" dirty="0"/>
           </a:p>
@@ -3062,6 +3780,10 @@
           <a:bodyPr/>
           <a:lstStyle/>
           <a:p>
+            <a:r>
+              <a:rPr lang="ru-RU" smtClean="0"/>
+              <a:t>Ватолин Р. П. "Реализация модуля контроля системы веб-служб на базе распределенных вычислений" 2017</a:t>
+            </a:r>
             <a:endParaRPr lang="en-US" dirty="0"/>
           </a:p>
         </p:txBody>
@@ -3271,10 +3993,9 @@
           <a:bodyPr/>
           <a:lstStyle/>
           <a:p>
-            <a:fld id="{B61BEF0D-F0BB-DE4B-95CE-6DB70DBA9567}" type="datetimeFigureOut">
-              <a:rPr lang="en-US" dirty="0"/>
-              <a:pPr/>
-              <a:t>27-May-17</a:t>
+            <a:fld id="{A15D0CCE-8FE0-43BA-AD16-01A257332518}" type="datetime1">
+              <a:rPr lang="en-US" smtClean="0"/>
+              <a:t>06-Jun-17</a:t>
             </a:fld>
             <a:endParaRPr lang="en-US" dirty="0"/>
           </a:p>
@@ -3295,6 +4016,10 @@
           <a:bodyPr/>
           <a:lstStyle/>
           <a:p>
+            <a:r>
+              <a:rPr lang="ru-RU" smtClean="0"/>
+              <a:t>Ватолин Р. П. "Реализация модуля контроля системы веб-служб на базе распределенных вычислений" 2017</a:t>
+            </a:r>
             <a:endParaRPr lang="en-US" dirty="0"/>
           </a:p>
         </p:txBody>
@@ -3650,10 +4375,9 @@
           <a:bodyPr/>
           <a:lstStyle/>
           <a:p>
-            <a:fld id="{B61BEF0D-F0BB-DE4B-95CE-6DB70DBA9567}" type="datetimeFigureOut">
-              <a:rPr lang="en-US" dirty="0"/>
-              <a:pPr/>
-              <a:t>27-May-17</a:t>
+            <a:fld id="{76B9B707-5009-4E46-B981-66ABD1C48A6C}" type="datetime1">
+              <a:rPr lang="en-US" smtClean="0"/>
+              <a:t>06-Jun-17</a:t>
             </a:fld>
             <a:endParaRPr lang="en-US" dirty="0"/>
           </a:p>
@@ -3674,6 +4398,10 @@
           <a:bodyPr/>
           <a:lstStyle/>
           <a:p>
+            <a:r>
+              <a:rPr lang="ru-RU" smtClean="0"/>
+              <a:t>Ватолин Р. П. "Реализация модуля контроля системы веб-служб на базе распределенных вычислений" 2017</a:t>
+            </a:r>
             <a:endParaRPr lang="en-US" dirty="0"/>
           </a:p>
         </p:txBody>
@@ -3765,10 +4493,9 @@
           <a:bodyPr/>
           <a:lstStyle/>
           <a:p>
-            <a:fld id="{B61BEF0D-F0BB-DE4B-95CE-6DB70DBA9567}" type="datetimeFigureOut">
-              <a:rPr lang="en-US" dirty="0"/>
-              <a:pPr/>
-              <a:t>27-May-17</a:t>
+            <a:fld id="{6AD8FD92-5782-41C9-A98A-0DD1D7B2F76A}" type="datetime1">
+              <a:rPr lang="en-US" smtClean="0"/>
+              <a:t>06-Jun-17</a:t>
             </a:fld>
             <a:endParaRPr lang="en-US" dirty="0"/>
           </a:p>
@@ -3789,6 +4516,10 @@
           <a:bodyPr/>
           <a:lstStyle/>
           <a:p>
+            <a:r>
+              <a:rPr lang="ru-RU" smtClean="0"/>
+              <a:t>Ватолин Р. П. "Реализация модуля контроля системы веб-служб на базе распределенных вычислений" 2017</a:t>
+            </a:r>
             <a:endParaRPr lang="en-US" dirty="0"/>
           </a:p>
         </p:txBody>
@@ -3857,10 +4588,9 @@
           <a:bodyPr/>
           <a:lstStyle/>
           <a:p>
-            <a:fld id="{B61BEF0D-F0BB-DE4B-95CE-6DB70DBA9567}" type="datetimeFigureOut">
-              <a:rPr lang="en-US" dirty="0"/>
-              <a:pPr/>
-              <a:t>27-May-17</a:t>
+            <a:fld id="{98D8145A-D957-47CE-9557-036ABA10B742}" type="datetime1">
+              <a:rPr lang="en-US" smtClean="0"/>
+              <a:t>06-Jun-17</a:t>
             </a:fld>
             <a:endParaRPr lang="en-US" dirty="0"/>
           </a:p>
@@ -3881,6 +4611,10 @@
           <a:bodyPr/>
           <a:lstStyle/>
           <a:p>
+            <a:r>
+              <a:rPr lang="ru-RU" smtClean="0"/>
+              <a:t>Ватолин Р. П. "Реализация модуля контроля системы веб-служб на базе распределенных вычислений" 2017</a:t>
+            </a:r>
             <a:endParaRPr lang="en-US" dirty="0"/>
           </a:p>
         </p:txBody>
@@ -4109,10 +4843,9 @@
           <a:bodyPr/>
           <a:lstStyle/>
           <a:p>
-            <a:fld id="{B61BEF0D-F0BB-DE4B-95CE-6DB70DBA9567}" type="datetimeFigureOut">
-              <a:rPr lang="en-US" dirty="0"/>
-              <a:pPr/>
-              <a:t>27-May-17</a:t>
+            <a:fld id="{BF47936E-E4BF-4635-A09C-CDFC55E0A6A2}" type="datetime1">
+              <a:rPr lang="en-US" smtClean="0"/>
+              <a:t>06-Jun-17</a:t>
             </a:fld>
             <a:endParaRPr lang="en-US" dirty="0"/>
           </a:p>
@@ -4133,6 +4866,10 @@
           <a:bodyPr/>
           <a:lstStyle/>
           <a:p>
+            <a:r>
+              <a:rPr lang="ru-RU" smtClean="0"/>
+              <a:t>Ватолин Р. П. "Реализация модуля контроля системы веб-служб на базе распределенных вычислений" 2017</a:t>
+            </a:r>
             <a:endParaRPr lang="en-US" dirty="0"/>
           </a:p>
         </p:txBody>
@@ -4389,10 +5126,9 @@
           <a:bodyPr/>
           <a:lstStyle/>
           <a:p>
-            <a:fld id="{B61BEF0D-F0BB-DE4B-95CE-6DB70DBA9567}" type="datetimeFigureOut">
-              <a:rPr lang="en-US" dirty="0"/>
-              <a:pPr/>
-              <a:t>27-May-17</a:t>
+            <a:fld id="{412B5D79-87A3-4CFF-A891-D83E77C0635F}" type="datetime1">
+              <a:rPr lang="en-US" smtClean="0"/>
+              <a:t>06-Jun-17</a:t>
             </a:fld>
             <a:endParaRPr lang="en-US" dirty="0"/>
           </a:p>
@@ -4413,6 +5149,10 @@
           <a:bodyPr/>
           <a:lstStyle/>
           <a:p>
+            <a:r>
+              <a:rPr lang="ru-RU" smtClean="0"/>
+              <a:t>Ватолин Р. П. "Реализация модуля контроля системы веб-служб на базе распределенных вычислений" 2017</a:t>
+            </a:r>
             <a:endParaRPr lang="en-US" dirty="0"/>
           </a:p>
         </p:txBody>
@@ -4792,10 +5532,9 @@
             </a:lvl1pPr>
           </a:lstStyle>
           <a:p>
-            <a:fld id="{B61BEF0D-F0BB-DE4B-95CE-6DB70DBA9567}" type="datetimeFigureOut">
-              <a:rPr lang="en-US" dirty="0"/>
-              <a:pPr/>
-              <a:t>27-May-17</a:t>
+            <a:fld id="{58307D8D-E4B5-4EF5-A18F-5B2CFE3F852C}" type="datetime1">
+              <a:rPr lang="en-US" smtClean="0"/>
+              <a:t>06-Jun-17</a:t>
             </a:fld>
             <a:endParaRPr lang="en-US" dirty="0"/>
           </a:p>
@@ -4836,6 +5575,10 @@
             </a:lvl1pPr>
           </a:lstStyle>
           <a:p>
+            <a:r>
+              <a:rPr lang="ru-RU" smtClean="0"/>
+              <a:t>Ватолин Р. П. "Реализация модуля контроля системы веб-служб на базе распределенных вычислений" 2017</a:t>
+            </a:r>
             <a:endParaRPr lang="en-US" dirty="0"/>
           </a:p>
         </p:txBody>
@@ -4906,6 +5649,7 @@
     <p:sldLayoutId id="2147483658" r:id="rId16"/>
     <p:sldLayoutId id="2147483659" r:id="rId17"/>
   </p:sldLayoutIdLst>
+  <p:hf sldNum="0" hdr="0" dt="0"/>
   <p:txStyles>
     <p:titleStyle>
       <a:lvl1pPr algn="l" defTabSz="457200" rtl="0" eaLnBrk="1" latinLnBrk="0" hangingPunct="1">
@@ -5463,12 +6207,8 @@
               </a:rPr>
             </a:br>
             <a:r>
-              <a:rPr lang="ru-RU" sz="1400" b="1" dirty="0" err="1" smtClean="0"/>
-              <a:t>РеализациЯ</a:t>
-            </a:r>
-            <a:r>
               <a:rPr lang="ru-RU" sz="1400" b="1" dirty="0" smtClean="0"/>
-              <a:t> </a:t>
+              <a:t>Реализация </a:t>
             </a:r>
             <a:r>
               <a:rPr lang="ru-RU" sz="1400" b="1" dirty="0"/>
@@ -5563,13 +6303,13 @@
         </p:nvSpPr>
         <p:spPr>
           <a:xfrm>
-            <a:off x="8570912" y="3754967"/>
-            <a:ext cx="3506788" cy="2671233"/>
+            <a:off x="8570912" y="4305300"/>
+            <a:ext cx="3506788" cy="2120900"/>
           </a:xfrm>
         </p:spPr>
         <p:txBody>
           <a:bodyPr>
-            <a:normAutofit fontScale="92500" lnSpcReduction="20000"/>
+            <a:normAutofit/>
           </a:bodyPr>
           <a:lstStyle/>
           <a:p>
@@ -5591,41 +6331,7 @@
                 <a:latin typeface="Times New Roman" panose="02020603050405020304" pitchFamily="18" charset="0"/>
                 <a:cs typeface="Times New Roman" panose="02020603050405020304" pitchFamily="18" charset="0"/>
               </a:rPr>
-              <a:t> Ростислава Павловича</a:t>
-            </a:r>
-          </a:p>
-          <a:p>
-            <a:r>
-              <a:rPr lang="ru-RU" sz="1400" dirty="0">
-                <a:solidFill>
-                  <a:schemeClr val="tx1"/>
-                </a:solidFill>
-                <a:latin typeface="Times New Roman" panose="02020603050405020304" pitchFamily="18" charset="0"/>
-                <a:cs typeface="Times New Roman" panose="02020603050405020304" pitchFamily="18" charset="0"/>
-              </a:rPr>
-              <a:t> </a:t>
-            </a:r>
-          </a:p>
-          <a:p>
-            <a:r>
-              <a:rPr lang="ru-RU" sz="1400" dirty="0">
-                <a:solidFill>
-                  <a:schemeClr val="tx1"/>
-                </a:solidFill>
-                <a:latin typeface="Times New Roman" panose="02020603050405020304" pitchFamily="18" charset="0"/>
-                <a:cs typeface="Times New Roman" panose="02020603050405020304" pitchFamily="18" charset="0"/>
-              </a:rPr>
-              <a:t>студента </a:t>
-            </a:r>
-            <a:r>
-              <a:rPr lang="en-US" sz="1400" dirty="0">
-                <a:solidFill>
-                  <a:schemeClr val="tx1"/>
-                </a:solidFill>
-                <a:latin typeface="Times New Roman" panose="02020603050405020304" pitchFamily="18" charset="0"/>
-                <a:cs typeface="Times New Roman" panose="02020603050405020304" pitchFamily="18" charset="0"/>
-              </a:rPr>
-              <a:t>5</a:t>
+              <a:t> Ростислава </a:t>
             </a:r>
             <a:r>
               <a:rPr lang="ru-RU" sz="1400" dirty="0" smtClean="0">
@@ -5635,30 +6341,15 @@
                 <a:latin typeface="Times New Roman" panose="02020603050405020304" pitchFamily="18" charset="0"/>
                 <a:cs typeface="Times New Roman" panose="02020603050405020304" pitchFamily="18" charset="0"/>
               </a:rPr>
-              <a:t> </a:t>
-            </a:r>
-            <a:r>
-              <a:rPr lang="ru-RU" sz="1400" dirty="0">
-                <a:solidFill>
-                  <a:schemeClr val="tx1"/>
-                </a:solidFill>
-                <a:latin typeface="Times New Roman" panose="02020603050405020304" pitchFamily="18" charset="0"/>
-                <a:cs typeface="Times New Roman" panose="02020603050405020304" pitchFamily="18" charset="0"/>
-              </a:rPr>
-              <a:t>курса, специальность “информатика”</a:t>
-            </a:r>
-          </a:p>
-          <a:p>
-            <a:r>
-              <a:rPr lang="ru-RU" sz="1400" dirty="0">
-                <a:solidFill>
-                  <a:schemeClr val="tx1"/>
-                </a:solidFill>
-                <a:latin typeface="Times New Roman" panose="02020603050405020304" pitchFamily="18" charset="0"/>
-                <a:cs typeface="Times New Roman" panose="02020603050405020304" pitchFamily="18" charset="0"/>
-              </a:rPr>
-              <a:t> </a:t>
-            </a:r>
+              <a:t>Павловича</a:t>
+            </a:r>
+            <a:endParaRPr lang="ru-RU" sz="1400" dirty="0">
+              <a:solidFill>
+                <a:schemeClr val="tx1"/>
+              </a:solidFill>
+              <a:latin typeface="Times New Roman" panose="02020603050405020304" pitchFamily="18" charset="0"/>
+              <a:cs typeface="Times New Roman" panose="02020603050405020304" pitchFamily="18" charset="0"/>
+            </a:endParaRPr>
           </a:p>
           <a:p>
             <a:r>
@@ -5798,6 +6489,36 @@
           </a:p>
         </p:txBody>
       </p:sp>
+      <p:pic>
+        <p:nvPicPr>
+          <p:cNvPr id="4" name="Рисунок 3"/>
+          <p:cNvPicPr>
+            <a:picLocks noChangeAspect="1"/>
+          </p:cNvPicPr>
+          <p:nvPr/>
+        </p:nvPicPr>
+        <p:blipFill>
+          <a:blip r:embed="rId3">
+            <a:extLst>
+              <a:ext uri="{28A0092B-C50C-407E-A947-70E740481C1C}">
+                <a14:useLocalDpi xmlns:a14="http://schemas.microsoft.com/office/drawing/2010/main" val="0"/>
+              </a:ext>
+            </a:extLst>
+          </a:blip>
+          <a:stretch>
+            <a:fillRect/>
+          </a:stretch>
+        </p:blipFill>
+        <p:spPr>
+          <a:xfrm>
+            <a:off x="285732" y="175683"/>
+            <a:ext cx="1644668" cy="2159000"/>
+          </a:xfrm>
+          <a:prstGeom prst="rect">
+            <a:avLst/>
+          </a:prstGeom>
+        </p:spPr>
+      </p:pic>
     </p:spTree>
     <p:extLst>
       <p:ext uri="{BB962C8B-B14F-4D97-AF65-F5344CB8AC3E}">
@@ -5847,8 +6568,8 @@
         </p:nvSpPr>
         <p:spPr>
           <a:xfrm>
-            <a:off x="544512" y="205211"/>
-            <a:ext cx="8534400" cy="1394990"/>
+            <a:off x="633412" y="524932"/>
+            <a:ext cx="8534400" cy="1507067"/>
           </a:xfrm>
         </p:spPr>
         <p:txBody>
@@ -5857,7 +6578,7 @@
           <a:p>
             <a:r>
               <a:rPr lang="ru-RU" dirty="0" smtClean="0"/>
-              <a:t>Изображение результатов</a:t>
+              <a:t>Работа и Результаты</a:t>
             </a:r>
             <a:endParaRPr lang="ru-RU" dirty="0"/>
           </a:p>
@@ -5865,7 +6586,7 @@
       </p:sp>
       <p:pic>
         <p:nvPicPr>
-          <p:cNvPr id="4" name="Picture 5" descr="brest%2024%20h%20AW.jpg"/>
+          <p:cNvPr id="5" name="Picture 1" descr="/Users/Rostislav_Vatolin/Desktop/minsk-AW-24h-table.png"/>
           <p:cNvPicPr/>
           <p:nvPr/>
         </p:nvPicPr>
@@ -5884,8 +6605,8 @@
         </p:blipFill>
         <p:spPr bwMode="auto">
           <a:xfrm>
-            <a:off x="773112" y="1712277"/>
-            <a:ext cx="3494088" cy="2072323"/>
+            <a:off x="633412" y="2120900"/>
+            <a:ext cx="5685155" cy="4064000"/>
           </a:xfrm>
           <a:prstGeom prst="rect">
             <a:avLst/>
@@ -5896,99 +6617,63 @@
           </a:ln>
         </p:spPr>
       </p:pic>
-      <p:pic>
-        <p:nvPicPr>
-          <p:cNvPr id="5" name="Picture 3" descr="minsk%2024%20h%20AW.jpg"/>
-          <p:cNvPicPr/>
+      <p:sp>
+        <p:nvSpPr>
+          <p:cNvPr id="6" name="TextBox 5"/>
+          <p:cNvSpPr txBox="1"/>
           <p:nvPr/>
-        </p:nvPicPr>
-        <p:blipFill>
-          <a:blip r:embed="rId3">
-            <a:extLst>
-              <a:ext uri="{28A0092B-C50C-407E-A947-70E740481C1C}">
-                <a14:useLocalDpi xmlns:a14="http://schemas.microsoft.com/office/drawing/2010/main" val="0"/>
-              </a:ext>
-            </a:extLst>
-          </a:blip>
-          <a:srcRect/>
-          <a:stretch>
-            <a:fillRect/>
-          </a:stretch>
-        </p:blipFill>
-        <p:spPr bwMode="auto">
+        </p:nvSpPr>
+        <p:spPr>
           <a:xfrm>
-            <a:off x="5918199" y="1712277"/>
-            <a:ext cx="3832225" cy="2072323"/>
+            <a:off x="7035800" y="2120900"/>
+            <a:ext cx="3759200" cy="1200329"/>
           </a:xfrm>
           <a:prstGeom prst="rect">
             <a:avLst/>
           </a:prstGeom>
           <a:noFill/>
-          <a:ln>
-            <a:noFill/>
-          </a:ln>
-        </p:spPr>
-      </p:pic>
-      <p:pic>
-        <p:nvPicPr>
-          <p:cNvPr id="6" name="Рисунок 5"/>
-          <p:cNvPicPr/>
-          <p:nvPr/>
-        </p:nvPicPr>
-        <p:blipFill>
-          <a:blip r:embed="rId4">
-            <a:extLst>
-              <a:ext uri="{28A0092B-C50C-407E-A947-70E740481C1C}">
-                <a14:useLocalDpi xmlns:a14="http://schemas.microsoft.com/office/drawing/2010/main" val="0"/>
-              </a:ext>
-            </a:extLst>
-          </a:blip>
-          <a:stretch>
-            <a:fillRect/>
-          </a:stretch>
-        </p:blipFill>
-        <p:spPr>
-          <a:xfrm>
-            <a:off x="5918198" y="4438490"/>
-            <a:ext cx="3832225" cy="1900553"/>
-          </a:xfrm>
-          <a:prstGeom prst="rect">
-            <a:avLst/>
-          </a:prstGeom>
-        </p:spPr>
-      </p:pic>
-      <p:pic>
-        <p:nvPicPr>
-          <p:cNvPr id="7" name="Рисунок 6"/>
-          <p:cNvPicPr/>
-          <p:nvPr/>
-        </p:nvPicPr>
-        <p:blipFill>
-          <a:blip r:embed="rId5">
-            <a:extLst>
-              <a:ext uri="{28A0092B-C50C-407E-A947-70E740481C1C}">
-                <a14:useLocalDpi xmlns:a14="http://schemas.microsoft.com/office/drawing/2010/main" val="0"/>
-              </a:ext>
-            </a:extLst>
-          </a:blip>
-          <a:stretch>
-            <a:fillRect/>
-          </a:stretch>
-        </p:blipFill>
-        <p:spPr>
-          <a:xfrm>
-            <a:off x="773113" y="4438490"/>
-            <a:ext cx="3494088" cy="1900553"/>
-          </a:xfrm>
-          <a:prstGeom prst="rect">
-            <a:avLst/>
-          </a:prstGeom>
-        </p:spPr>
-      </p:pic>
+        </p:spPr>
+        <p:txBody>
+          <a:bodyPr wrap="square" rtlCol="0">
+            <a:spAutoFit/>
+          </a:bodyPr>
+          <a:lstStyle/>
+          <a:p>
+            <a:r>
+              <a:rPr lang="ru-RU" dirty="0" smtClean="0"/>
+              <a:t>После нескольких недель работы данного модуля были получены множества писем-отчетов.</a:t>
+            </a:r>
+            <a:endParaRPr lang="ru-RU" dirty="0"/>
+          </a:p>
+        </p:txBody>
+      </p:sp>
+      <p:sp>
+        <p:nvSpPr>
+          <p:cNvPr id="4" name="Нижний колонтитул 3"/>
+          <p:cNvSpPr>
+            <a:spLocks noGrp="1"/>
+          </p:cNvSpPr>
+          <p:nvPr>
+            <p:ph type="ftr" sz="quarter" idx="11"/>
+          </p:nvPr>
+        </p:nvSpPr>
+        <p:spPr/>
+        <p:txBody>
+          <a:bodyPr/>
+          <a:lstStyle/>
+          <a:p>
+            <a:r>
+              <a:rPr lang="ru-RU" smtClean="0"/>
+              <a:t>Ватолин Р. П. "Реализация модуля контроля системы веб-служб на базе распределенных вычислений" 2017</a:t>
+            </a:r>
+            <a:endParaRPr lang="en-US" dirty="0"/>
+          </a:p>
+        </p:txBody>
+      </p:sp>
     </p:spTree>
     <p:extLst>
       <p:ext uri="{BB962C8B-B14F-4D97-AF65-F5344CB8AC3E}">
-        <p14:creationId xmlns:p14="http://schemas.microsoft.com/office/powerpoint/2010/main" val="1656553288"/>
+        <p14:creationId xmlns:p14="http://schemas.microsoft.com/office/powerpoint/2010/main" val="699005319"/>
       </p:ext>
     </p:extLst>
   </p:cSld>
@@ -6034,8 +6719,8 @@
         </p:nvSpPr>
         <p:spPr>
           <a:xfrm>
-            <a:off x="341312" y="220132"/>
-            <a:ext cx="8534400" cy="1507067"/>
+            <a:off x="544512" y="205211"/>
+            <a:ext cx="8534400" cy="1394990"/>
           </a:xfrm>
         </p:spPr>
         <p:txBody>
@@ -6044,7 +6729,7 @@
           <a:p>
             <a:r>
               <a:rPr lang="ru-RU" dirty="0" smtClean="0"/>
-              <a:t>Определение лучшей службы</a:t>
+              <a:t>Изображение результатов</a:t>
             </a:r>
             <a:endParaRPr lang="ru-RU" dirty="0"/>
           </a:p>
@@ -6052,14 +6737,78 @@
       </p:sp>
       <p:pic>
         <p:nvPicPr>
-          <p:cNvPr id="4" name="Рисунок 3"/>
-          <p:cNvPicPr>
-            <a:picLocks noChangeAspect="1"/>
-          </p:cNvPicPr>
+          <p:cNvPr id="4" name="Picture 5" descr="brest%2024%20h%20AW.jpg"/>
+          <p:cNvPicPr/>
           <p:nvPr/>
         </p:nvPicPr>
         <p:blipFill>
           <a:blip r:embed="rId2">
+            <a:extLst>
+              <a:ext uri="{28A0092B-C50C-407E-A947-70E740481C1C}">
+                <a14:useLocalDpi xmlns:a14="http://schemas.microsoft.com/office/drawing/2010/main" val="0"/>
+              </a:ext>
+            </a:extLst>
+          </a:blip>
+          <a:srcRect/>
+          <a:stretch>
+            <a:fillRect/>
+          </a:stretch>
+        </p:blipFill>
+        <p:spPr bwMode="auto">
+          <a:xfrm>
+            <a:off x="773112" y="1712277"/>
+            <a:ext cx="3494088" cy="2072323"/>
+          </a:xfrm>
+          <a:prstGeom prst="rect">
+            <a:avLst/>
+          </a:prstGeom>
+          <a:noFill/>
+          <a:ln>
+            <a:noFill/>
+          </a:ln>
+        </p:spPr>
+      </p:pic>
+      <p:pic>
+        <p:nvPicPr>
+          <p:cNvPr id="5" name="Picture 3" descr="minsk%2024%20h%20AW.jpg"/>
+          <p:cNvPicPr/>
+          <p:nvPr/>
+        </p:nvPicPr>
+        <p:blipFill>
+          <a:blip r:embed="rId3">
+            <a:extLst>
+              <a:ext uri="{28A0092B-C50C-407E-A947-70E740481C1C}">
+                <a14:useLocalDpi xmlns:a14="http://schemas.microsoft.com/office/drawing/2010/main" val="0"/>
+              </a:ext>
+            </a:extLst>
+          </a:blip>
+          <a:srcRect/>
+          <a:stretch>
+            <a:fillRect/>
+          </a:stretch>
+        </p:blipFill>
+        <p:spPr bwMode="auto">
+          <a:xfrm>
+            <a:off x="5918199" y="1712277"/>
+            <a:ext cx="3832225" cy="2072323"/>
+          </a:xfrm>
+          <a:prstGeom prst="rect">
+            <a:avLst/>
+          </a:prstGeom>
+          <a:noFill/>
+          <a:ln>
+            <a:noFill/>
+          </a:ln>
+        </p:spPr>
+      </p:pic>
+      <p:pic>
+        <p:nvPicPr>
+          <p:cNvPr id="6" name="Рисунок 5"/>
+          <p:cNvPicPr/>
+          <p:nvPr/>
+        </p:nvPicPr>
+        <p:blipFill>
+          <a:blip r:embed="rId4">
             <a:extLst>
               <a:ext uri="{28A0092B-C50C-407E-A947-70E740481C1C}">
                 <a14:useLocalDpi xmlns:a14="http://schemas.microsoft.com/office/drawing/2010/main" val="0"/>
@@ -6072,48 +6821,69 @@
         </p:blipFill>
         <p:spPr>
           <a:xfrm>
-            <a:off x="1011237" y="1727199"/>
-            <a:ext cx="2493963" cy="4964060"/>
+            <a:off x="5918198" y="4438490"/>
+            <a:ext cx="3832225" cy="1900553"/>
           </a:xfrm>
           <a:prstGeom prst="rect">
             <a:avLst/>
           </a:prstGeom>
         </p:spPr>
       </p:pic>
-      <p:sp>
-        <p:nvSpPr>
-          <p:cNvPr id="5" name="TextBox 4"/>
-          <p:cNvSpPr txBox="1"/>
+      <p:pic>
+        <p:nvPicPr>
+          <p:cNvPr id="7" name="Рисунок 6"/>
+          <p:cNvPicPr/>
           <p:nvPr/>
-        </p:nvSpPr>
+        </p:nvPicPr>
+        <p:blipFill>
+          <a:blip r:embed="rId5">
+            <a:extLst>
+              <a:ext uri="{28A0092B-C50C-407E-A947-70E740481C1C}">
+                <a14:useLocalDpi xmlns:a14="http://schemas.microsoft.com/office/drawing/2010/main" val="0"/>
+              </a:ext>
+            </a:extLst>
+          </a:blip>
+          <a:stretch>
+            <a:fillRect/>
+          </a:stretch>
+        </p:blipFill>
         <p:spPr>
           <a:xfrm>
-            <a:off x="4025900" y="2089867"/>
-            <a:ext cx="7023100" cy="1477328"/>
+            <a:off x="773113" y="4438490"/>
+            <a:ext cx="3494088" cy="1900553"/>
           </a:xfrm>
           <a:prstGeom prst="rect">
             <a:avLst/>
           </a:prstGeom>
-          <a:noFill/>
-        </p:spPr>
-        <p:txBody>
-          <a:bodyPr wrap="square" rtlCol="0">
-            <a:spAutoFit/>
-          </a:bodyPr>
-          <a:lstStyle/>
-          <a:p>
-            <a:r>
-              <a:rPr lang="ru-RU" dirty="0" smtClean="0"/>
-              <a:t>Используя таблицу с дозволенными погрешностями для определения точности прогнозов, программный модуль вычисляет и отправляет в письме-отчете данные о лучшей на данный момент компании, предоставляющей прогнозы.</a:t>
-            </a:r>
-            <a:endParaRPr lang="ru-RU" dirty="0"/>
+        </p:spPr>
+      </p:pic>
+      <p:sp>
+        <p:nvSpPr>
+          <p:cNvPr id="8" name="Нижний колонтитул 7"/>
+          <p:cNvSpPr>
+            <a:spLocks noGrp="1"/>
+          </p:cNvSpPr>
+          <p:nvPr>
+            <p:ph type="ftr" sz="quarter" idx="11"/>
+          </p:nvPr>
+        </p:nvSpPr>
+        <p:spPr/>
+        <p:txBody>
+          <a:bodyPr/>
+          <a:lstStyle/>
+          <a:p>
+            <a:r>
+              <a:rPr lang="ru-RU" smtClean="0"/>
+              <a:t>Ватолин Р. П. "Реализация модуля контроля системы веб-служб на базе распределенных вычислений" 2017</a:t>
+            </a:r>
+            <a:endParaRPr lang="en-US" dirty="0"/>
           </a:p>
         </p:txBody>
       </p:sp>
     </p:spTree>
     <p:extLst>
       <p:ext uri="{BB962C8B-B14F-4D97-AF65-F5344CB8AC3E}">
-        <p14:creationId xmlns:p14="http://schemas.microsoft.com/office/powerpoint/2010/main" val="2624778908"/>
+        <p14:creationId xmlns:p14="http://schemas.microsoft.com/office/powerpoint/2010/main" val="1656553288"/>
       </p:ext>
     </p:extLst>
   </p:cSld>
@@ -6159,7 +6929,7 @@
         </p:nvSpPr>
         <p:spPr>
           <a:xfrm>
-            <a:off x="760412" y="423332"/>
+            <a:off x="341312" y="220132"/>
             <a:ext cx="8534400" cy="1507067"/>
           </a:xfrm>
         </p:spPr>
@@ -6169,22 +6939,52 @@
           <a:p>
             <a:r>
               <a:rPr lang="ru-RU" dirty="0" smtClean="0"/>
-              <a:t>Основные выводы</a:t>
+              <a:t>Определение лучшей службы</a:t>
             </a:r>
             <a:endParaRPr lang="ru-RU" dirty="0"/>
           </a:p>
         </p:txBody>
       </p:sp>
-      <p:sp>
-        <p:nvSpPr>
-          <p:cNvPr id="4" name="TextBox 3"/>
+      <p:pic>
+        <p:nvPicPr>
+          <p:cNvPr id="4" name="Рисунок 3"/>
+          <p:cNvPicPr>
+            <a:picLocks noChangeAspect="1"/>
+          </p:cNvPicPr>
+          <p:nvPr/>
+        </p:nvPicPr>
+        <p:blipFill>
+          <a:blip r:embed="rId2">
+            <a:extLst>
+              <a:ext uri="{28A0092B-C50C-407E-A947-70E740481C1C}">
+                <a14:useLocalDpi xmlns:a14="http://schemas.microsoft.com/office/drawing/2010/main" val="0"/>
+              </a:ext>
+            </a:extLst>
+          </a:blip>
+          <a:stretch>
+            <a:fillRect/>
+          </a:stretch>
+        </p:blipFill>
+        <p:spPr>
+          <a:xfrm>
+            <a:off x="1011237" y="1727199"/>
+            <a:ext cx="2493963" cy="4964060"/>
+          </a:xfrm>
+          <a:prstGeom prst="rect">
+            <a:avLst/>
+          </a:prstGeom>
+        </p:spPr>
+      </p:pic>
+      <p:sp>
+        <p:nvSpPr>
+          <p:cNvPr id="5" name="TextBox 4"/>
           <p:cNvSpPr txBox="1"/>
           <p:nvPr/>
         </p:nvSpPr>
         <p:spPr>
           <a:xfrm>
-            <a:off x="927100" y="1638299"/>
-            <a:ext cx="7327900" cy="4801314"/>
+            <a:off x="4025900" y="2089867"/>
+            <a:ext cx="7023100" cy="1477328"/>
           </a:xfrm>
           <a:prstGeom prst="rect">
             <a:avLst/>
@@ -6197,107 +6997,41 @@
           </a:bodyPr>
           <a:lstStyle/>
           <a:p>
-            <a:pPr marL="342900" indent="-342900">
-              <a:buAutoNum type="arabicParenR"/>
-            </a:pPr>
             <a:r>
               <a:rPr lang="ru-RU" dirty="0" smtClean="0"/>
-              <a:t>Ознакомившись с </a:t>
-            </a:r>
-            <a:r>
-              <a:rPr lang="ru-RU" dirty="0" err="1" smtClean="0"/>
-              <a:t>фреймворком</a:t>
-            </a:r>
-            <a:r>
-              <a:rPr lang="ru-RU" dirty="0" smtClean="0"/>
-              <a:t> </a:t>
-            </a:r>
-            <a:r>
-              <a:rPr lang="en-US" dirty="0" smtClean="0"/>
-              <a:t>Apache Storm</a:t>
-            </a:r>
-            <a:r>
-              <a:rPr lang="ru-RU" dirty="0" smtClean="0"/>
-              <a:t> при создании вычислительного модуля, можно с уверенностью сказать, что любая подобная задача с анализом данных может быть быстро и эффективно реализована</a:t>
-            </a:r>
-            <a:r>
-              <a:rPr lang="en-US" dirty="0" smtClean="0"/>
-              <a:t>;</a:t>
-            </a:r>
-            <a:endParaRPr lang="ru-RU" dirty="0" smtClean="0"/>
-          </a:p>
-          <a:p>
-            <a:pPr marL="342900" indent="-342900">
-              <a:buAutoNum type="arabicParenR"/>
-            </a:pPr>
-            <a:r>
-              <a:rPr lang="ru-RU" dirty="0" smtClean="0"/>
-              <a:t>Получив опыт с интеграцией между множеством сторонних веб-служб реализующих </a:t>
-            </a:r>
-            <a:r>
-              <a:rPr lang="en-US" dirty="0" smtClean="0"/>
-              <a:t>REST </a:t>
-            </a:r>
-            <a:r>
-              <a:rPr lang="ru-RU" dirty="0" smtClean="0"/>
-              <a:t>архитектуру, можно смело сделать вывод о том, что в плане надежности современные сервисы предоставляют множество преимуществ над теми сервисами, которые работают, используя </a:t>
-            </a:r>
-            <a:r>
-              <a:rPr lang="en-US" dirty="0" smtClean="0"/>
-              <a:t>SOAP </a:t>
-            </a:r>
-            <a:r>
-              <a:rPr lang="ru-RU" dirty="0" smtClean="0"/>
-              <a:t>протокол передачи данных</a:t>
-            </a:r>
-            <a:r>
-              <a:rPr lang="en-US" dirty="0" smtClean="0"/>
-              <a:t>;</a:t>
-            </a:r>
-            <a:endParaRPr lang="ru-RU" dirty="0" smtClean="0"/>
-          </a:p>
-          <a:p>
-            <a:pPr marL="342900" indent="-342900">
-              <a:buAutoNum type="arabicParenR"/>
-            </a:pPr>
-            <a:r>
-              <a:rPr lang="ru-RU" dirty="0" smtClean="0"/>
-              <a:t>Ознакомившись и применив на практике навыки работы с </a:t>
-            </a:r>
-            <a:r>
-              <a:rPr lang="en-US" dirty="0" smtClean="0"/>
-              <a:t>CSV</a:t>
-            </a:r>
-            <a:r>
-              <a:rPr lang="ru-RU" dirty="0" smtClean="0"/>
-              <a:t>-файлами, стоит особо подчеркнуть их приспособленность к работе в среде </a:t>
-            </a:r>
-            <a:r>
-              <a:rPr lang="en-US" dirty="0" smtClean="0"/>
-              <a:t>Microsoft Excel</a:t>
-            </a:r>
-            <a:r>
-              <a:rPr lang="en-US" dirty="0"/>
-              <a:t>;</a:t>
-            </a:r>
-            <a:endParaRPr lang="ru-RU" dirty="0" smtClean="0"/>
-          </a:p>
-          <a:p>
-            <a:pPr marL="342900" indent="-342900">
-              <a:buAutoNum type="arabicParenR"/>
-            </a:pPr>
-            <a:r>
-              <a:rPr lang="ru-RU" dirty="0" smtClean="0"/>
-              <a:t>Реализовав работу с электронной рассылкой отчетов было правильным решением, так как оно не нагружает систему и не представляет финансовых трудностей.</a:t>
+              <a:t>Используя таблицу с дозволенными погрешностями для определения точности прогнозов, программный модуль вычисляет и отправляет в письме-отчете данные о лучшей на данный момент компании, предоставляющей прогнозы.</a:t>
             </a:r>
             <a:endParaRPr lang="ru-RU" dirty="0"/>
+          </a:p>
+        </p:txBody>
+      </p:sp>
+      <p:sp>
+        <p:nvSpPr>
+          <p:cNvPr id="6" name="Нижний колонтитул 5"/>
+          <p:cNvSpPr>
+            <a:spLocks noGrp="1"/>
+          </p:cNvSpPr>
+          <p:nvPr>
+            <p:ph type="ftr" sz="quarter" idx="11"/>
+          </p:nvPr>
+        </p:nvSpPr>
+        <p:spPr/>
+        <p:txBody>
+          <a:bodyPr/>
+          <a:lstStyle/>
+          <a:p>
+            <a:r>
+              <a:rPr lang="ru-RU" smtClean="0"/>
+              <a:t>Ватолин Р. П. "Реализация модуля контроля системы веб-служб на базе распределенных вычислений" 2017</a:t>
+            </a:r>
+            <a:endParaRPr lang="en-US" dirty="0"/>
           </a:p>
         </p:txBody>
       </p:sp>
     </p:spTree>
     <p:extLst>
       <p:ext uri="{BB962C8B-B14F-4D97-AF65-F5344CB8AC3E}">
-        <p14:creationId xmlns:p14="http://schemas.microsoft.com/office/powerpoint/2010/main" val="2114457244"/>
+        <p14:creationId xmlns:p14="http://schemas.microsoft.com/office/powerpoint/2010/main" val="2624778908"/>
       </p:ext>
     </p:extLst>
   </p:cSld>
@@ -6343,7 +7077,7 @@
         </p:nvSpPr>
         <p:spPr>
           <a:xfrm>
-            <a:off x="620712" y="448732"/>
+            <a:off x="760412" y="423332"/>
             <a:ext cx="8534400" cy="1507067"/>
           </a:xfrm>
         </p:spPr>
@@ -6353,16 +7087,158 @@
           <a:p>
             <a:r>
               <a:rPr lang="ru-RU" dirty="0" smtClean="0"/>
-              <a:t>Спасибо за ваше время</a:t>
+              <a:t>Основные выводы</a:t>
             </a:r>
             <a:endParaRPr lang="ru-RU" dirty="0"/>
+          </a:p>
+        </p:txBody>
+      </p:sp>
+      <p:sp>
+        <p:nvSpPr>
+          <p:cNvPr id="4" name="TextBox 3"/>
+          <p:cNvSpPr txBox="1"/>
+          <p:nvPr/>
+        </p:nvSpPr>
+        <p:spPr>
+          <a:xfrm>
+            <a:off x="927100" y="1638299"/>
+            <a:ext cx="7327900" cy="4801314"/>
+          </a:xfrm>
+          <a:prstGeom prst="rect">
+            <a:avLst/>
+          </a:prstGeom>
+          <a:noFill/>
+        </p:spPr>
+        <p:txBody>
+          <a:bodyPr wrap="square" rtlCol="0">
+            <a:spAutoFit/>
+          </a:bodyPr>
+          <a:lstStyle/>
+          <a:p>
+            <a:pPr marL="342900" indent="-342900">
+              <a:buAutoNum type="arabicParenR"/>
+            </a:pPr>
+            <a:r>
+              <a:rPr lang="ru-RU" dirty="0" smtClean="0"/>
+              <a:t>Ознакомившись с </a:t>
+            </a:r>
+            <a:r>
+              <a:rPr lang="ru-RU" dirty="0" err="1" smtClean="0"/>
+              <a:t>фреймворком</a:t>
+            </a:r>
+            <a:r>
+              <a:rPr lang="ru-RU" dirty="0" smtClean="0"/>
+              <a:t> </a:t>
+            </a:r>
+            <a:r>
+              <a:rPr lang="en-US" dirty="0" smtClean="0"/>
+              <a:t>Apache Storm</a:t>
+            </a:r>
+            <a:r>
+              <a:rPr lang="ru-RU" dirty="0" smtClean="0"/>
+              <a:t> при создании вычислительного модуля, можно с уверенностью сказать, что любая подобная задача с анализом данных может быть быстро и эффективно реализована</a:t>
+            </a:r>
+            <a:r>
+              <a:rPr lang="en-US" dirty="0" smtClean="0"/>
+              <a:t>;</a:t>
+            </a:r>
+            <a:endParaRPr lang="ru-RU" dirty="0" smtClean="0"/>
+          </a:p>
+          <a:p>
+            <a:pPr marL="342900" indent="-342900">
+              <a:buAutoNum type="arabicParenR"/>
+            </a:pPr>
+            <a:r>
+              <a:rPr lang="ru-RU" dirty="0" smtClean="0"/>
+              <a:t>Получив опыт с интеграцией между множеством сторонних веб-служб реализующих </a:t>
+            </a:r>
+            <a:r>
+              <a:rPr lang="en-US" dirty="0" smtClean="0"/>
+              <a:t>REST </a:t>
+            </a:r>
+            <a:r>
+              <a:rPr lang="ru-RU" dirty="0" smtClean="0"/>
+              <a:t>архитектуру, можно смело сделать вывод о том, что в плане надежности современные сервисы предоставляют множество преимуществ над теми сервисами, которые работают, используя </a:t>
+            </a:r>
+            <a:r>
+              <a:rPr lang="en-US" dirty="0" smtClean="0"/>
+              <a:t>SOAP </a:t>
+            </a:r>
+            <a:r>
+              <a:rPr lang="ru-RU" dirty="0" smtClean="0"/>
+              <a:t>протокол передачи данных</a:t>
+            </a:r>
+            <a:r>
+              <a:rPr lang="en-US" dirty="0" smtClean="0"/>
+              <a:t>;</a:t>
+            </a:r>
+            <a:endParaRPr lang="ru-RU" dirty="0" smtClean="0"/>
+          </a:p>
+          <a:p>
+            <a:pPr marL="342900" indent="-342900">
+              <a:buAutoNum type="arabicParenR"/>
+            </a:pPr>
+            <a:r>
+              <a:rPr lang="ru-RU" dirty="0" smtClean="0"/>
+              <a:t>Ознакомившись и применив на практике навыки работы с </a:t>
+            </a:r>
+            <a:r>
+              <a:rPr lang="en-US" dirty="0" smtClean="0"/>
+              <a:t>CSV</a:t>
+            </a:r>
+            <a:r>
+              <a:rPr lang="ru-RU" dirty="0" smtClean="0"/>
+              <a:t>-файлами, стоит особо подчеркнуть их приспособленность к работе в среде </a:t>
+            </a:r>
+            <a:r>
+              <a:rPr lang="en-US" dirty="0" smtClean="0"/>
+              <a:t>Microsoft Excel</a:t>
+            </a:r>
+            <a:r>
+              <a:rPr lang="en-US" dirty="0"/>
+              <a:t>;</a:t>
+            </a:r>
+            <a:endParaRPr lang="ru-RU" dirty="0" smtClean="0"/>
+          </a:p>
+          <a:p>
+            <a:pPr marL="342900" indent="-342900">
+              <a:buAutoNum type="arabicParenR"/>
+            </a:pPr>
+            <a:r>
+              <a:rPr lang="ru-RU" dirty="0" smtClean="0"/>
+              <a:t>Реализовав работу с электронной рассылкой отчетов было правильным решением, так как оно не нагружает систему и не представляет финансовых трудностей.</a:t>
+            </a:r>
+            <a:endParaRPr lang="ru-RU" dirty="0"/>
+          </a:p>
+        </p:txBody>
+      </p:sp>
+      <p:sp>
+        <p:nvSpPr>
+          <p:cNvPr id="5" name="Нижний колонтитул 4"/>
+          <p:cNvSpPr>
+            <a:spLocks noGrp="1"/>
+          </p:cNvSpPr>
+          <p:nvPr>
+            <p:ph type="ftr" sz="quarter" idx="11"/>
+          </p:nvPr>
+        </p:nvSpPr>
+        <p:spPr/>
+        <p:txBody>
+          <a:bodyPr/>
+          <a:lstStyle/>
+          <a:p>
+            <a:r>
+              <a:rPr lang="ru-RU" smtClean="0"/>
+              <a:t>Ватолин Р. П. "Реализация модуля контроля системы веб-служб на базе распределенных вычислений" 2017</a:t>
+            </a:r>
+            <a:endParaRPr lang="en-US" dirty="0"/>
           </a:p>
         </p:txBody>
       </p:sp>
     </p:spTree>
     <p:extLst>
       <p:ext uri="{BB962C8B-B14F-4D97-AF65-F5344CB8AC3E}">
-        <p14:creationId xmlns:p14="http://schemas.microsoft.com/office/powerpoint/2010/main" val="401811552"/>
+        <p14:creationId xmlns:p14="http://schemas.microsoft.com/office/powerpoint/2010/main" val="2114457244"/>
       </p:ext>
     </p:extLst>
   </p:cSld>
@@ -6418,7 +7294,7 @@
           <a:p>
             <a:r>
               <a:rPr lang="ru-RU" dirty="0" smtClean="0"/>
-              <a:t>Введение</a:t>
+              <a:t>АКТУАЛЬНОСТЬ проблемы</a:t>
             </a:r>
             <a:endParaRPr lang="ru-RU" dirty="0"/>
           </a:p>
@@ -6433,7 +7309,7 @@
         <p:spPr>
           <a:xfrm>
             <a:off x="990600" y="1600199"/>
-            <a:ext cx="9332912" cy="3139321"/>
+            <a:ext cx="7632700" cy="4247317"/>
           </a:xfrm>
           <a:prstGeom prst="rect">
             <a:avLst/>
@@ -6448,8 +7324,9 @@
           <a:p>
             <a:r>
               <a:rPr lang="ru-RU" dirty="0" smtClean="0"/>
-              <a:t>В данной работе были определены следующие цели:</a:t>
-            </a:r>
+              <a:t>На сегодняшний день существует множество метеослужб, предоставляющие свои прогнозы, получение наиболее точного очень важно по многим причинам, в том числе:</a:t>
+            </a:r>
+            <a:endParaRPr lang="ru-RU" dirty="0" smtClean="0"/>
           </a:p>
           <a:p>
             <a:pPr marL="342900" indent="-342900">
@@ -6457,53 +7334,39 @@
             </a:pPr>
             <a:r>
               <a:rPr lang="ru-RU" dirty="0" smtClean="0"/>
-              <a:t>Изучить и оценить работу </a:t>
-            </a:r>
-            <a:r>
-              <a:rPr lang="ru-RU" dirty="0" err="1" smtClean="0"/>
-              <a:t>фреймворка</a:t>
+              <a:t>Неправильные данные об атмосферном давлении могут причинить дискомфорт людям </a:t>
+            </a:r>
+            <a:r>
+              <a:rPr lang="ru-RU" dirty="0"/>
+              <a:t>со слабыми сердечно-сосудистой, дыхательной, центральной </a:t>
             </a:r>
             <a:r>
               <a:rPr lang="ru-RU" dirty="0" smtClean="0"/>
-              <a:t> </a:t>
-            </a:r>
-            <a:r>
-              <a:rPr lang="en-US" dirty="0" smtClean="0"/>
-              <a:t>Apache Storm</a:t>
-            </a:r>
-            <a:r>
-              <a:rPr lang="ru-RU" dirty="0"/>
-              <a:t> </a:t>
-            </a:r>
-            <a:r>
-              <a:rPr lang="ru-RU" dirty="0" smtClean="0"/>
-              <a:t>для обработки потока данных в реальном времени</a:t>
+              <a:t>нервной системами</a:t>
             </a:r>
             <a:r>
               <a:rPr lang="en-US" dirty="0" smtClean="0"/>
               <a:t>;</a:t>
             </a:r>
+            <a:endParaRPr lang="en-US" dirty="0" smtClean="0"/>
           </a:p>
           <a:p>
             <a:pPr marL="342900" indent="-342900">
               <a:buAutoNum type="arabicParenR"/>
             </a:pPr>
             <a:r>
+              <a:rPr lang="ru-RU" dirty="0"/>
+              <a:t>Правильные данные о влажности воздуха нужны мамам с младенцами, ведь именно новорожденные очень серьезно воспринимают малейшее изменение окружающей </a:t>
+            </a:r>
+            <a:r>
               <a:rPr lang="ru-RU" dirty="0" smtClean="0"/>
-              <a:t>Ознакомиться с существующими погодными веб-службами</a:t>
-            </a:r>
-            <a:r>
-              <a:rPr lang="en-US" dirty="0" smtClean="0"/>
-              <a:t> </a:t>
-            </a:r>
-            <a:r>
-              <a:rPr lang="ru-RU" dirty="0" smtClean="0"/>
-              <a:t>и оценить их работу совместно с программным модулем</a:t>
+              <a:t>среды</a:t>
             </a:r>
             <a:r>
               <a:rPr lang="en-US" dirty="0" smtClean="0"/>
               <a:t>;</a:t>
             </a:r>
+            <a:endParaRPr lang="en-US" dirty="0" smtClean="0"/>
           </a:p>
           <a:p>
             <a:pPr marL="342900" indent="-342900">
@@ -6511,48 +7374,122 @@
             </a:pPr>
             <a:r>
               <a:rPr lang="ru-RU" dirty="0" smtClean="0"/>
-              <a:t>Найти гибкое решение в задаче о передачи сообщений с отчетами о работе модуля</a:t>
+              <a:t>Данные о направлении и силе ветра, давлении и  видимости играют решающую роль при организации авиаперелетов и морских передвижений.</a:t>
+            </a:r>
+          </a:p>
+          <a:p>
+            <a:r>
+              <a:rPr lang="ru-RU" dirty="0" smtClean="0"/>
+              <a:t>Таким образом, выявление наиболее точного</a:t>
             </a:r>
             <a:r>
               <a:rPr lang="en-US" dirty="0" smtClean="0"/>
-              <a:t>;</a:t>
+              <a:t> </a:t>
+            </a:r>
+            <a:r>
+              <a:rPr lang="ru-RU" dirty="0" smtClean="0"/>
+              <a:t>синоптика все еще является актуальной задачей.</a:t>
             </a:r>
             <a:endParaRPr lang="ru-RU" dirty="0" smtClean="0"/>
           </a:p>
-          <a:p>
-            <a:pPr marL="342900" indent="-342900">
-              <a:buAutoNum type="arabicParenR"/>
-            </a:pPr>
-            <a:r>
-              <a:rPr lang="ru-RU" dirty="0" smtClean="0"/>
-              <a:t>Выяснить какой способ позволит клиенту удобно обращаться с полученными результатами</a:t>
-            </a:r>
-            <a:r>
-              <a:rPr lang="en-US" smtClean="0"/>
-              <a:t>;</a:t>
-            </a:r>
-            <a:r>
-              <a:rPr lang="ru-RU" smtClean="0"/>
-              <a:t>  </a:t>
-            </a:r>
-            <a:endParaRPr lang="en-US" dirty="0" smtClean="0"/>
-          </a:p>
-          <a:p>
-            <a:pPr marL="342900" indent="-342900">
-              <a:buAutoNum type="arabicParenR"/>
-            </a:pPr>
-            <a:r>
-              <a:rPr lang="ru-RU" dirty="0" smtClean="0"/>
-              <a:t>Выявить абсолютного лидера в поставке прогнозов для выбранного диапазона городов</a:t>
-            </a:r>
-            <a:r>
-              <a:rPr lang="en-US" dirty="0" smtClean="0"/>
-              <a:t>;</a:t>
-            </a:r>
-            <a:endParaRPr lang="ru-RU" dirty="0"/>
-          </a:p>
-        </p:txBody>
-      </p:sp>
+        </p:txBody>
+      </p:sp>
+      <p:sp>
+        <p:nvSpPr>
+          <p:cNvPr id="5" name="Нижний колонтитул 4"/>
+          <p:cNvSpPr>
+            <a:spLocks noGrp="1"/>
+          </p:cNvSpPr>
+          <p:nvPr>
+            <p:ph type="ftr" sz="quarter" idx="11"/>
+          </p:nvPr>
+        </p:nvSpPr>
+        <p:spPr>
+          <a:xfrm>
+            <a:off x="1813718" y="6064024"/>
+            <a:ext cx="8485188" cy="365125"/>
+          </a:xfrm>
+        </p:spPr>
+        <p:txBody>
+          <a:bodyPr/>
+          <a:lstStyle/>
+          <a:p>
+            <a:r>
+              <a:rPr lang="ru-RU" sz="1200" dirty="0" smtClean="0">
+                <a:solidFill>
+                  <a:schemeClr val="tx1"/>
+                </a:solidFill>
+              </a:rPr>
+              <a:t>Ватолин Р. П. "Реализация модуля контроля системы веб-служб на базе распределенных вычислений" 2017</a:t>
+            </a:r>
+            <a:endParaRPr lang="en-US" sz="1200" dirty="0">
+              <a:solidFill>
+                <a:schemeClr val="tx1"/>
+              </a:solidFill>
+            </a:endParaRPr>
+          </a:p>
+        </p:txBody>
+      </p:sp>
+      <p:pic>
+        <p:nvPicPr>
+          <p:cNvPr id="6" name="Рисунок 5"/>
+          <p:cNvPicPr>
+            <a:picLocks noChangeAspect="1"/>
+          </p:cNvPicPr>
+          <p:nvPr/>
+        </p:nvPicPr>
+        <p:blipFill>
+          <a:blip r:embed="rId3">
+            <a:extLst>
+              <a:ext uri="{28A0092B-C50C-407E-A947-70E740481C1C}">
+                <a14:useLocalDpi xmlns:a14="http://schemas.microsoft.com/office/drawing/2010/main" val="0"/>
+              </a:ext>
+            </a:extLst>
+          </a:blip>
+          <a:stretch>
+            <a:fillRect/>
+          </a:stretch>
+        </p:blipFill>
+        <p:spPr>
+          <a:xfrm>
+            <a:off x="8623300" y="3723857"/>
+            <a:ext cx="3440867" cy="1760537"/>
+          </a:xfrm>
+          <a:prstGeom prst="rect">
+            <a:avLst/>
+          </a:prstGeom>
+        </p:spPr>
+      </p:pic>
+      <p:pic>
+        <p:nvPicPr>
+          <p:cNvPr id="7" name="Рисунок 6"/>
+          <p:cNvPicPr>
+            <a:picLocks noChangeAspect="1"/>
+          </p:cNvPicPr>
+          <p:nvPr/>
+        </p:nvPicPr>
+        <p:blipFill>
+          <a:blip r:embed="rId4">
+            <a:extLst>
+              <a:ext uri="{28A0092B-C50C-407E-A947-70E740481C1C}">
+                <a14:useLocalDpi xmlns:a14="http://schemas.microsoft.com/office/drawing/2010/main" val="0"/>
+              </a:ext>
+            </a:extLst>
+          </a:blip>
+          <a:stretch>
+            <a:fillRect/>
+          </a:stretch>
+        </p:blipFill>
+        <p:spPr>
+          <a:xfrm>
+            <a:off x="9038392" y="1600199"/>
+            <a:ext cx="2610683" cy="1866071"/>
+          </a:xfrm>
+          <a:prstGeom prst="rect">
+            <a:avLst/>
+          </a:prstGeom>
+        </p:spPr>
+      </p:pic>
     </p:spTree>
     <p:extLst>
       <p:ext uri="{BB962C8B-B14F-4D97-AF65-F5344CB8AC3E}">
@@ -6563,10 +7500,261 @@
   <p:clrMapOvr>
     <a:masterClrMapping/>
   </p:clrMapOvr>
+  <p:timing>
+    <p:tnLst>
+      <p:par>
+        <p:cTn id="1" dur="indefinite" restart="never" nodeType="tmRoot"/>
+      </p:par>
+    </p:tnLst>
+  </p:timing>
 </p:sld>
 </file>
 
 <file path=ppt/slides/slide3.xml><?xml version="1.0" encoding="utf-8"?>
+<p:sld xmlns:a="http://schemas.openxmlformats.org/drawingml/2006/main" xmlns:r="http://schemas.openxmlformats.org/officeDocument/2006/relationships" xmlns:p="http://schemas.openxmlformats.org/presentationml/2006/main">
+  <p:cSld>
+    <p:spTree>
+      <p:nvGrpSpPr>
+        <p:cNvPr id="1" name=""/>
+        <p:cNvGrpSpPr/>
+        <p:nvPr/>
+      </p:nvGrpSpPr>
+      <p:grpSpPr>
+        <a:xfrm>
+          <a:off x="0" y="0"/>
+          <a:ext cx="0" cy="0"/>
+          <a:chOff x="0" y="0"/>
+          <a:chExt cx="0" cy="0"/>
+        </a:xfrm>
+      </p:grpSpPr>
+      <p:sp>
+        <p:nvSpPr>
+          <p:cNvPr id="2" name="Заголовок 1"/>
+          <p:cNvSpPr>
+            <a:spLocks noGrp="1"/>
+          </p:cNvSpPr>
+          <p:nvPr>
+            <p:ph type="title"/>
+          </p:nvPr>
+        </p:nvSpPr>
+        <p:spPr>
+          <a:xfrm>
+            <a:off x="1789112" y="93132"/>
+            <a:ext cx="8534400" cy="1507067"/>
+          </a:xfrm>
+        </p:spPr>
+        <p:txBody>
+          <a:bodyPr/>
+          <a:lstStyle/>
+          <a:p>
+            <a:r>
+              <a:rPr lang="ru-RU" dirty="0" smtClean="0"/>
+              <a:t>Недостатки у аналога</a:t>
+            </a:r>
+            <a:endParaRPr lang="ru-RU" dirty="0"/>
+          </a:p>
+        </p:txBody>
+      </p:sp>
+      <p:sp>
+        <p:nvSpPr>
+          <p:cNvPr id="4" name="TextBox 3"/>
+          <p:cNvSpPr txBox="1"/>
+          <p:nvPr/>
+        </p:nvSpPr>
+        <p:spPr>
+          <a:xfrm>
+            <a:off x="990600" y="1600199"/>
+            <a:ext cx="6858000" cy="3693319"/>
+          </a:xfrm>
+          <a:prstGeom prst="rect">
+            <a:avLst/>
+          </a:prstGeom>
+          <a:noFill/>
+        </p:spPr>
+        <p:txBody>
+          <a:bodyPr wrap="square" rtlCol="0">
+            <a:spAutoFit/>
+          </a:bodyPr>
+          <a:lstStyle/>
+          <a:p>
+            <a:r>
+              <a:rPr lang="ru-RU" dirty="0" smtClean="0"/>
+              <a:t>В ходе исследования проблемы был найден аналог</a:t>
+            </a:r>
+            <a:r>
+              <a:rPr lang="en-US" dirty="0" smtClean="0"/>
+              <a:t> </a:t>
+            </a:r>
+            <a:r>
+              <a:rPr lang="ru-RU" dirty="0" smtClean="0"/>
+              <a:t>«</a:t>
+            </a:r>
+            <a:r>
+              <a:rPr lang="ru-RU" dirty="0" err="1" smtClean="0"/>
+              <a:t>ОПогоде</a:t>
+            </a:r>
+            <a:r>
+              <a:rPr lang="ru-RU" dirty="0" smtClean="0"/>
+              <a:t>», который в свою очередь представил следующие недостатки:</a:t>
+            </a:r>
+            <a:endParaRPr lang="ru-RU" dirty="0" smtClean="0"/>
+          </a:p>
+          <a:p>
+            <a:pPr marL="342900" indent="-342900">
+              <a:buAutoNum type="arabicParenR"/>
+            </a:pPr>
+            <a:r>
+              <a:rPr lang="ru-RU" dirty="0" smtClean="0"/>
+              <a:t>Анализ данных происходит только 4 раза в сутки, что является достаточн</a:t>
+            </a:r>
+            <a:r>
+              <a:rPr lang="ru-RU" dirty="0" smtClean="0"/>
+              <a:t>ым, для корректной аналитики</a:t>
+            </a:r>
+            <a:r>
+              <a:rPr lang="en-US" dirty="0" smtClean="0"/>
+              <a:t>;</a:t>
+            </a:r>
+            <a:endParaRPr lang="ru-RU" dirty="0" smtClean="0"/>
+          </a:p>
+          <a:p>
+            <a:pPr marL="342900" indent="-342900">
+              <a:buAutoNum type="arabicParenR"/>
+            </a:pPr>
+            <a:r>
+              <a:rPr lang="ru-RU" dirty="0" smtClean="0"/>
+              <a:t>Точность прогноза определяется только двум параметрам – температуре воздуха и количеству осадков</a:t>
+            </a:r>
+            <a:r>
+              <a:rPr lang="en-US" dirty="0" smtClean="0"/>
+              <a:t>;</a:t>
+            </a:r>
+          </a:p>
+          <a:p>
+            <a:pPr marL="342900" indent="-342900">
+              <a:buAutoNum type="arabicParenR"/>
+            </a:pPr>
+            <a:r>
+              <a:rPr lang="ru-RU" dirty="0" smtClean="0"/>
+              <a:t>В результате формируется свой прогноз, а не выдвигается наиболее точный синоптик</a:t>
+            </a:r>
+            <a:r>
+              <a:rPr lang="en-US" dirty="0" smtClean="0"/>
+              <a:t>;</a:t>
+            </a:r>
+          </a:p>
+          <a:p>
+            <a:pPr marL="342900" indent="-342900">
+              <a:buAutoNum type="arabicParenR"/>
+            </a:pPr>
+            <a:r>
+              <a:rPr lang="ru-RU" dirty="0" smtClean="0"/>
+              <a:t>На данный момент не является исправным</a:t>
+            </a:r>
+            <a:r>
+              <a:rPr lang="en-US" dirty="0" smtClean="0"/>
+              <a:t>;</a:t>
+            </a:r>
+          </a:p>
+          <a:p>
+            <a:pPr marL="342900" indent="-342900">
+              <a:buAutoNum type="arabicParenR"/>
+            </a:pPr>
+            <a:r>
+              <a:rPr lang="ru-RU" dirty="0" smtClean="0"/>
+              <a:t>Не имеет возможности предоставить результаты в удобном для дальнейшего анализа формате.</a:t>
+            </a:r>
+            <a:endParaRPr lang="ru-RU" dirty="0"/>
+          </a:p>
+        </p:txBody>
+      </p:sp>
+      <p:sp>
+        <p:nvSpPr>
+          <p:cNvPr id="5" name="Нижний колонтитул 4"/>
+          <p:cNvSpPr>
+            <a:spLocks noGrp="1"/>
+          </p:cNvSpPr>
+          <p:nvPr>
+            <p:ph type="ftr" sz="quarter" idx="11"/>
+          </p:nvPr>
+        </p:nvSpPr>
+        <p:spPr>
+          <a:xfrm>
+            <a:off x="1813718" y="6064024"/>
+            <a:ext cx="8485188" cy="365125"/>
+          </a:xfrm>
+        </p:spPr>
+        <p:txBody>
+          <a:bodyPr/>
+          <a:lstStyle/>
+          <a:p>
+            <a:r>
+              <a:rPr lang="ru-RU" sz="1200" dirty="0" smtClean="0">
+                <a:solidFill>
+                  <a:schemeClr val="tx1"/>
+                </a:solidFill>
+              </a:rPr>
+              <a:t>Ватолин Р. П. "Реализация модуля контроля системы веб-служб на базе распределенных вычислений" 2017</a:t>
+            </a:r>
+            <a:endParaRPr lang="en-US" sz="1200" dirty="0">
+              <a:solidFill>
+                <a:schemeClr val="tx1"/>
+              </a:solidFill>
+            </a:endParaRPr>
+          </a:p>
+        </p:txBody>
+      </p:sp>
+      <p:pic>
+        <p:nvPicPr>
+          <p:cNvPr id="3" name="Рисунок 2"/>
+          <p:cNvPicPr>
+            <a:picLocks noChangeAspect="1"/>
+          </p:cNvPicPr>
+          <p:nvPr/>
+        </p:nvPicPr>
+        <p:blipFill>
+          <a:blip r:embed="rId3">
+            <a:extLst>
+              <a:ext uri="{28A0092B-C50C-407E-A947-70E740481C1C}">
+                <a14:useLocalDpi xmlns:a14="http://schemas.microsoft.com/office/drawing/2010/main" val="0"/>
+              </a:ext>
+            </a:extLst>
+          </a:blip>
+          <a:stretch>
+            <a:fillRect/>
+          </a:stretch>
+        </p:blipFill>
+        <p:spPr>
+          <a:xfrm>
+            <a:off x="8827293" y="1344612"/>
+            <a:ext cx="2943225" cy="4371975"/>
+          </a:xfrm>
+          <a:prstGeom prst="rect">
+            <a:avLst/>
+          </a:prstGeom>
+        </p:spPr>
+      </p:pic>
+    </p:spTree>
+    <p:extLst>
+      <p:ext uri="{BB962C8B-B14F-4D97-AF65-F5344CB8AC3E}">
+        <p14:creationId xmlns:p14="http://schemas.microsoft.com/office/powerpoint/2010/main" val="848411841"/>
+      </p:ext>
+    </p:extLst>
+  </p:cSld>
+  <p:clrMapOvr>
+    <a:masterClrMapping/>
+  </p:clrMapOvr>
+  <p:timing>
+    <p:tnLst>
+      <p:par>
+        <p:cTn id="1" dur="indefinite" restart="never" nodeType="tmRoot"/>
+      </p:par>
+    </p:tnLst>
+  </p:timing>
+</p:sld>
+</file>
+
+<file path=ppt/slides/slide4.xml><?xml version="1.0" encoding="utf-8"?>
 <p:sld xmlns:a="http://schemas.openxmlformats.org/drawingml/2006/main" xmlns:r="http://schemas.openxmlformats.org/officeDocument/2006/relationships" xmlns:p="http://schemas.openxmlformats.org/presentationml/2006/main">
   <p:cSld>
     <p:spTree>
@@ -6665,7 +7853,7 @@
         </p:blipFill>
         <p:spPr>
           <a:xfrm>
-            <a:off x="9322089" y="4381500"/>
+            <a:off x="8463546" y="4069288"/>
             <a:ext cx="2539299" cy="1904475"/>
           </a:xfrm>
           <a:prstGeom prst="rect">
@@ -6695,8 +7883,8 @@
         </p:blipFill>
         <p:spPr>
           <a:xfrm>
-            <a:off x="5829376" y="3581400"/>
-            <a:ext cx="2755898" cy="2755898"/>
+            <a:off x="4290608" y="4183123"/>
+            <a:ext cx="1676804" cy="1676804"/>
           </a:xfrm>
           <a:prstGeom prst="rect">
             <a:avLst/>
@@ -6772,7 +7960,7 @@
         <p:spPr>
           <a:xfrm>
             <a:off x="546100" y="2019300"/>
-            <a:ext cx="4140200" cy="3416320"/>
+            <a:ext cx="4140200" cy="3693319"/>
           </a:xfrm>
           <a:prstGeom prst="rect">
             <a:avLst/>
@@ -6850,7 +8038,83 @@
               <a:rPr lang="en-US" dirty="0" smtClean="0"/>
               <a:t>Dark Sky.</a:t>
             </a:r>
+            <a:endParaRPr lang="ru-RU" dirty="0" smtClean="0"/>
+          </a:p>
+          <a:p>
+            <a:pPr marL="342900" indent="-342900">
+              <a:buAutoNum type="arabicParenR"/>
+            </a:pPr>
+            <a:r>
+              <a:rPr lang="en-US" dirty="0" err="1" smtClean="0"/>
+              <a:t>Gismeteo</a:t>
+            </a:r>
             <a:endParaRPr lang="ru-RU" dirty="0"/>
+          </a:p>
+        </p:txBody>
+      </p:sp>
+      <p:pic>
+        <p:nvPicPr>
+          <p:cNvPr id="5" name="Рисунок 4"/>
+          <p:cNvPicPr>
+            <a:picLocks noChangeAspect="1"/>
+          </p:cNvPicPr>
+          <p:nvPr/>
+        </p:nvPicPr>
+        <p:blipFill>
+          <a:blip r:embed="rId7">
+            <a:extLst>
+              <a:ext uri="{28A0092B-C50C-407E-A947-70E740481C1C}">
+                <a14:useLocalDpi xmlns:a14="http://schemas.microsoft.com/office/drawing/2010/main" val="0"/>
+              </a:ext>
+            </a:extLst>
+          </a:blip>
+          <a:stretch>
+            <a:fillRect/>
+          </a:stretch>
+        </p:blipFill>
+        <p:spPr>
+          <a:xfrm>
+            <a:off x="6235700" y="3683000"/>
+            <a:ext cx="2219178" cy="2219178"/>
+          </a:xfrm>
+          <a:prstGeom prst="rect">
+            <a:avLst/>
+          </a:prstGeom>
+        </p:spPr>
+      </p:pic>
+      <p:sp>
+        <p:nvSpPr>
+          <p:cNvPr id="11" name="Нижний колонтитул 10"/>
+          <p:cNvSpPr>
+            <a:spLocks noGrp="1"/>
+          </p:cNvSpPr>
+          <p:nvPr>
+            <p:ph type="ftr" sz="quarter" idx="11"/>
+          </p:nvPr>
+        </p:nvSpPr>
+        <p:spPr>
+          <a:xfrm>
+            <a:off x="1534116" y="6158823"/>
+            <a:ext cx="8561388" cy="365125"/>
+          </a:xfrm>
+        </p:spPr>
+        <p:txBody>
+          <a:bodyPr/>
+          <a:lstStyle/>
+          <a:p>
+            <a:r>
+              <a:rPr lang="ru-RU" sz="1200" dirty="0" smtClean="0">
+                <a:solidFill>
+                  <a:schemeClr val="tx1"/>
+                </a:solidFill>
+              </a:rPr>
+              <a:t>Ватолин Р. П. "Реализация модуля контроля системы веб-служб на базе распределенных вычислений" 2017</a:t>
+            </a:r>
+            <a:endParaRPr lang="en-US" sz="1200" dirty="0">
+              <a:solidFill>
+                <a:schemeClr val="tx1"/>
+              </a:solidFill>
+            </a:endParaRPr>
           </a:p>
         </p:txBody>
       </p:sp>
@@ -6962,6 +8226,51 @@
                       </p:childTnLst>
                     </p:cTn>
                   </p:par>
+                  <p:par>
+                    <p:cTn id="11" fill="hold">
+                      <p:stCondLst>
+                        <p:cond delay="indefinite"/>
+                      </p:stCondLst>
+                      <p:childTnLst>
+                        <p:par>
+                          <p:cTn id="12" fill="hold">
+                            <p:stCondLst>
+                              <p:cond delay="0"/>
+                            </p:stCondLst>
+                            <p:childTnLst>
+                              <p:par>
+                                <p:cTn id="13" presetID="1" presetClass="exit" presetSubtype="0" fill="hold" nodeType="clickEffect">
+                                  <p:stCondLst>
+                                    <p:cond delay="0"/>
+                                  </p:stCondLst>
+                                  <p:childTnLst>
+                                    <p:set>
+                                      <p:cBhvr>
+                                        <p:cTn id="14" dur="1" fill="hold">
+                                          <p:stCondLst>
+                                            <p:cond delay="0"/>
+                                          </p:stCondLst>
+                                        </p:cTn>
+                                        <p:tgtEl>
+                                          <p:spTgt spid="5"/>
+                                        </p:tgtEl>
+                                        <p:attrNameLst>
+                                          <p:attrName>style.visibility</p:attrName>
+                                        </p:attrNameLst>
+                                      </p:cBhvr>
+                                      <p:to>
+                                        <p:strVal val="hidden"/>
+                                      </p:to>
+                                    </p:set>
+                                  </p:childTnLst>
+                                </p:cTn>
+                              </p:par>
+                            </p:childTnLst>
+                          </p:cTn>
+                        </p:par>
+                      </p:childTnLst>
+                    </p:cTn>
+                  </p:par>
                 </p:childTnLst>
               </p:cTn>
               <p:prevCondLst>
@@ -6987,148 +8296,6 @@
 </p:sld>
 </file>
 
-<file path=ppt/slides/slide4.xml><?xml version="1.0" encoding="utf-8"?>
-<p:sld xmlns:a="http://schemas.openxmlformats.org/drawingml/2006/main" xmlns:r="http://schemas.openxmlformats.org/officeDocument/2006/relationships" xmlns:p="http://schemas.openxmlformats.org/presentationml/2006/main">
-  <p:cSld>
-    <p:spTree>
-      <p:nvGrpSpPr>
-        <p:cNvPr id="1" name=""/>
-        <p:cNvGrpSpPr/>
-        <p:nvPr/>
-      </p:nvGrpSpPr>
-      <p:grpSpPr>
-        <a:xfrm>
-          <a:off x="0" y="0"/>
-          <a:ext cx="0" cy="0"/>
-          <a:chOff x="0" y="0"/>
-          <a:chExt cx="0" cy="0"/>
-        </a:xfrm>
-      </p:grpSpPr>
-      <p:sp>
-        <p:nvSpPr>
-          <p:cNvPr id="2" name="Заголовок 1"/>
-          <p:cNvSpPr>
-            <a:spLocks noGrp="1"/>
-          </p:cNvSpPr>
-          <p:nvPr>
-            <p:ph type="title"/>
-          </p:nvPr>
-        </p:nvSpPr>
-        <p:spPr>
-          <a:xfrm>
-            <a:off x="1700212" y="170391"/>
-            <a:ext cx="8534400" cy="1507067"/>
-          </a:xfrm>
-        </p:spPr>
-        <p:txBody>
-          <a:bodyPr>
-            <a:normAutofit/>
-          </a:bodyPr>
-          <a:lstStyle/>
-          <a:p>
-            <a:r>
-              <a:rPr lang="ru-RU" dirty="0" smtClean="0"/>
-              <a:t>Разнообразие предоставляемых данных</a:t>
-            </a:r>
-            <a:endParaRPr lang="ru-RU" dirty="0"/>
-          </a:p>
-        </p:txBody>
-      </p:sp>
-      <p:pic>
-        <p:nvPicPr>
-          <p:cNvPr id="5" name="Picture 14" descr="picture4-1.jpg"/>
-          <p:cNvPicPr/>
-          <p:nvPr/>
-        </p:nvPicPr>
-        <p:blipFill>
-          <a:blip r:embed="rId2">
-            <a:extLst>
-              <a:ext uri="{28A0092B-C50C-407E-A947-70E740481C1C}">
-                <a14:useLocalDpi xmlns:a14="http://schemas.microsoft.com/office/drawing/2010/main" val="0"/>
-              </a:ext>
-            </a:extLst>
-          </a:blip>
-          <a:srcRect/>
-          <a:stretch>
-            <a:fillRect/>
-          </a:stretch>
-        </p:blipFill>
-        <p:spPr bwMode="auto">
-          <a:xfrm>
-            <a:off x="299402" y="1677458"/>
-            <a:ext cx="6685598" cy="4850342"/>
-          </a:xfrm>
-          <a:prstGeom prst="rect">
-            <a:avLst/>
-          </a:prstGeom>
-          <a:noFill/>
-          <a:ln>
-            <a:noFill/>
-          </a:ln>
-        </p:spPr>
-      </p:pic>
-      <p:sp>
-        <p:nvSpPr>
-          <p:cNvPr id="6" name="TextBox 5"/>
-          <p:cNvSpPr txBox="1"/>
-          <p:nvPr/>
-        </p:nvSpPr>
-        <p:spPr>
-          <a:xfrm>
-            <a:off x="7188200" y="1677458"/>
-            <a:ext cx="4356100" cy="2308324"/>
-          </a:xfrm>
-          <a:prstGeom prst="rect">
-            <a:avLst/>
-          </a:prstGeom>
-          <a:noFill/>
-        </p:spPr>
-        <p:txBody>
-          <a:bodyPr wrap="square" rtlCol="0">
-            <a:spAutoFit/>
-          </a:bodyPr>
-          <a:lstStyle/>
-          <a:p>
-            <a:r>
-              <a:rPr lang="ru-RU" dirty="0" smtClean="0"/>
-              <a:t>Как видно из ответа от веб-службы </a:t>
-            </a:r>
-            <a:r>
-              <a:rPr lang="en-US" dirty="0" err="1" smtClean="0"/>
-              <a:t>Accuweather</a:t>
-            </a:r>
-            <a:r>
-              <a:rPr lang="en-US" dirty="0" smtClean="0"/>
-              <a:t>, </a:t>
-            </a:r>
-            <a:r>
-              <a:rPr lang="ru-RU" dirty="0" smtClean="0"/>
-              <a:t>оперировать можно начиная с температуры и заканчивая с видимостью на данный момент. Если присмотреться, то можно заметить нахождение фотографий о данной местности.</a:t>
-            </a:r>
-            <a:endParaRPr lang="ru-RU" dirty="0"/>
-          </a:p>
-        </p:txBody>
-      </p:sp>
-    </p:spTree>
-    <p:extLst>
-      <p:ext uri="{BB962C8B-B14F-4D97-AF65-F5344CB8AC3E}">
-        <p14:creationId xmlns:p14="http://schemas.microsoft.com/office/powerpoint/2010/main" val="2293630679"/>
-      </p:ext>
-    </p:extLst>
-  </p:cSld>
-  <p:clrMapOvr>
-    <a:masterClrMapping/>
-  </p:clrMapOvr>
-  <p:timing>
-    <p:tnLst>
-      <p:par>
-        <p:cTn id="1" dur="indefinite" restart="never" nodeType="tmRoot"/>
-      </p:par>
-    </p:tnLst>
-  </p:timing>
-</p:sld>
-</file>
-
 <file path=ppt/slides/slide5.xml><?xml version="1.0" encoding="utf-8"?>
 <p:sld xmlns:a="http://schemas.openxmlformats.org/drawingml/2006/main" xmlns:r="http://schemas.openxmlformats.org/officeDocument/2006/relationships" xmlns:p="http://schemas.openxmlformats.org/presentationml/2006/main">
   <p:cSld>
@@ -7170,7 +8337,7 @@
           <a:p>
             <a:r>
               <a:rPr lang="ru-RU" dirty="0" smtClean="0"/>
-              <a:t>Более Близкое рассмотрение полученного ответа</a:t>
+              <a:t>Разнообразие предоставляемых данных</a:t>
             </a:r>
             <a:endParaRPr lang="ru-RU" dirty="0"/>
           </a:p>
@@ -7178,40 +8345,7 @@
       </p:sp>
       <p:pic>
         <p:nvPicPr>
-          <p:cNvPr id="4" name="Picture 17" descr="minsk-library.jpg"/>
-          <p:cNvPicPr/>
-          <p:nvPr/>
-        </p:nvPicPr>
-        <p:blipFill>
-          <a:blip r:embed="rId2">
-            <a:extLst>
-              <a:ext uri="{28A0092B-C50C-407E-A947-70E740481C1C}">
-                <a14:useLocalDpi xmlns:a14="http://schemas.microsoft.com/office/drawing/2010/main" val="0"/>
-              </a:ext>
-            </a:extLst>
-          </a:blip>
-          <a:srcRect/>
-          <a:stretch>
-            <a:fillRect/>
-          </a:stretch>
-        </p:blipFill>
-        <p:spPr bwMode="auto">
-          <a:xfrm>
-            <a:off x="553720" y="1677459"/>
-            <a:ext cx="4323080" cy="3656542"/>
-          </a:xfrm>
-          <a:prstGeom prst="rect">
-            <a:avLst/>
-          </a:prstGeom>
-          <a:noFill/>
-          <a:ln>
-            <a:noFill/>
-          </a:ln>
-        </p:spPr>
-      </p:pic>
-      <p:pic>
-        <p:nvPicPr>
-          <p:cNvPr id="6" name="Picture 16" descr="/Users/Rostislav_Vatolin/Desktop/temp and pressure.png"/>
+          <p:cNvPr id="5" name="Picture 14" descr="picture4-1.jpg"/>
           <p:cNvPicPr/>
           <p:nvPr/>
         </p:nvPicPr>
@@ -7230,8 +8364,8 @@
         </p:blipFill>
         <p:spPr bwMode="auto">
           <a:xfrm>
-            <a:off x="5177155" y="4223385"/>
-            <a:ext cx="3717290" cy="2449830"/>
+            <a:off x="299402" y="1677458"/>
+            <a:ext cx="6685598" cy="4316942"/>
           </a:xfrm>
           <a:prstGeom prst="rect">
             <a:avLst/>
@@ -7244,14 +8378,14 @@
       </p:pic>
       <p:sp>
         <p:nvSpPr>
-          <p:cNvPr id="7" name="TextBox 6"/>
+          <p:cNvPr id="6" name="TextBox 5"/>
           <p:cNvSpPr txBox="1"/>
           <p:nvPr/>
         </p:nvSpPr>
         <p:spPr>
           <a:xfrm>
-            <a:off x="6184900" y="2032000"/>
-            <a:ext cx="5168900" cy="2031325"/>
+            <a:off x="7188200" y="1677458"/>
+            <a:ext cx="4356100" cy="2308324"/>
           </a:xfrm>
           <a:prstGeom prst="rect">
             <a:avLst/>
@@ -7266,16 +8400,64 @@
           <a:p>
             <a:r>
               <a:rPr lang="ru-RU" dirty="0" smtClean="0"/>
-              <a:t>Получаемый ответ очень полно описывает погодную ситуацию, к примерам полученных данных можно отнести данное изображение города Минск и результаты температуры и атмосферного давления в различных физических единицах.</a:t>
+              <a:t>Как видно из ответа от веб-службы </a:t>
+            </a:r>
+            <a:r>
+              <a:rPr lang="en-US" dirty="0" err="1" smtClean="0"/>
+              <a:t>Accuweather</a:t>
+            </a:r>
+            <a:r>
+              <a:rPr lang="en-US" dirty="0" smtClean="0"/>
+              <a:t>, </a:t>
+            </a:r>
+            <a:r>
+              <a:rPr lang="ru-RU" dirty="0" smtClean="0"/>
+              <a:t>оперировать можно начиная с температуры и заканчивая с видимостью на данный момент. Если присмотреться, то можно заметить нахождение фотографий о данной местности.</a:t>
             </a:r>
             <a:endParaRPr lang="ru-RU" dirty="0"/>
+          </a:p>
+        </p:txBody>
+      </p:sp>
+      <p:sp>
+        <p:nvSpPr>
+          <p:cNvPr id="4" name="Нижний колонтитул 3"/>
+          <p:cNvSpPr>
+            <a:spLocks noGrp="1"/>
+          </p:cNvSpPr>
+          <p:nvPr>
+            <p:ph type="ftr" sz="quarter" idx="11"/>
+          </p:nvPr>
+        </p:nvSpPr>
+        <p:spPr>
+          <a:xfrm>
+            <a:off x="1654968" y="6146800"/>
+            <a:ext cx="8624888" cy="365125"/>
+          </a:xfrm>
+        </p:spPr>
+        <p:txBody>
+          <a:bodyPr/>
+          <a:lstStyle/>
+          <a:p>
+            <a:r>
+              <a:rPr lang="ru-RU" sz="1200" dirty="0" smtClean="0">
+                <a:solidFill>
+                  <a:schemeClr val="tx1"/>
+                </a:solidFill>
+              </a:rPr>
+              <a:t>Ватолин Р. П. "Реализация модуля контроля системы веб-служб на базе распределенных вычислений" 2017</a:t>
+            </a:r>
+            <a:endParaRPr lang="en-US" sz="1200" dirty="0">
+              <a:solidFill>
+                <a:schemeClr val="tx1"/>
+              </a:solidFill>
+            </a:endParaRPr>
           </a:p>
         </p:txBody>
       </p:sp>
     </p:spTree>
     <p:extLst>
       <p:ext uri="{BB962C8B-B14F-4D97-AF65-F5344CB8AC3E}">
-        <p14:creationId xmlns:p14="http://schemas.microsoft.com/office/powerpoint/2010/main" val="1521889091"/>
+        <p14:creationId xmlns:p14="http://schemas.microsoft.com/office/powerpoint/2010/main" val="2293630679"/>
       </p:ext>
     </p:extLst>
   </p:cSld>
@@ -7333,6 +8515,205 @@
           <a:p>
             <a:r>
               <a:rPr lang="ru-RU" dirty="0" smtClean="0"/>
+              <a:t>Более Близкое рассмотрение полученного ответа</a:t>
+            </a:r>
+            <a:endParaRPr lang="ru-RU" dirty="0"/>
+          </a:p>
+        </p:txBody>
+      </p:sp>
+      <p:pic>
+        <p:nvPicPr>
+          <p:cNvPr id="4" name="Picture 17" descr="minsk-library.jpg"/>
+          <p:cNvPicPr/>
+          <p:nvPr/>
+        </p:nvPicPr>
+        <p:blipFill>
+          <a:blip r:embed="rId2">
+            <a:extLst>
+              <a:ext uri="{28A0092B-C50C-407E-A947-70E740481C1C}">
+                <a14:useLocalDpi xmlns:a14="http://schemas.microsoft.com/office/drawing/2010/main" val="0"/>
+              </a:ext>
+            </a:extLst>
+          </a:blip>
+          <a:srcRect/>
+          <a:stretch>
+            <a:fillRect/>
+          </a:stretch>
+        </p:blipFill>
+        <p:spPr bwMode="auto">
+          <a:xfrm>
+            <a:off x="553720" y="1677459"/>
+            <a:ext cx="2621280" cy="2246841"/>
+          </a:xfrm>
+          <a:prstGeom prst="rect">
+            <a:avLst/>
+          </a:prstGeom>
+          <a:noFill/>
+          <a:ln>
+            <a:noFill/>
+          </a:ln>
+        </p:spPr>
+      </p:pic>
+      <p:pic>
+        <p:nvPicPr>
+          <p:cNvPr id="6" name="Picture 16" descr="/Users/Rostislav_Vatolin/Desktop/temp and pressure.png"/>
+          <p:cNvPicPr/>
+          <p:nvPr/>
+        </p:nvPicPr>
+        <p:blipFill>
+          <a:blip r:embed="rId3">
+            <a:extLst>
+              <a:ext uri="{28A0092B-C50C-407E-A947-70E740481C1C}">
+                <a14:useLocalDpi xmlns:a14="http://schemas.microsoft.com/office/drawing/2010/main" val="0"/>
+              </a:ext>
+            </a:extLst>
+          </a:blip>
+          <a:srcRect/>
+          <a:stretch>
+            <a:fillRect/>
+          </a:stretch>
+        </p:blipFill>
+        <p:spPr bwMode="auto">
+          <a:xfrm>
+            <a:off x="3175000" y="3924300"/>
+            <a:ext cx="2792412" cy="1942888"/>
+          </a:xfrm>
+          <a:prstGeom prst="rect">
+            <a:avLst/>
+          </a:prstGeom>
+          <a:noFill/>
+          <a:ln>
+            <a:noFill/>
+          </a:ln>
+        </p:spPr>
+      </p:pic>
+      <p:sp>
+        <p:nvSpPr>
+          <p:cNvPr id="7" name="TextBox 6"/>
+          <p:cNvSpPr txBox="1"/>
+          <p:nvPr/>
+        </p:nvSpPr>
+        <p:spPr>
+          <a:xfrm>
+            <a:off x="6184900" y="2032000"/>
+            <a:ext cx="5168900" cy="2031325"/>
+          </a:xfrm>
+          <a:prstGeom prst="rect">
+            <a:avLst/>
+          </a:prstGeom>
+          <a:noFill/>
+        </p:spPr>
+        <p:txBody>
+          <a:bodyPr wrap="square" rtlCol="0">
+            <a:spAutoFit/>
+          </a:bodyPr>
+          <a:lstStyle/>
+          <a:p>
+            <a:r>
+              <a:rPr lang="ru-RU" dirty="0" smtClean="0"/>
+              <a:t>Получаемый ответ очень полно описывает погодную ситуацию, к примерам полученных данных можно отнести данное изображение города Минск и результаты температуры и атмосферного давления в различных физических единицах.</a:t>
+            </a:r>
+            <a:endParaRPr lang="ru-RU" dirty="0"/>
+          </a:p>
+        </p:txBody>
+      </p:sp>
+      <p:sp>
+        <p:nvSpPr>
+          <p:cNvPr id="5" name="Нижний колонтитул 4"/>
+          <p:cNvSpPr>
+            <a:spLocks noGrp="1"/>
+          </p:cNvSpPr>
+          <p:nvPr>
+            <p:ph type="ftr" sz="quarter" idx="11"/>
+          </p:nvPr>
+        </p:nvSpPr>
+        <p:spPr>
+          <a:xfrm>
+            <a:off x="1910556" y="6083300"/>
+            <a:ext cx="8548688" cy="365125"/>
+          </a:xfrm>
+        </p:spPr>
+        <p:txBody>
+          <a:bodyPr/>
+          <a:lstStyle/>
+          <a:p>
+            <a:r>
+              <a:rPr lang="ru-RU" sz="1200" dirty="0" smtClean="0">
+                <a:solidFill>
+                  <a:schemeClr val="tx1"/>
+                </a:solidFill>
+              </a:rPr>
+              <a:t>Ватолин Р. П. "Реализация модуля контроля системы веб-служб на базе распределенных вычислений" 2017</a:t>
+            </a:r>
+            <a:endParaRPr lang="en-US" sz="1200" dirty="0">
+              <a:solidFill>
+                <a:schemeClr val="tx1"/>
+              </a:solidFill>
+            </a:endParaRPr>
+          </a:p>
+        </p:txBody>
+      </p:sp>
+    </p:spTree>
+    <p:extLst>
+      <p:ext uri="{BB962C8B-B14F-4D97-AF65-F5344CB8AC3E}">
+        <p14:creationId xmlns:p14="http://schemas.microsoft.com/office/powerpoint/2010/main" val="1521889091"/>
+      </p:ext>
+    </p:extLst>
+  </p:cSld>
+  <p:clrMapOvr>
+    <a:masterClrMapping/>
+  </p:clrMapOvr>
+  <p:timing>
+    <p:tnLst>
+      <p:par>
+        <p:cTn id="1" dur="indefinite" restart="never" nodeType="tmRoot"/>
+      </p:par>
+    </p:tnLst>
+  </p:timing>
+</p:sld>
+</file>
+
+<file path=ppt/slides/slide7.xml><?xml version="1.0" encoding="utf-8"?>
+<p:sld xmlns:a="http://schemas.openxmlformats.org/drawingml/2006/main" xmlns:r="http://schemas.openxmlformats.org/officeDocument/2006/relationships" xmlns:p="http://schemas.openxmlformats.org/presentationml/2006/main">
+  <p:cSld>
+    <p:spTree>
+      <p:nvGrpSpPr>
+        <p:cNvPr id="1" name=""/>
+        <p:cNvGrpSpPr/>
+        <p:nvPr/>
+      </p:nvGrpSpPr>
+      <p:grpSpPr>
+        <a:xfrm>
+          <a:off x="0" y="0"/>
+          <a:ext cx="0" cy="0"/>
+          <a:chOff x="0" y="0"/>
+          <a:chExt cx="0" cy="0"/>
+        </a:xfrm>
+      </p:grpSpPr>
+      <p:sp>
+        <p:nvSpPr>
+          <p:cNvPr id="2" name="Заголовок 1"/>
+          <p:cNvSpPr>
+            <a:spLocks noGrp="1"/>
+          </p:cNvSpPr>
+          <p:nvPr>
+            <p:ph type="title"/>
+          </p:nvPr>
+        </p:nvSpPr>
+        <p:spPr>
+          <a:xfrm>
+            <a:off x="1700212" y="170391"/>
+            <a:ext cx="8534400" cy="1507067"/>
+          </a:xfrm>
+        </p:spPr>
+        <p:txBody>
+          <a:bodyPr>
+            <a:normAutofit/>
+          </a:bodyPr>
+          <a:lstStyle/>
+          <a:p>
+            <a:r>
+              <a:rPr lang="ru-RU" dirty="0" smtClean="0"/>
               <a:t>Область работы модуля</a:t>
             </a:r>
             <a:endParaRPr lang="ru-RU" dirty="0"/>
@@ -7402,6 +8783,29 @@
           </a:p>
         </p:txBody>
       </p:sp>
+      <p:sp>
+        <p:nvSpPr>
+          <p:cNvPr id="6" name="Нижний колонтитул 5"/>
+          <p:cNvSpPr>
+            <a:spLocks noGrp="1"/>
+          </p:cNvSpPr>
+          <p:nvPr>
+            <p:ph type="ftr" sz="quarter" idx="11"/>
+          </p:nvPr>
+        </p:nvSpPr>
+        <p:spPr/>
+        <p:txBody>
+          <a:bodyPr/>
+          <a:lstStyle/>
+          <a:p>
+            <a:r>
+              <a:rPr lang="ru-RU" smtClean="0"/>
+              <a:t>Ватолин Р. П. "Реализация модуля контроля системы веб-служб на базе распределенных вычислений" 2017</a:t>
+            </a:r>
+            <a:endParaRPr lang="en-US" dirty="0"/>
+          </a:p>
+        </p:txBody>
+      </p:sp>
     </p:spTree>
     <p:extLst>
       <p:ext uri="{BB962C8B-B14F-4D97-AF65-F5344CB8AC3E}">
@@ -7422,7 +8826,7 @@
 </p:sld>
 </file>
 
-<file path=ppt/slides/slide7.xml><?xml version="1.0" encoding="utf-8"?>
+<file path=ppt/slides/slide8.xml><?xml version="1.0" encoding="utf-8"?>
 <p:sld xmlns:a="http://schemas.openxmlformats.org/drawingml/2006/main" xmlns:r="http://schemas.openxmlformats.org/officeDocument/2006/relationships" xmlns:p="http://schemas.openxmlformats.org/presentationml/2006/main">
   <p:cSld>
     <p:spTree>
@@ -7928,181 +9332,33 @@
           </a:p>
         </p:txBody>
       </p:sp>
+      <p:sp>
+        <p:nvSpPr>
+          <p:cNvPr id="4" name="Нижний колонтитул 3"/>
+          <p:cNvSpPr>
+            <a:spLocks noGrp="1"/>
+          </p:cNvSpPr>
+          <p:nvPr>
+            <p:ph type="ftr" sz="quarter" idx="11"/>
+          </p:nvPr>
+        </p:nvSpPr>
+        <p:spPr/>
+        <p:txBody>
+          <a:bodyPr/>
+          <a:lstStyle/>
+          <a:p>
+            <a:r>
+              <a:rPr lang="ru-RU" smtClean="0"/>
+              <a:t>Ватолин Р. П. "Реализация модуля контроля системы веб-служб на базе распределенных вычислений" 2017</a:t>
+            </a:r>
+            <a:endParaRPr lang="en-US" dirty="0"/>
+          </a:p>
+        </p:txBody>
+      </p:sp>
     </p:spTree>
     <p:extLst>
       <p:ext uri="{BB962C8B-B14F-4D97-AF65-F5344CB8AC3E}">
         <p14:creationId xmlns:p14="http://schemas.microsoft.com/office/powerpoint/2010/main" val="100456238"/>
-      </p:ext>
-    </p:extLst>
-  </p:cSld>
-  <p:clrMapOvr>
-    <a:masterClrMapping/>
-  </p:clrMapOvr>
-  <p:timing>
-    <p:tnLst>
-      <p:par>
-        <p:cTn id="1" dur="indefinite" restart="never" nodeType="tmRoot"/>
-      </p:par>
-    </p:tnLst>
-  </p:timing>
-</p:sld>
-</file>
-
-<file path=ppt/slides/slide8.xml><?xml version="1.0" encoding="utf-8"?>
-<p:sld xmlns:a="http://schemas.openxmlformats.org/drawingml/2006/main" xmlns:r="http://schemas.openxmlformats.org/officeDocument/2006/relationships" xmlns:p="http://schemas.openxmlformats.org/presentationml/2006/main">
-  <p:cSld>
-    <p:spTree>
-      <p:nvGrpSpPr>
-        <p:cNvPr id="1" name=""/>
-        <p:cNvGrpSpPr/>
-        <p:nvPr/>
-      </p:nvGrpSpPr>
-      <p:grpSpPr>
-        <a:xfrm>
-          <a:off x="0" y="0"/>
-          <a:ext cx="0" cy="0"/>
-          <a:chOff x="0" y="0"/>
-          <a:chExt cx="0" cy="0"/>
-        </a:xfrm>
-      </p:grpSpPr>
-      <p:sp>
-        <p:nvSpPr>
-          <p:cNvPr id="2" name="Заголовок 1"/>
-          <p:cNvSpPr>
-            <a:spLocks noGrp="1"/>
-          </p:cNvSpPr>
-          <p:nvPr>
-            <p:ph type="title"/>
-          </p:nvPr>
-        </p:nvSpPr>
-        <p:spPr>
-          <a:xfrm>
-            <a:off x="1700212" y="170391"/>
-            <a:ext cx="8534400" cy="1507067"/>
-          </a:xfrm>
-        </p:spPr>
-        <p:txBody>
-          <a:bodyPr>
-            <a:normAutofit/>
-          </a:bodyPr>
-          <a:lstStyle/>
-          <a:p>
-            <a:r>
-              <a:rPr lang="ru-RU" dirty="0" smtClean="0"/>
-              <a:t>Доставка результатов</a:t>
-            </a:r>
-            <a:endParaRPr lang="ru-RU" dirty="0"/>
-          </a:p>
-        </p:txBody>
-      </p:sp>
-      <p:pic>
-        <p:nvPicPr>
-          <p:cNvPr id="4" name="Picture 20" descr="greeting%20message.jpg"/>
-          <p:cNvPicPr/>
-          <p:nvPr/>
-        </p:nvPicPr>
-        <p:blipFill>
-          <a:blip r:embed="rId2">
-            <a:extLst>
-              <a:ext uri="{28A0092B-C50C-407E-A947-70E740481C1C}">
-                <a14:useLocalDpi xmlns:a14="http://schemas.microsoft.com/office/drawing/2010/main" val="0"/>
-              </a:ext>
-            </a:extLst>
-          </a:blip>
-          <a:srcRect/>
-          <a:stretch>
-            <a:fillRect/>
-          </a:stretch>
-        </p:blipFill>
-        <p:spPr bwMode="auto">
-          <a:xfrm>
-            <a:off x="327024" y="1430337"/>
-            <a:ext cx="5527675" cy="3789363"/>
-          </a:xfrm>
-          <a:prstGeom prst="rect">
-            <a:avLst/>
-          </a:prstGeom>
-          <a:noFill/>
-          <a:ln>
-            <a:noFill/>
-          </a:ln>
-        </p:spPr>
-      </p:pic>
-      <p:pic>
-        <p:nvPicPr>
-          <p:cNvPr id="5" name="Picture 23" descr="report%20message.jpg"/>
-          <p:cNvPicPr/>
-          <p:nvPr/>
-        </p:nvPicPr>
-        <p:blipFill>
-          <a:blip r:embed="rId3">
-            <a:extLst>
-              <a:ext uri="{28A0092B-C50C-407E-A947-70E740481C1C}">
-                <a14:useLocalDpi xmlns:a14="http://schemas.microsoft.com/office/drawing/2010/main" val="0"/>
-              </a:ext>
-            </a:extLst>
-          </a:blip>
-          <a:srcRect/>
-          <a:stretch>
-            <a:fillRect/>
-          </a:stretch>
-        </p:blipFill>
-        <p:spPr bwMode="auto">
-          <a:xfrm>
-            <a:off x="6159500" y="1430336"/>
-            <a:ext cx="5941695" cy="3789363"/>
-          </a:xfrm>
-          <a:prstGeom prst="rect">
-            <a:avLst/>
-          </a:prstGeom>
-          <a:noFill/>
-          <a:ln>
-            <a:noFill/>
-          </a:ln>
-        </p:spPr>
-      </p:pic>
-      <p:sp>
-        <p:nvSpPr>
-          <p:cNvPr id="6" name="TextBox 5"/>
-          <p:cNvSpPr txBox="1"/>
-          <p:nvPr/>
-        </p:nvSpPr>
-        <p:spPr>
-          <a:xfrm>
-            <a:off x="952500" y="5537200"/>
-            <a:ext cx="8343900" cy="646331"/>
-          </a:xfrm>
-          <a:prstGeom prst="rect">
-            <a:avLst/>
-          </a:prstGeom>
-          <a:noFill/>
-        </p:spPr>
-        <p:txBody>
-          <a:bodyPr wrap="square" rtlCol="0">
-            <a:spAutoFit/>
-          </a:bodyPr>
-          <a:lstStyle/>
-          <a:p>
-            <a:r>
-              <a:rPr lang="ru-RU" dirty="0" smtClean="0"/>
-              <a:t>Представлены изображения писем, приходящих на почтовый ящик. В письме-отчете присутствует </a:t>
-            </a:r>
-            <a:r>
-              <a:rPr lang="en-US" dirty="0" smtClean="0"/>
-              <a:t>CSV-</a:t>
-            </a:r>
-            <a:r>
-              <a:rPr lang="ru-RU" dirty="0" smtClean="0"/>
-              <a:t>файл.</a:t>
-            </a:r>
-            <a:endParaRPr lang="ru-RU" dirty="0"/>
-          </a:p>
-        </p:txBody>
-      </p:sp>
-    </p:spTree>
-    <p:extLst>
-      <p:ext uri="{BB962C8B-B14F-4D97-AF65-F5344CB8AC3E}">
-        <p14:creationId xmlns:p14="http://schemas.microsoft.com/office/powerpoint/2010/main" val="4014684018"/>
       </p:ext>
     </p:extLst>
   </p:cSld>
@@ -8148,17 +9404,19 @@
         </p:nvSpPr>
         <p:spPr>
           <a:xfrm>
-            <a:off x="633412" y="524932"/>
+            <a:off x="1700212" y="170391"/>
             <a:ext cx="8534400" cy="1507067"/>
           </a:xfrm>
         </p:spPr>
         <p:txBody>
-          <a:bodyPr/>
+          <a:bodyPr>
+            <a:normAutofit/>
+          </a:bodyPr>
           <a:lstStyle/>
           <a:p>
             <a:r>
               <a:rPr lang="ru-RU" dirty="0" smtClean="0"/>
-              <a:t>Работа и Результаты</a:t>
+              <a:t>Доставка результатов</a:t>
             </a:r>
             <a:endParaRPr lang="ru-RU" dirty="0"/>
           </a:p>
@@ -8166,7 +9424,7 @@
       </p:sp>
       <p:pic>
         <p:nvPicPr>
-          <p:cNvPr id="5" name="Picture 1" descr="/Users/Rostislav_Vatolin/Desktop/minsk-AW-24h-table.png"/>
+          <p:cNvPr id="4" name="Picture 20" descr="greeting%20message.jpg"/>
           <p:cNvPicPr/>
           <p:nvPr/>
         </p:nvPicPr>
@@ -8185,8 +9443,8 @@
         </p:blipFill>
         <p:spPr bwMode="auto">
           <a:xfrm>
-            <a:off x="633412" y="2120900"/>
-            <a:ext cx="5685155" cy="4064000"/>
+            <a:off x="327024" y="1430337"/>
+            <a:ext cx="5527675" cy="3789363"/>
           </a:xfrm>
           <a:prstGeom prst="rect">
             <a:avLst/>
@@ -8197,21 +9455,54 @@
           </a:ln>
         </p:spPr>
       </p:pic>
-      <p:sp>
-        <p:nvSpPr>
-          <p:cNvPr id="6" name="TextBox 5"/>
-          <p:cNvSpPr txBox="1"/>
+      <p:pic>
+        <p:nvPicPr>
+          <p:cNvPr id="5" name="Picture 23" descr="report%20message.jpg"/>
+          <p:cNvPicPr/>
           <p:nvPr/>
-        </p:nvSpPr>
-        <p:spPr>
+        </p:nvPicPr>
+        <p:blipFill>
+          <a:blip r:embed="rId3">
+            <a:extLst>
+              <a:ext uri="{28A0092B-C50C-407E-A947-70E740481C1C}">
+                <a14:useLocalDpi xmlns:a14="http://schemas.microsoft.com/office/drawing/2010/main" val="0"/>
+              </a:ext>
+            </a:extLst>
+          </a:blip>
+          <a:srcRect/>
+          <a:stretch>
+            <a:fillRect/>
+          </a:stretch>
+        </p:blipFill>
+        <p:spPr bwMode="auto">
           <a:xfrm>
-            <a:off x="7035800" y="2120900"/>
-            <a:ext cx="3759200" cy="1200329"/>
+            <a:off x="6159500" y="1430336"/>
+            <a:ext cx="5941695" cy="3789363"/>
           </a:xfrm>
           <a:prstGeom prst="rect">
             <a:avLst/>
           </a:prstGeom>
           <a:noFill/>
+          <a:ln>
+            <a:noFill/>
+          </a:ln>
+        </p:spPr>
+      </p:pic>
+      <p:sp>
+        <p:nvSpPr>
+          <p:cNvPr id="6" name="TextBox 5"/>
+          <p:cNvSpPr txBox="1"/>
+          <p:nvPr/>
+        </p:nvSpPr>
+        <p:spPr>
+          <a:xfrm>
+            <a:off x="952500" y="5537200"/>
+            <a:ext cx="8343900" cy="646331"/>
+          </a:xfrm>
+          <a:prstGeom prst="rect">
+            <a:avLst/>
+          </a:prstGeom>
+          <a:noFill/>
         </p:spPr>
         <p:txBody>
           <a:bodyPr wrap="square" rtlCol="0">
@@ -8221,16 +9512,47 @@
           <a:p>
             <a:r>
               <a:rPr lang="ru-RU" dirty="0" smtClean="0"/>
-              <a:t>После нескольких недель работы данного модуля были получены множества писем-отчетов.</a:t>
+              <a:t>Представлены изображения писем, приходящих на почтовый ящик. В письме-отчете присутствует </a:t>
+            </a:r>
+            <a:r>
+              <a:rPr lang="en-US" dirty="0" smtClean="0"/>
+              <a:t>CSV-</a:t>
+            </a:r>
+            <a:r>
+              <a:rPr lang="ru-RU" dirty="0" smtClean="0"/>
+              <a:t>файл.</a:t>
             </a:r>
             <a:endParaRPr lang="ru-RU" dirty="0"/>
+          </a:p>
+        </p:txBody>
+      </p:sp>
+      <p:sp>
+        <p:nvSpPr>
+          <p:cNvPr id="7" name="Нижний колонтитул 6"/>
+          <p:cNvSpPr>
+            <a:spLocks noGrp="1"/>
+          </p:cNvSpPr>
+          <p:nvPr>
+            <p:ph type="ftr" sz="quarter" idx="11"/>
+          </p:nvPr>
+        </p:nvSpPr>
+        <p:spPr/>
+        <p:txBody>
+          <a:bodyPr/>
+          <a:lstStyle/>
+          <a:p>
+            <a:r>
+              <a:rPr lang="ru-RU" smtClean="0"/>
+              <a:t>Ватолин Р. П. "Реализация модуля контроля системы веб-служб на базе распределенных вычислений" 2017</a:t>
+            </a:r>
+            <a:endParaRPr lang="en-US" dirty="0"/>
           </a:p>
         </p:txBody>
       </p:sp>
     </p:spTree>
     <p:extLst>
       <p:ext uri="{BB962C8B-B14F-4D97-AF65-F5344CB8AC3E}">
-        <p14:creationId xmlns:p14="http://schemas.microsoft.com/office/powerpoint/2010/main" val="699005319"/>
+        <p14:creationId xmlns:p14="http://schemas.microsoft.com/office/powerpoint/2010/main" val="4014684018"/>
       </p:ext>
     </p:extLst>
   </p:cSld>
@@ -8519,4 +9841,265 @@
     </a:ext>
   </a:extLst>
 </a:theme>
+</file>
+
+<file path=ppt/theme/theme2.xml><?xml version="1.0" encoding="utf-8"?>
+<a:theme xmlns:a="http://schemas.openxmlformats.org/drawingml/2006/main" name="Тема Office">
+  <a:themeElements>
+    <a:clrScheme name="Стандартная">
+      <a:dk1>
+        <a:sysClr val="windowText" lastClr="000000"/>
+      </a:dk1>
+      <a:lt1>
+        <a:sysClr val="window" lastClr="FFFFFF"/>
+      </a:lt1>
+      <a:dk2>
+        <a:srgbClr val="44546A"/>
+      </a:dk2>
+      <a:lt2>
+        <a:srgbClr val="E7E6E6"/>
+      </a:lt2>
+      <a:accent1>
+        <a:srgbClr val="5B9BD5"/>
+      </a:accent1>
+      <a:accent2>
+        <a:srgbClr val="ED7D31"/>
+      </a:accent2>
+      <a:accent3>
+        <a:srgbClr val="A5A5A5"/>
+      </a:accent3>
+      <a:accent4>
+        <a:srgbClr val="FFC000"/>
+      </a:accent4>
+      <a:accent5>
+        <a:srgbClr val="4472C4"/>
+      </a:accent5>
+      <a:accent6>
+        <a:srgbClr val="70AD47"/>
+      </a:accent6>
+      <a:hlink>
+        <a:srgbClr val="0563C1"/>
+      </a:hlink>
+      <a:folHlink>
+        <a:srgbClr val="954F72"/>
+      </a:folHlink>
+    </a:clrScheme>
+    <a:fontScheme name="Стандартная">
+      <a:majorFont>
+        <a:latin typeface="Calibri Light" panose="020F0302020204030204"/>
+        <a:ea typeface=""/>
+        <a:cs typeface=""/>
+        <a:font script="Jpan" typeface="ＭＳ Ｐゴシック"/>
+        <a:font script="Hang" typeface="맑은 고딕"/>
+        <a:font script="Hans" typeface="宋体"/>
+        <a:font script="Hant" typeface="新細明體"/>
+        <a:font script="Arab" typeface="Times New Roman"/>
+        <a:font script="Hebr" typeface="Times New Roman"/>
+        <a:font script="Thai" typeface="Angsana New"/>
+        <a:font script="Ethi" typeface="Nyala"/>
+        <a:font script="Beng" typeface="Vrinda"/>
+        <a:font script="Gujr" typeface="Shruti"/>
+        <a:font script="Khmr" typeface="MoolBoran"/>
+        <a:font script="Knda" typeface="Tunga"/>
+        <a:font script="Guru" typeface="Raavi"/>
+        <a:font script="Cans" typeface="Euphemia"/>
+        <a:font script="Cher" typeface="Plantagenet Cherokee"/>
+        <a:font script="Yiii" typeface="Microsoft Yi Baiti"/>
+        <a:font script="Tibt" typeface="Microsoft Himalaya"/>
+        <a:font script="Thaa" typeface="MV Boli"/>
+        <a:font script="Deva" typeface="Mangal"/>
+        <a:font script="Telu" typeface="Gautami"/>
+        <a:font script="Taml" typeface="Latha"/>
+        <a:font script="Syrc" typeface="Estrangelo Edessa"/>
+        <a:font script="Orya" typeface="Kalinga"/>
+        <a:font script="Mlym" typeface="Kartika"/>
+        <a:font script="Laoo" typeface="DokChampa"/>
+        <a:font script="Sinh" typeface="Iskoola Pota"/>
+        <a:font script="Mong" typeface="Mongolian Baiti"/>
+        <a:font script="Viet" typeface="Times New Roman"/>
+        <a:font script="Uigh" typeface="Microsoft Uighur"/>
+        <a:font script="Geor" typeface="Sylfaen"/>
+      </a:majorFont>
+      <a:minorFont>
+        <a:latin typeface="Calibri" panose="020F0502020204030204"/>
+        <a:ea typeface=""/>
+        <a:cs typeface=""/>
+        <a:font script="Jpan" typeface="ＭＳ Ｐゴシック"/>
+        <a:font script="Hang" typeface="맑은 고딕"/>
+        <a:font script="Hans" typeface="宋体"/>
+        <a:font script="Hant" typeface="新細明體"/>
+        <a:font script="Arab" typeface="Arial"/>
+        <a:font script="Hebr" typeface="Arial"/>
+        <a:font script="Thai" typeface="Cordia New"/>
+        <a:font script="Ethi" typeface="Nyala"/>
+        <a:font script="Beng" typeface="Vrinda"/>
+        <a:font script="Gujr" typeface="Shruti"/>
+        <a:font script="Khmr" typeface="DaunPenh"/>
+        <a:font script="Knda" typeface="Tunga"/>
+        <a:font script="Guru" typeface="Raavi"/>
+        <a:font script="Cans" typeface="Euphemia"/>
+        <a:font script="Cher" typeface="Plantagenet Cherokee"/>
+        <a:font script="Yiii" typeface="Microsoft Yi Baiti"/>
+        <a:font script="Tibt" typeface="Microsoft Himalaya"/>
+        <a:font script="Thaa" typeface="MV Boli"/>
+        <a:font script="Deva" typeface="Mangal"/>
+        <a:font script="Telu" typeface="Gautami"/>
+        <a:font script="Taml" typeface="Latha"/>
+        <a:font script="Syrc" typeface="Estrangelo Edessa"/>
+        <a:font script="Orya" typeface="Kalinga"/>
+        <a:font script="Mlym" typeface="Kartika"/>
+        <a:font script="Laoo" typeface="DokChampa"/>
+        <a:font script="Sinh" typeface="Iskoola Pota"/>
+        <a:font script="Mong" typeface="Mongolian Baiti"/>
+        <a:font script="Viet" typeface="Arial"/>
+        <a:font script="Uigh" typeface="Microsoft Uighur"/>
+        <a:font script="Geor" typeface="Sylfaen"/>
+      </a:minorFont>
+    </a:fontScheme>
+    <a:fmtScheme name="Стандартная">
+      <a:fillStyleLst>
+        <a:solidFill>
+          <a:schemeClr val="phClr"/>
+        </a:solidFill>
+        <a:gradFill rotWithShape="1">
+          <a:gsLst>
+            <a:gs pos="0">
+              <a:schemeClr val="phClr">
+                <a:lumMod val="110000"/>
+                <a:satMod val="105000"/>
+                <a:tint val="67000"/>
+              </a:schemeClr>
+            </a:gs>
+            <a:gs pos="50000">
+              <a:schemeClr val="phClr">
+                <a:lumMod val="105000"/>
+                <a:satMod val="103000"/>
+                <a:tint val="73000"/>
+              </a:schemeClr>
+            </a:gs>
+            <a:gs pos="100000">
+              <a:schemeClr val="phClr">
+                <a:lumMod val="105000"/>
+                <a:satMod val="109000"/>
+                <a:tint val="81000"/>
+              </a:schemeClr>
+            </a:gs>
+          </a:gsLst>
+          <a:lin ang="5400000" scaled="0"/>
+        </a:gradFill>
+        <a:gradFill rotWithShape="1">
+          <a:gsLst>
+            <a:gs pos="0">
+              <a:schemeClr val="phClr">
+                <a:satMod val="103000"/>
+                <a:lumMod val="102000"/>
+                <a:tint val="94000"/>
+              </a:schemeClr>
+            </a:gs>
+            <a:gs pos="50000">
+              <a:schemeClr val="phClr">
+                <a:satMod val="110000"/>
+                <a:lumMod val="100000"/>
+                <a:shade val="100000"/>
+              </a:schemeClr>
+            </a:gs>
+            <a:gs pos="100000">
+              <a:schemeClr val="phClr">
+                <a:lumMod val="99000"/>
+                <a:satMod val="120000"/>
+                <a:shade val="78000"/>
+              </a:schemeClr>
+            </a:gs>
+          </a:gsLst>
+          <a:lin ang="5400000" scaled="0"/>
+        </a:gradFill>
+      </a:fillStyleLst>
+      <a:lnStyleLst>
+        <a:ln w="6350" cap="flat" cmpd="sng" algn="ctr">
+          <a:solidFill>
+            <a:schemeClr val="phClr"/>
+          </a:solidFill>
+          <a:prstDash val="solid"/>
+          <a:miter lim="800000"/>
+        </a:ln>
+        <a:ln w="12700" cap="flat" cmpd="sng" algn="ctr">
+          <a:solidFill>
+            <a:schemeClr val="phClr"/>
+          </a:solidFill>
+          <a:prstDash val="solid"/>
+          <a:miter lim="800000"/>
+        </a:ln>
+        <a:ln w="19050" cap="flat" cmpd="sng" algn="ctr">
+          <a:solidFill>
+            <a:schemeClr val="phClr"/>
+          </a:solidFill>
+          <a:prstDash val="solid"/>
+          <a:miter lim="800000"/>
+        </a:ln>
+      </a:lnStyleLst>
+      <a:effectStyleLst>
+        <a:effectStyle>
+          <a:effectLst/>
+        </a:effectStyle>
+        <a:effectStyle>
+          <a:effectLst/>
+        </a:effectStyle>
+        <a:effectStyle>
+          <a:effectLst>
+            <a:outerShdw blurRad="57150" dist="19050" dir="5400000" algn="ctr" rotWithShape="0">
+              <a:srgbClr val="000000">
+                <a:alpha val="63000"/>
+              </a:srgbClr>
+            </a:outerShdw>
+          </a:effectLst>
+        </a:effectStyle>
+      </a:effectStyleLst>
+      <a:bgFillStyleLst>
+        <a:solidFill>
+          <a:schemeClr val="phClr"/>
+        </a:solidFill>
+        <a:solidFill>
+          <a:schemeClr val="phClr">
+            <a:tint val="95000"/>
+            <a:satMod val="170000"/>
+          </a:schemeClr>
+        </a:solidFill>
+        <a:gradFill rotWithShape="1">
+          <a:gsLst>
+            <a:gs pos="0">
+              <a:schemeClr val="phClr">
+                <a:tint val="93000"/>
+                <a:satMod val="150000"/>
+                <a:shade val="98000"/>
+                <a:lumMod val="102000"/>
+              </a:schemeClr>
+            </a:gs>
+            <a:gs pos="50000">
+              <a:schemeClr val="phClr">
+                <a:tint val="98000"/>
+                <a:satMod val="130000"/>
+                <a:shade val="90000"/>
+                <a:lumMod val="103000"/>
+              </a:schemeClr>
+            </a:gs>
+            <a:gs pos="100000">
+              <a:schemeClr val="phClr">
+                <a:shade val="63000"/>
+                <a:satMod val="120000"/>
+              </a:schemeClr>
+            </a:gs>
+          </a:gsLst>
+          <a:lin ang="5400000" scaled="0"/>
+        </a:gradFill>
+      </a:bgFillStyleLst>
+    </a:fmtScheme>
+  </a:themeElements>
+  <a:objectDefaults/>
+  <a:extraClrSchemeLst/>
+  <a:extLst>
+    <a:ext uri="{05A4C25C-085E-4340-85A3-A5531E510DB2}">
+      <thm15:themeFamily xmlns:thm15="http://schemas.microsoft.com/office/thememl/2012/main" name="Office Theme" id="{62F939B6-93AF-4DB8-9C6B-D6C7DFDC589F}" vid="{4A3C46E8-61CC-4603-A589-7422A47A8E4A}"/>
+    </a:ext>
+  </a:extLst>
+</a:theme>
 </file>
--- a/docs/VatolinRP.pptx
+++ b/docs/VatolinRP.pptx
@@ -209,7 +209,7 @@
           <a:p>
             <a:fld id="{28259261-A06E-4889-B13E-D697D32CA4FD}" type="datetimeFigureOut">
               <a:rPr lang="ru-RU" smtClean="0"/>
-              <a:t>06.06.2017</a:t>
+              <a:t>07.06.2017</a:t>
             </a:fld>
             <a:endParaRPr lang="ru-RU"/>
           </a:p>
@@ -1004,7 +1004,7 @@
           <a:p>
             <a:fld id="{5A5919E8-B2EB-40BB-BE7A-A5EF9BE85FEF}" type="datetime1">
               <a:rPr lang="en-US" smtClean="0"/>
-              <a:t>06-Jun-17</a:t>
+              <a:t>07-Jun-17</a:t>
             </a:fld>
             <a:endParaRPr lang="en-US" dirty="0"/>
           </a:p>
@@ -1440,7 +1440,7 @@
           <a:p>
             <a:fld id="{A3E16DE4-25DB-46C5-A889-0618EC90F324}" type="datetime1">
               <a:rPr lang="en-US" smtClean="0"/>
-              <a:t>06-Jun-17</a:t>
+              <a:t>07-Jun-17</a:t>
             </a:fld>
             <a:endParaRPr lang="en-US" dirty="0"/>
           </a:p>
@@ -1690,7 +1690,7 @@
           <a:p>
             <a:fld id="{7F808487-E809-47A8-A20E-FAF97D2B854C}" type="datetime1">
               <a:rPr lang="en-US" smtClean="0"/>
-              <a:t>06-Jun-17</a:t>
+              <a:t>07-Jun-17</a:t>
             </a:fld>
             <a:endParaRPr lang="en-US" dirty="0"/>
           </a:p>
@@ -1998,7 +1998,7 @@
           <a:p>
             <a:fld id="{9A375A46-15B6-47B9-B237-298FFFA2FD44}" type="datetime1">
               <a:rPr lang="en-US" smtClean="0"/>
-              <a:t>06-Jun-17</a:t>
+              <a:t>07-Jun-17</a:t>
             </a:fld>
             <a:endParaRPr lang="en-US" dirty="0"/>
           </a:p>
@@ -2316,7 +2316,7 @@
           <a:p>
             <a:fld id="{283F5C00-6F59-4ACA-B2F3-BD2B1BCA3B6E}" type="datetime1">
               <a:rPr lang="en-US" smtClean="0"/>
-              <a:t>06-Jun-17</a:t>
+              <a:t>07-Jun-17</a:t>
             </a:fld>
             <a:endParaRPr lang="en-US" dirty="0"/>
           </a:p>
@@ -2618,7 +2618,7 @@
           <a:p>
             <a:fld id="{7977D106-AADE-4E97-91EE-1132090FDB49}" type="datetime1">
               <a:rPr lang="en-US" smtClean="0"/>
-              <a:t>06-Jun-17</a:t>
+              <a:t>07-Jun-17</a:t>
             </a:fld>
             <a:endParaRPr lang="en-US" dirty="0"/>
           </a:p>
@@ -2985,7 +2985,7 @@
           <a:p>
             <a:fld id="{0DA22011-569E-4140-8D98-9089A203C85F}" type="datetime1">
               <a:rPr lang="en-US" smtClean="0"/>
-              <a:t>06-Jun-17</a:t>
+              <a:t>07-Jun-17</a:t>
             </a:fld>
             <a:endParaRPr lang="en-US" dirty="0"/>
           </a:p>
@@ -3159,7 +3159,7 @@
           <a:p>
             <a:fld id="{2BEC4D0C-FAC8-463C-812B-81CE7C1C23F2}" type="datetime1">
               <a:rPr lang="en-US" smtClean="0"/>
-              <a:t>06-Jun-17</a:t>
+              <a:t>07-Jun-17</a:t>
             </a:fld>
             <a:endParaRPr lang="en-US" dirty="0"/>
           </a:p>
@@ -3339,7 +3339,7 @@
           <a:p>
             <a:fld id="{9723E81D-7C55-48C9-B718-9A191221EC5E}" type="datetime1">
               <a:rPr lang="en-US" smtClean="0"/>
-              <a:t>06-Jun-17</a:t>
+              <a:t>07-Jun-17</a:t>
             </a:fld>
             <a:endParaRPr lang="en-US" dirty="0"/>
           </a:p>
@@ -3509,7 +3509,7 @@
           <a:p>
             <a:fld id="{23F9B089-D664-42D9-8F38-90D7F08A88A8}" type="datetime1">
               <a:rPr lang="en-US" smtClean="0"/>
-              <a:t>06-Jun-17</a:t>
+              <a:t>07-Jun-17</a:t>
             </a:fld>
             <a:endParaRPr lang="en-US" dirty="0"/>
           </a:p>
@@ -3759,7 +3759,7 @@
           <a:p>
             <a:fld id="{8A13BF5D-37E5-4927-8B05-BA63B5AC3042}" type="datetime1">
               <a:rPr lang="en-US" smtClean="0"/>
-              <a:t>06-Jun-17</a:t>
+              <a:t>07-Jun-17</a:t>
             </a:fld>
             <a:endParaRPr lang="en-US" dirty="0"/>
           </a:p>
@@ -3995,7 +3995,7 @@
           <a:p>
             <a:fld id="{A15D0CCE-8FE0-43BA-AD16-01A257332518}" type="datetime1">
               <a:rPr lang="en-US" smtClean="0"/>
-              <a:t>06-Jun-17</a:t>
+              <a:t>07-Jun-17</a:t>
             </a:fld>
             <a:endParaRPr lang="en-US" dirty="0"/>
           </a:p>
@@ -4377,7 +4377,7 @@
           <a:p>
             <a:fld id="{76B9B707-5009-4E46-B981-66ABD1C48A6C}" type="datetime1">
               <a:rPr lang="en-US" smtClean="0"/>
-              <a:t>06-Jun-17</a:t>
+              <a:t>07-Jun-17</a:t>
             </a:fld>
             <a:endParaRPr lang="en-US" dirty="0"/>
           </a:p>
@@ -4495,7 +4495,7 @@
           <a:p>
             <a:fld id="{6AD8FD92-5782-41C9-A98A-0DD1D7B2F76A}" type="datetime1">
               <a:rPr lang="en-US" smtClean="0"/>
-              <a:t>06-Jun-17</a:t>
+              <a:t>07-Jun-17</a:t>
             </a:fld>
             <a:endParaRPr lang="en-US" dirty="0"/>
           </a:p>
@@ -4590,7 +4590,7 @@
           <a:p>
             <a:fld id="{98D8145A-D957-47CE-9557-036ABA10B742}" type="datetime1">
               <a:rPr lang="en-US" smtClean="0"/>
-              <a:t>06-Jun-17</a:t>
+              <a:t>07-Jun-17</a:t>
             </a:fld>
             <a:endParaRPr lang="en-US" dirty="0"/>
           </a:p>
@@ -4845,7 +4845,7 @@
           <a:p>
             <a:fld id="{BF47936E-E4BF-4635-A09C-CDFC55E0A6A2}" type="datetime1">
               <a:rPr lang="en-US" smtClean="0"/>
-              <a:t>06-Jun-17</a:t>
+              <a:t>07-Jun-17</a:t>
             </a:fld>
             <a:endParaRPr lang="en-US" dirty="0"/>
           </a:p>
@@ -5128,7 +5128,7 @@
           <a:p>
             <a:fld id="{412B5D79-87A3-4CFF-A891-D83E77C0635F}" type="datetime1">
               <a:rPr lang="en-US" smtClean="0"/>
-              <a:t>06-Jun-17</a:t>
+              <a:t>07-Jun-17</a:t>
             </a:fld>
             <a:endParaRPr lang="en-US" dirty="0"/>
           </a:p>
@@ -5534,7 +5534,7 @@
           <a:p>
             <a:fld id="{58307D8D-E4B5-4EF5-A18F-5B2CFE3F852C}" type="datetime1">
               <a:rPr lang="en-US" smtClean="0"/>
-              <a:t>06-Jun-17</a:t>
+              <a:t>07-Jun-17</a:t>
             </a:fld>
             <a:endParaRPr lang="en-US" dirty="0"/>
           </a:p>
@@ -6657,16 +6657,30 @@
             <p:ph type="ftr" sz="quarter" idx="11"/>
           </p:nvPr>
         </p:nvSpPr>
-        <p:spPr/>
+        <p:spPr>
+          <a:xfrm>
+            <a:off x="0" y="6286502"/>
+            <a:ext cx="12192000" cy="365125"/>
+          </a:xfrm>
+        </p:spPr>
         <p:txBody>
           <a:bodyPr/>
           <a:lstStyle/>
           <a:p>
-            <a:r>
-              <a:rPr lang="ru-RU" smtClean="0"/>
+            <a:pPr algn="ctr"/>
+            <a:r>
+              <a:rPr lang="ru-RU" sz="1200" dirty="0" smtClean="0">
+                <a:solidFill>
+                  <a:schemeClr val="tx1"/>
+                </a:solidFill>
+              </a:rPr>
               <a:t>Ватолин Р. П. "Реализация модуля контроля системы веб-служб на базе распределенных вычислений" 2017</a:t>
             </a:r>
-            <a:endParaRPr lang="en-US" dirty="0"/>
+            <a:endParaRPr lang="en-US" sz="1200" dirty="0">
+              <a:solidFill>
+                <a:schemeClr val="tx1"/>
+              </a:solidFill>
+            </a:endParaRPr>
           </a:p>
         </p:txBody>
       </p:sp>
@@ -6756,7 +6770,7 @@
         </p:blipFill>
         <p:spPr bwMode="auto">
           <a:xfrm>
-            <a:off x="773112" y="1712277"/>
+            <a:off x="989012" y="1428431"/>
             <a:ext cx="3494088" cy="2072323"/>
           </a:xfrm>
           <a:prstGeom prst="rect">
@@ -6789,7 +6803,7 @@
         </p:blipFill>
         <p:spPr bwMode="auto">
           <a:xfrm>
-            <a:off x="5918199" y="1712277"/>
+            <a:off x="6400799" y="1428431"/>
             <a:ext cx="3832225" cy="2072323"/>
           </a:xfrm>
           <a:prstGeom prst="rect">
@@ -6821,7 +6835,7 @@
         </p:blipFill>
         <p:spPr>
           <a:xfrm>
-            <a:off x="5918198" y="4438490"/>
+            <a:off x="6400799" y="4120989"/>
             <a:ext cx="3832225" cy="1900553"/>
           </a:xfrm>
           <a:prstGeom prst="rect">
@@ -6849,7 +6863,7 @@
         </p:blipFill>
         <p:spPr>
           <a:xfrm>
-            <a:off x="773113" y="4438490"/>
+            <a:off x="989012" y="4120990"/>
             <a:ext cx="3494088" cy="1900553"/>
           </a:xfrm>
           <a:prstGeom prst="rect">
@@ -6867,16 +6881,30 @@
             <p:ph type="ftr" sz="quarter" idx="11"/>
           </p:nvPr>
         </p:nvSpPr>
-        <p:spPr/>
+        <p:spPr>
+          <a:xfrm>
+            <a:off x="0" y="6339043"/>
+            <a:ext cx="12192000" cy="365125"/>
+          </a:xfrm>
+        </p:spPr>
         <p:txBody>
           <a:bodyPr/>
           <a:lstStyle/>
           <a:p>
-            <a:r>
-              <a:rPr lang="ru-RU" smtClean="0"/>
+            <a:pPr algn="ctr"/>
+            <a:r>
+              <a:rPr lang="ru-RU" sz="1200" dirty="0" smtClean="0">
+                <a:solidFill>
+                  <a:schemeClr val="tx1"/>
+                </a:solidFill>
+              </a:rPr>
               <a:t>Ватолин Р. П. "Реализация модуля контроля системы веб-служб на базе распределенных вычислений" 2017</a:t>
             </a:r>
-            <a:endParaRPr lang="en-US" dirty="0"/>
+            <a:endParaRPr lang="en-US" sz="1200" dirty="0">
+              <a:solidFill>
+                <a:schemeClr val="tx1"/>
+              </a:solidFill>
+            </a:endParaRPr>
           </a:p>
         </p:txBody>
       </p:sp>
@@ -6967,8 +6995,8 @@
         </p:blipFill>
         <p:spPr>
           <a:xfrm>
-            <a:off x="1011237" y="1727199"/>
-            <a:ext cx="2493963" cy="4964060"/>
+            <a:off x="985837" y="1727199"/>
+            <a:ext cx="2493963" cy="4151259"/>
           </a:xfrm>
           <a:prstGeom prst="rect">
             <a:avLst/>
@@ -7015,16 +7043,30 @@
             <p:ph type="ftr" sz="quarter" idx="11"/>
           </p:nvPr>
         </p:nvSpPr>
-        <p:spPr/>
+        <p:spPr>
+          <a:xfrm>
+            <a:off x="0" y="6172200"/>
+            <a:ext cx="12192000" cy="365125"/>
+          </a:xfrm>
+        </p:spPr>
         <p:txBody>
           <a:bodyPr/>
           <a:lstStyle/>
           <a:p>
-            <a:r>
-              <a:rPr lang="ru-RU" smtClean="0"/>
+            <a:pPr algn="ctr"/>
+            <a:r>
+              <a:rPr lang="ru-RU" sz="1200" dirty="0" smtClean="0">
+                <a:solidFill>
+                  <a:schemeClr val="tx1"/>
+                </a:solidFill>
+              </a:rPr>
               <a:t>Ватолин Р. П. "Реализация модуля контроля системы веб-служб на базе распределенных вычислений" 2017</a:t>
             </a:r>
-            <a:endParaRPr lang="en-US" dirty="0"/>
+            <a:endParaRPr lang="en-US" sz="1200" dirty="0">
+              <a:solidFill>
+                <a:schemeClr val="tx1"/>
+              </a:solidFill>
+            </a:endParaRPr>
           </a:p>
         </p:txBody>
       </p:sp>
@@ -7102,7 +7144,7 @@
         <p:spPr>
           <a:xfrm>
             <a:off x="927100" y="1638299"/>
-            <a:ext cx="7327900" cy="4801314"/>
+            <a:ext cx="7327900" cy="4524315"/>
           </a:xfrm>
           <a:prstGeom prst="rect">
             <a:avLst/>
@@ -7120,23 +7162,7 @@
             </a:pPr>
             <a:r>
               <a:rPr lang="ru-RU" dirty="0" smtClean="0"/>
-              <a:t>Ознакомившись с </a:t>
-            </a:r>
-            <a:r>
-              <a:rPr lang="ru-RU" dirty="0" err="1" smtClean="0"/>
-              <a:t>фреймворком</a:t>
-            </a:r>
-            <a:r>
-              <a:rPr lang="ru-RU" dirty="0" smtClean="0"/>
-              <a:t> </a:t>
-            </a:r>
-            <a:r>
-              <a:rPr lang="en-US" dirty="0" smtClean="0"/>
-              <a:t>Apache Storm</a:t>
-            </a:r>
-            <a:r>
-              <a:rPr lang="ru-RU" dirty="0" smtClean="0"/>
-              <a:t> при создании вычислительного модуля, можно с уверенностью сказать, что любая подобная задача с анализом данных может быть быстро и эффективно реализована</a:t>
+              <a:t>Ознакомившись с большим количеством веб-служб, можно сделать вывод, что каждая из них имеет свою погрешность в определенной зоне на карте мира в определенный промежуток времени</a:t>
             </a:r>
             <a:r>
               <a:rPr lang="en-US" dirty="0" smtClean="0"/>
@@ -7150,23 +7176,19 @@
             </a:pPr>
             <a:r>
               <a:rPr lang="ru-RU" dirty="0" smtClean="0"/>
-              <a:t>Получив опыт с интеграцией между множеством сторонних веб-служб реализующих </a:t>
-            </a:r>
-            <a:r>
-              <a:rPr lang="en-US" dirty="0" smtClean="0"/>
-              <a:t>REST </a:t>
+              <a:t>Самым лучшем поставщиком прогнозов для городо</a:t>
+            </a:r>
+            <a:r>
+              <a:rPr lang="ru-RU" dirty="0"/>
+              <a:t>в</a:t>
             </a:r>
             <a:r>
               <a:rPr lang="ru-RU" dirty="0" smtClean="0"/>
-              <a:t>архитектуру, можно смело сделать вывод о том, что в плане надежности современные сервисы предоставляют множество преимуществ над теми сервисами, которые работают, используя </a:t>
-            </a:r>
-            <a:r>
-              <a:rPr lang="en-US" dirty="0" smtClean="0"/>
-              <a:t>SOAP </a:t>
-            </a:r>
-            <a:r>
-              <a:rPr lang="ru-RU" dirty="0" smtClean="0"/>
-              <a:t>протокол передачи данных</a:t>
+              <a:t> РБ оказалась компания </a:t>
+            </a:r>
+            <a:r>
+              <a:rPr lang="en-US" dirty="0" err="1" smtClean="0"/>
+              <a:t>AccuWeather</a:t>
             </a:r>
             <a:r>
               <a:rPr lang="en-US" dirty="0" smtClean="0"/>
@@ -7180,23 +7202,15 @@
             </a:pPr>
             <a:r>
               <a:rPr lang="ru-RU" dirty="0" smtClean="0"/>
-              <a:t>Ознакомившись и применив на практике навыки работы с </a:t>
-            </a:r>
-            <a:r>
-              <a:rPr lang="en-US" dirty="0" smtClean="0"/>
-              <a:t>CSV</a:t>
+              <a:t>В ходе работы была обнаружена необходимость в финансовых вложениях, чтобы осуществить аналитику в полной ее  мере, что </a:t>
+            </a:r>
+            <a:r>
+              <a:rPr lang="ru-RU" dirty="0" err="1" smtClean="0"/>
+              <a:t>ограничела</a:t>
             </a:r>
             <a:r>
               <a:rPr lang="ru-RU" dirty="0" smtClean="0"/>
-              <a:t>-файлами, стоит особо подчеркнуть их приспособленность к работе в среде </a:t>
-            </a:r>
-            <a:r>
-              <a:rPr lang="en-US" dirty="0" smtClean="0"/>
-              <a:t>Microsoft Excel</a:t>
-            </a:r>
-            <a:r>
-              <a:rPr lang="en-US" dirty="0"/>
-              <a:t>;</a:t>
+              <a:t> возможности данного программного модуля.</a:t>
             </a:r>
             <a:endParaRPr lang="ru-RU" dirty="0" smtClean="0"/>
           </a:p>
@@ -7206,6 +7220,32 @@
             </a:pPr>
             <a:r>
               <a:rPr lang="ru-RU" dirty="0" smtClean="0"/>
+              <a:t>Ознакомившись и применив на практике навыки работы с </a:t>
+            </a:r>
+            <a:r>
+              <a:rPr lang="en-US" dirty="0" smtClean="0"/>
+              <a:t>CSV</a:t>
+            </a:r>
+            <a:r>
+              <a:rPr lang="ru-RU" dirty="0" smtClean="0"/>
+              <a:t>-файлами, стоит особо подчеркнуть их приспособленность к работе в среде </a:t>
+            </a:r>
+            <a:r>
+              <a:rPr lang="en-US" dirty="0" smtClean="0"/>
+              <a:t>Microsoft Excel</a:t>
+            </a:r>
+            <a:r>
+              <a:rPr lang="en-US" dirty="0"/>
+              <a:t>;</a:t>
+            </a:r>
+            <a:endParaRPr lang="ru-RU" dirty="0" smtClean="0"/>
+          </a:p>
+          <a:p>
+            <a:pPr marL="342900" indent="-342900">
+              <a:buAutoNum type="arabicParenR"/>
+            </a:pPr>
+            <a:r>
+              <a:rPr lang="ru-RU" dirty="0" smtClean="0"/>
               <a:t>Реализовав работу с электронной рассылкой отчетов было правильным решением, так как оно не нагружает систему и не представляет финансовых трудностей.</a:t>
             </a:r>
             <a:endParaRPr lang="ru-RU" dirty="0"/>
@@ -7222,16 +7262,30 @@
             <p:ph type="ftr" sz="quarter" idx="11"/>
           </p:nvPr>
         </p:nvSpPr>
-        <p:spPr/>
+        <p:spPr>
+          <a:xfrm>
+            <a:off x="0" y="6172200"/>
+            <a:ext cx="12192000" cy="365125"/>
+          </a:xfrm>
+        </p:spPr>
         <p:txBody>
           <a:bodyPr/>
           <a:lstStyle/>
           <a:p>
-            <a:r>
-              <a:rPr lang="ru-RU" smtClean="0"/>
+            <a:pPr algn="ctr"/>
+            <a:r>
+              <a:rPr lang="ru-RU" sz="1200" dirty="0" smtClean="0">
+                <a:solidFill>
+                  <a:schemeClr val="tx1"/>
+                </a:solidFill>
+              </a:rPr>
               <a:t>Ватолин Р. П. "Реализация модуля контроля системы веб-служб на базе распределенных вычислений" 2017</a:t>
             </a:r>
-            <a:endParaRPr lang="en-US" dirty="0"/>
+            <a:endParaRPr lang="en-US" sz="1200" dirty="0">
+              <a:solidFill>
+                <a:schemeClr val="tx1"/>
+              </a:solidFill>
+            </a:endParaRPr>
           </a:p>
         </p:txBody>
       </p:sp>
@@ -7326,7 +7380,6 @@
               <a:rPr lang="ru-RU" dirty="0" smtClean="0"/>
               <a:t>На сегодняшний день существует множество метеослужб, предоставляющие свои прогнозы, получение наиболее точного очень важно по многим причинам, в том числе:</a:t>
             </a:r>
-            <a:endParaRPr lang="ru-RU" dirty="0" smtClean="0"/>
           </a:p>
           <a:p>
             <a:pPr marL="342900" indent="-342900">
@@ -7348,7 +7401,6 @@
               <a:rPr lang="en-US" dirty="0" smtClean="0"/>
               <a:t>;</a:t>
             </a:r>
-            <a:endParaRPr lang="en-US" dirty="0" smtClean="0"/>
           </a:p>
           <a:p>
             <a:pPr marL="342900" indent="-342900">
@@ -7366,7 +7418,6 @@
               <a:rPr lang="en-US" dirty="0" smtClean="0"/>
               <a:t>;</a:t>
             </a:r>
-            <a:endParaRPr lang="en-US" dirty="0" smtClean="0"/>
           </a:p>
           <a:p>
             <a:pPr marL="342900" indent="-342900">
@@ -7390,7 +7441,6 @@
               <a:rPr lang="ru-RU" dirty="0" smtClean="0"/>
               <a:t>синоптика все еще является актуальной задачей.</a:t>
             </a:r>
-            <a:endParaRPr lang="ru-RU" dirty="0" smtClean="0"/>
           </a:p>
         </p:txBody>
       </p:sp>
@@ -7406,14 +7456,15 @@
         </p:nvSpPr>
         <p:spPr>
           <a:xfrm>
-            <a:off x="1813718" y="6064024"/>
-            <a:ext cx="8485188" cy="365125"/>
+            <a:off x="0" y="6102124"/>
+            <a:ext cx="12192000" cy="365125"/>
           </a:xfrm>
         </p:spPr>
         <p:txBody>
           <a:bodyPr/>
           <a:lstStyle/>
           <a:p>
+            <a:pPr algn="ctr"/>
             <a:r>
               <a:rPr lang="ru-RU" sz="1200" dirty="0" smtClean="0">
                 <a:solidFill>
@@ -7597,7 +7648,6 @@
               <a:rPr lang="ru-RU" dirty="0" smtClean="0"/>
               <a:t>», который в свою очередь представил следующие недостатки:</a:t>
             </a:r>
-            <a:endParaRPr lang="ru-RU" dirty="0" smtClean="0"/>
           </a:p>
           <a:p>
             <a:pPr marL="342900" indent="-342900">
@@ -7605,11 +7655,7 @@
             </a:pPr>
             <a:r>
               <a:rPr lang="ru-RU" dirty="0" smtClean="0"/>
-              <a:t>Анализ данных происходит только 4 раза в сутки, что является достаточн</a:t>
-            </a:r>
-            <a:r>
-              <a:rPr lang="ru-RU" dirty="0" smtClean="0"/>
-              <a:t>ым, для корректной аналитики</a:t>
+              <a:t>Анализ данных происходит только 4 раза в сутки, что является достаточным, для корректной аналитики</a:t>
             </a:r>
             <a:r>
               <a:rPr lang="en-US" dirty="0" smtClean="0"/>
@@ -7680,14 +7726,15 @@
         </p:nvSpPr>
         <p:spPr>
           <a:xfrm>
-            <a:off x="1813718" y="6064024"/>
-            <a:ext cx="8485188" cy="365125"/>
+            <a:off x="0" y="6267224"/>
+            <a:ext cx="12192000" cy="365125"/>
           </a:xfrm>
         </p:spPr>
         <p:txBody>
           <a:bodyPr/>
           <a:lstStyle/>
           <a:p>
+            <a:pPr algn="ctr"/>
             <a:r>
               <a:rPr lang="ru-RU" sz="1200" dirty="0" smtClean="0">
                 <a:solidFill>
@@ -8094,14 +8141,15 @@
         </p:nvSpPr>
         <p:spPr>
           <a:xfrm>
-            <a:off x="1534116" y="6158823"/>
-            <a:ext cx="8561388" cy="365125"/>
+            <a:off x="12700" y="6251570"/>
+            <a:ext cx="12179300" cy="365125"/>
           </a:xfrm>
         </p:spPr>
         <p:txBody>
           <a:bodyPr/>
           <a:lstStyle/>
           <a:p>
+            <a:pPr algn="ctr"/>
             <a:r>
               <a:rPr lang="ru-RU" sz="1200" dirty="0" smtClean="0">
                 <a:solidFill>
@@ -8430,14 +8478,15 @@
         </p:nvSpPr>
         <p:spPr>
           <a:xfrm>
-            <a:off x="1654968" y="6146800"/>
-            <a:ext cx="8624888" cy="365125"/>
+            <a:off x="0" y="6273800"/>
+            <a:ext cx="12192000" cy="365125"/>
           </a:xfrm>
         </p:spPr>
         <p:txBody>
           <a:bodyPr/>
           <a:lstStyle/>
           <a:p>
+            <a:pPr algn="ctr"/>
             <a:r>
               <a:rPr lang="ru-RU" sz="1200" dirty="0" smtClean="0">
                 <a:solidFill>
@@ -8629,14 +8678,15 @@
         </p:nvSpPr>
         <p:spPr>
           <a:xfrm>
-            <a:off x="1910556" y="6083300"/>
-            <a:ext cx="8548688" cy="365125"/>
+            <a:off x="0" y="6171141"/>
+            <a:ext cx="12192000" cy="365125"/>
           </a:xfrm>
         </p:spPr>
         <p:txBody>
           <a:bodyPr/>
           <a:lstStyle/>
           <a:p>
+            <a:pPr algn="ctr"/>
             <a:r>
               <a:rPr lang="ru-RU" sz="1200" dirty="0" smtClean="0">
                 <a:solidFill>
@@ -8793,16 +8843,30 @@
             <p:ph type="ftr" sz="quarter" idx="11"/>
           </p:nvPr>
         </p:nvSpPr>
-        <p:spPr/>
+        <p:spPr>
+          <a:xfrm>
+            <a:off x="0" y="6323846"/>
+            <a:ext cx="12192000" cy="365125"/>
+          </a:xfrm>
+        </p:spPr>
         <p:txBody>
           <a:bodyPr/>
           <a:lstStyle/>
           <a:p>
-            <a:r>
-              <a:rPr lang="ru-RU" smtClean="0"/>
+            <a:pPr algn="ctr"/>
+            <a:r>
+              <a:rPr lang="ru-RU" sz="1200" dirty="0" smtClean="0">
+                <a:solidFill>
+                  <a:schemeClr val="tx1"/>
+                </a:solidFill>
+              </a:rPr>
               <a:t>Ватолин Р. П. "Реализация модуля контроля системы веб-служб на базе распределенных вычислений" 2017</a:t>
             </a:r>
-            <a:endParaRPr lang="en-US" dirty="0"/>
+            <a:endParaRPr lang="en-US" sz="1200" dirty="0">
+              <a:solidFill>
+                <a:schemeClr val="tx1"/>
+              </a:solidFill>
+            </a:endParaRPr>
           </a:p>
         </p:txBody>
       </p:sp>
@@ -9342,16 +9406,30 @@
             <p:ph type="ftr" sz="quarter" idx="11"/>
           </p:nvPr>
         </p:nvSpPr>
-        <p:spPr/>
+        <p:spPr>
+          <a:xfrm>
+            <a:off x="0" y="6210300"/>
+            <a:ext cx="12192000" cy="365125"/>
+          </a:xfrm>
+        </p:spPr>
         <p:txBody>
           <a:bodyPr/>
           <a:lstStyle/>
           <a:p>
-            <a:r>
-              <a:rPr lang="ru-RU" smtClean="0"/>
+            <a:pPr algn="ctr"/>
+            <a:r>
+              <a:rPr lang="ru-RU" sz="1200" dirty="0" smtClean="0">
+                <a:solidFill>
+                  <a:schemeClr val="tx1"/>
+                </a:solidFill>
+              </a:rPr>
               <a:t>Ватолин Р. П. "Реализация модуля контроля системы веб-служб на базе распределенных вычислений" 2017</a:t>
             </a:r>
-            <a:endParaRPr lang="en-US" dirty="0"/>
+            <a:endParaRPr lang="en-US" sz="1200" dirty="0">
+              <a:solidFill>
+                <a:schemeClr val="tx1"/>
+              </a:solidFill>
+            </a:endParaRPr>
           </a:p>
         </p:txBody>
       </p:sp>
@@ -9536,16 +9614,30 @@
             <p:ph type="ftr" sz="quarter" idx="11"/>
           </p:nvPr>
         </p:nvSpPr>
-        <p:spPr/>
+        <p:spPr>
+          <a:xfrm>
+            <a:off x="0" y="6297081"/>
+            <a:ext cx="12192000" cy="365125"/>
+          </a:xfrm>
+        </p:spPr>
         <p:txBody>
           <a:bodyPr/>
           <a:lstStyle/>
           <a:p>
-            <a:r>
-              <a:rPr lang="ru-RU" smtClean="0"/>
+            <a:pPr algn="ctr"/>
+            <a:r>
+              <a:rPr lang="ru-RU" sz="1200" dirty="0" smtClean="0">
+                <a:solidFill>
+                  <a:schemeClr val="tx1"/>
+                </a:solidFill>
+              </a:rPr>
               <a:t>Ватолин Р. П. "Реализация модуля контроля системы веб-служб на базе распределенных вычислений" 2017</a:t>
             </a:r>
-            <a:endParaRPr lang="en-US" dirty="0"/>
+            <a:endParaRPr lang="en-US" sz="1200" dirty="0">
+              <a:solidFill>
+                <a:schemeClr val="tx1"/>
+              </a:solidFill>
+            </a:endParaRPr>
           </a:p>
         </p:txBody>
       </p:sp>
